--- a/hw01.pptx
+++ b/hw01.pptx
@@ -2,18 +2,28 @@
 <file path=ppt/presentation.xml><?xml version="1.0" encoding="utf-8"?>
 <p:presentation xmlns:a="http://schemas.openxmlformats.org/drawingml/2006/main" xmlns:r="http://schemas.openxmlformats.org/officeDocument/2006/relationships" xmlns:p="http://schemas.openxmlformats.org/presentationml/2006/main" saveSubsetFonts="1">
   <p:sldMasterIdLst>
-    <p:sldMasterId id="2147483648" r:id="rId1"/>
+    <p:sldMasterId id="2147483672" r:id="rId1"/>
   </p:sldMasterIdLst>
+  <p:notesMasterIdLst>
+    <p:notesMasterId r:id="rId10"/>
+  </p:notesMasterIdLst>
   <p:sldIdLst>
     <p:sldId id="256" r:id="rId2"/>
+    <p:sldId id="257" r:id="rId3"/>
+    <p:sldId id="258" r:id="rId4"/>
+    <p:sldId id="259" r:id="rId5"/>
+    <p:sldId id="260" r:id="rId6"/>
+    <p:sldId id="261" r:id="rId7"/>
+    <p:sldId id="262" r:id="rId8"/>
+    <p:sldId id="263" r:id="rId9"/>
   </p:sldIdLst>
   <p:sldSz cx="12192000" cy="6858000"/>
   <p:notesSz cx="6858000" cy="9144000"/>
   <p:defaultTextStyle>
     <a:defPPr>
-      <a:defRPr lang="zh-TW"/>
+      <a:defRPr lang="en-US"/>
     </a:defPPr>
-    <a:lvl1pPr marL="0" algn="l" defTabSz="914400" rtl="0" eaLnBrk="1" latinLnBrk="0" hangingPunct="1">
+    <a:lvl1pPr marL="0" algn="l" defTabSz="457200" rtl="0" eaLnBrk="1" latinLnBrk="0" hangingPunct="1">
       <a:defRPr sz="1800" kern="1200">
         <a:solidFill>
           <a:schemeClr val="tx1"/>
@@ -23,7 +33,7 @@
         <a:cs typeface="+mn-cs"/>
       </a:defRPr>
     </a:lvl1pPr>
-    <a:lvl2pPr marL="457200" algn="l" defTabSz="914400" rtl="0" eaLnBrk="1" latinLnBrk="0" hangingPunct="1">
+    <a:lvl2pPr marL="457200" algn="l" defTabSz="457200" rtl="0" eaLnBrk="1" latinLnBrk="0" hangingPunct="1">
       <a:defRPr sz="1800" kern="1200">
         <a:solidFill>
           <a:schemeClr val="tx1"/>
@@ -33,7 +43,7 @@
         <a:cs typeface="+mn-cs"/>
       </a:defRPr>
     </a:lvl2pPr>
-    <a:lvl3pPr marL="914400" algn="l" defTabSz="914400" rtl="0" eaLnBrk="1" latinLnBrk="0" hangingPunct="1">
+    <a:lvl3pPr marL="914400" algn="l" defTabSz="457200" rtl="0" eaLnBrk="1" latinLnBrk="0" hangingPunct="1">
       <a:defRPr sz="1800" kern="1200">
         <a:solidFill>
           <a:schemeClr val="tx1"/>
@@ -43,7 +53,7 @@
         <a:cs typeface="+mn-cs"/>
       </a:defRPr>
     </a:lvl3pPr>
-    <a:lvl4pPr marL="1371600" algn="l" defTabSz="914400" rtl="0" eaLnBrk="1" latinLnBrk="0" hangingPunct="1">
+    <a:lvl4pPr marL="1371600" algn="l" defTabSz="457200" rtl="0" eaLnBrk="1" latinLnBrk="0" hangingPunct="1">
       <a:defRPr sz="1800" kern="1200">
         <a:solidFill>
           <a:schemeClr val="tx1"/>
@@ -53,7 +63,7 @@
         <a:cs typeface="+mn-cs"/>
       </a:defRPr>
     </a:lvl4pPr>
-    <a:lvl5pPr marL="1828800" algn="l" defTabSz="914400" rtl="0" eaLnBrk="1" latinLnBrk="0" hangingPunct="1">
+    <a:lvl5pPr marL="1828800" algn="l" defTabSz="457200" rtl="0" eaLnBrk="1" latinLnBrk="0" hangingPunct="1">
       <a:defRPr sz="1800" kern="1200">
         <a:solidFill>
           <a:schemeClr val="tx1"/>
@@ -63,7 +73,7 @@
         <a:cs typeface="+mn-cs"/>
       </a:defRPr>
     </a:lvl5pPr>
-    <a:lvl6pPr marL="2286000" algn="l" defTabSz="914400" rtl="0" eaLnBrk="1" latinLnBrk="0" hangingPunct="1">
+    <a:lvl6pPr marL="2286000" algn="l" defTabSz="457200" rtl="0" eaLnBrk="1" latinLnBrk="0" hangingPunct="1">
       <a:defRPr sz="1800" kern="1200">
         <a:solidFill>
           <a:schemeClr val="tx1"/>
@@ -73,7 +83,7 @@
         <a:cs typeface="+mn-cs"/>
       </a:defRPr>
     </a:lvl6pPr>
-    <a:lvl7pPr marL="2743200" algn="l" defTabSz="914400" rtl="0" eaLnBrk="1" latinLnBrk="0" hangingPunct="1">
+    <a:lvl7pPr marL="2743200" algn="l" defTabSz="457200" rtl="0" eaLnBrk="1" latinLnBrk="0" hangingPunct="1">
       <a:defRPr sz="1800" kern="1200">
         <a:solidFill>
           <a:schemeClr val="tx1"/>
@@ -83,7 +93,7 @@
         <a:cs typeface="+mn-cs"/>
       </a:defRPr>
     </a:lvl7pPr>
-    <a:lvl8pPr marL="3200400" algn="l" defTabSz="914400" rtl="0" eaLnBrk="1" latinLnBrk="0" hangingPunct="1">
+    <a:lvl8pPr marL="3200400" algn="l" defTabSz="457200" rtl="0" eaLnBrk="1" latinLnBrk="0" hangingPunct="1">
       <a:defRPr sz="1800" kern="1200">
         <a:solidFill>
           <a:schemeClr val="tx1"/>
@@ -93,7 +103,7 @@
         <a:cs typeface="+mn-cs"/>
       </a:defRPr>
     </a:lvl8pPr>
-    <a:lvl9pPr marL="3657600" algn="l" defTabSz="914400" rtl="0" eaLnBrk="1" latinLnBrk="0" hangingPunct="1">
+    <a:lvl9pPr marL="3657600" algn="l" defTabSz="457200" rtl="0" eaLnBrk="1" latinLnBrk="0" hangingPunct="1">
       <a:defRPr sz="1800" kern="1200">
         <a:solidFill>
           <a:schemeClr val="tx1"/>
@@ -104,7 +114,1158 @@
       </a:defRPr>
     </a:lvl9pPr>
   </p:defaultTextStyle>
+  <p:extLst>
+    <p:ext uri="{EFAFB233-063F-42B5-8137-9DF3F51BA10A}">
+      <p15:sldGuideLst xmlns:p15="http://schemas.microsoft.com/office/powerpoint/2012/main"/>
+    </p:ext>
+  </p:extLst>
 </p:presentation>
+</file>
+
+<file path=ppt/notesMasters/notesMaster1.xml><?xml version="1.0" encoding="utf-8"?>
+<p:notesMaster xmlns:a="http://schemas.openxmlformats.org/drawingml/2006/main" xmlns:r="http://schemas.openxmlformats.org/officeDocument/2006/relationships" xmlns:p="http://schemas.openxmlformats.org/presentationml/2006/main">
+  <p:cSld>
+    <p:bg>
+      <p:bgRef idx="1001">
+        <a:schemeClr val="bg1"/>
+      </p:bgRef>
+    </p:bg>
+    <p:spTree>
+      <p:nvGrpSpPr>
+        <p:cNvPr id="1" name=""/>
+        <p:cNvGrpSpPr/>
+        <p:nvPr/>
+      </p:nvGrpSpPr>
+      <p:grpSpPr>
+        <a:xfrm>
+          <a:off x="0" y="0"/>
+          <a:ext cx="0" cy="0"/>
+          <a:chOff x="0" y="0"/>
+          <a:chExt cx="0" cy="0"/>
+        </a:xfrm>
+      </p:grpSpPr>
+      <p:sp>
+        <p:nvSpPr>
+          <p:cNvPr id="2" name="頁首版面配置區 1"/>
+          <p:cNvSpPr>
+            <a:spLocks noGrp="1"/>
+          </p:cNvSpPr>
+          <p:nvPr>
+            <p:ph type="hdr" sz="quarter"/>
+          </p:nvPr>
+        </p:nvSpPr>
+        <p:spPr>
+          <a:xfrm>
+            <a:off x="0" y="0"/>
+            <a:ext cx="2971800" cy="458788"/>
+          </a:xfrm>
+          <a:prstGeom prst="rect">
+            <a:avLst/>
+          </a:prstGeom>
+        </p:spPr>
+        <p:txBody>
+          <a:bodyPr vert="horz" lIns="91440" tIns="45720" rIns="91440" bIns="45720" rtlCol="0"/>
+          <a:lstStyle>
+            <a:lvl1pPr algn="l">
+              <a:defRPr sz="1200"/>
+            </a:lvl1pPr>
+          </a:lstStyle>
+          <a:p>
+            <a:endParaRPr lang="zh-TW" altLang="en-US"/>
+          </a:p>
+        </p:txBody>
+      </p:sp>
+      <p:sp>
+        <p:nvSpPr>
+          <p:cNvPr id="3" name="日期版面配置區 2"/>
+          <p:cNvSpPr>
+            <a:spLocks noGrp="1"/>
+          </p:cNvSpPr>
+          <p:nvPr>
+            <p:ph type="dt" idx="1"/>
+          </p:nvPr>
+        </p:nvSpPr>
+        <p:spPr>
+          <a:xfrm>
+            <a:off x="3884613" y="0"/>
+            <a:ext cx="2971800" cy="458788"/>
+          </a:xfrm>
+          <a:prstGeom prst="rect">
+            <a:avLst/>
+          </a:prstGeom>
+        </p:spPr>
+        <p:txBody>
+          <a:bodyPr vert="horz" lIns="91440" tIns="45720" rIns="91440" bIns="45720" rtlCol="0"/>
+          <a:lstStyle>
+            <a:lvl1pPr algn="r">
+              <a:defRPr sz="1200"/>
+            </a:lvl1pPr>
+          </a:lstStyle>
+          <a:p>
+            <a:fld id="{B0B947DD-F082-4FE5-AC85-AAB8EEC07B49}" type="datetimeFigureOut">
+              <a:rPr lang="zh-TW" altLang="en-US" smtClean="0"/>
+              <a:t>2024/10/20</a:t>
+            </a:fld>
+            <a:endParaRPr lang="zh-TW" altLang="en-US"/>
+          </a:p>
+        </p:txBody>
+      </p:sp>
+      <p:sp>
+        <p:nvSpPr>
+          <p:cNvPr id="4" name="投影片影像版面配置區 3"/>
+          <p:cNvSpPr>
+            <a:spLocks noGrp="1" noRot="1" noChangeAspect="1"/>
+          </p:cNvSpPr>
+          <p:nvPr>
+            <p:ph type="sldImg" idx="2"/>
+          </p:nvPr>
+        </p:nvSpPr>
+        <p:spPr>
+          <a:xfrm>
+            <a:off x="685800" y="1143000"/>
+            <a:ext cx="5486400" cy="3086100"/>
+          </a:xfrm>
+          <a:prstGeom prst="rect">
+            <a:avLst/>
+          </a:prstGeom>
+          <a:noFill/>
+          <a:ln w="12700">
+            <a:solidFill>
+              <a:prstClr val="black"/>
+            </a:solidFill>
+          </a:ln>
+        </p:spPr>
+        <p:txBody>
+          <a:bodyPr vert="horz" lIns="91440" tIns="45720" rIns="91440" bIns="45720" rtlCol="0" anchor="ctr"/>
+          <a:lstStyle/>
+          <a:p>
+            <a:endParaRPr lang="zh-TW" altLang="en-US"/>
+          </a:p>
+        </p:txBody>
+      </p:sp>
+      <p:sp>
+        <p:nvSpPr>
+          <p:cNvPr id="5" name="備忘稿版面配置區 4"/>
+          <p:cNvSpPr>
+            <a:spLocks noGrp="1"/>
+          </p:cNvSpPr>
+          <p:nvPr>
+            <p:ph type="body" sz="quarter" idx="3"/>
+          </p:nvPr>
+        </p:nvSpPr>
+        <p:spPr>
+          <a:xfrm>
+            <a:off x="685800" y="4400550"/>
+            <a:ext cx="5486400" cy="3600450"/>
+          </a:xfrm>
+          <a:prstGeom prst="rect">
+            <a:avLst/>
+          </a:prstGeom>
+        </p:spPr>
+        <p:txBody>
+          <a:bodyPr vert="horz" lIns="91440" tIns="45720" rIns="91440" bIns="45720" rtlCol="0"/>
+          <a:lstStyle/>
+          <a:p>
+            <a:pPr lvl="0"/>
+            <a:r>
+              <a:rPr lang="zh-TW" altLang="en-US"/>
+              <a:t>按一下以編輯母片文字樣式</a:t>
+            </a:r>
+          </a:p>
+          <a:p>
+            <a:pPr lvl="1"/>
+            <a:r>
+              <a:rPr lang="zh-TW" altLang="en-US"/>
+              <a:t>第二層</a:t>
+            </a:r>
+          </a:p>
+          <a:p>
+            <a:pPr lvl="2"/>
+            <a:r>
+              <a:rPr lang="zh-TW" altLang="en-US"/>
+              <a:t>第三層</a:t>
+            </a:r>
+          </a:p>
+          <a:p>
+            <a:pPr lvl="3"/>
+            <a:r>
+              <a:rPr lang="zh-TW" altLang="en-US"/>
+              <a:t>第四層</a:t>
+            </a:r>
+          </a:p>
+          <a:p>
+            <a:pPr lvl="4"/>
+            <a:r>
+              <a:rPr lang="zh-TW" altLang="en-US"/>
+              <a:t>第五層</a:t>
+            </a:r>
+          </a:p>
+        </p:txBody>
+      </p:sp>
+      <p:sp>
+        <p:nvSpPr>
+          <p:cNvPr id="6" name="頁尾版面配置區 5"/>
+          <p:cNvSpPr>
+            <a:spLocks noGrp="1"/>
+          </p:cNvSpPr>
+          <p:nvPr>
+            <p:ph type="ftr" sz="quarter" idx="4"/>
+          </p:nvPr>
+        </p:nvSpPr>
+        <p:spPr>
+          <a:xfrm>
+            <a:off x="0" y="8685213"/>
+            <a:ext cx="2971800" cy="458787"/>
+          </a:xfrm>
+          <a:prstGeom prst="rect">
+            <a:avLst/>
+          </a:prstGeom>
+        </p:spPr>
+        <p:txBody>
+          <a:bodyPr vert="horz" lIns="91440" tIns="45720" rIns="91440" bIns="45720" rtlCol="0" anchor="b"/>
+          <a:lstStyle>
+            <a:lvl1pPr algn="l">
+              <a:defRPr sz="1200"/>
+            </a:lvl1pPr>
+          </a:lstStyle>
+          <a:p>
+            <a:endParaRPr lang="zh-TW" altLang="en-US"/>
+          </a:p>
+        </p:txBody>
+      </p:sp>
+      <p:sp>
+        <p:nvSpPr>
+          <p:cNvPr id="7" name="投影片編號版面配置區 6"/>
+          <p:cNvSpPr>
+            <a:spLocks noGrp="1"/>
+          </p:cNvSpPr>
+          <p:nvPr>
+            <p:ph type="sldNum" sz="quarter" idx="5"/>
+          </p:nvPr>
+        </p:nvSpPr>
+        <p:spPr>
+          <a:xfrm>
+            <a:off x="3884613" y="8685213"/>
+            <a:ext cx="2971800" cy="458787"/>
+          </a:xfrm>
+          <a:prstGeom prst="rect">
+            <a:avLst/>
+          </a:prstGeom>
+        </p:spPr>
+        <p:txBody>
+          <a:bodyPr vert="horz" lIns="91440" tIns="45720" rIns="91440" bIns="45720" rtlCol="0" anchor="b"/>
+          <a:lstStyle>
+            <a:lvl1pPr algn="r">
+              <a:defRPr sz="1200"/>
+            </a:lvl1pPr>
+          </a:lstStyle>
+          <a:p>
+            <a:fld id="{D46FC045-4D58-4467-818B-CD97CCC276F1}" type="slidenum">
+              <a:rPr lang="zh-TW" altLang="en-US" smtClean="0"/>
+              <a:t>‹#›</a:t>
+            </a:fld>
+            <a:endParaRPr lang="zh-TW" altLang="en-US"/>
+          </a:p>
+        </p:txBody>
+      </p:sp>
+    </p:spTree>
+    <p:extLst>
+      <p:ext uri="{BB962C8B-B14F-4D97-AF65-F5344CB8AC3E}">
+        <p14:creationId xmlns:p14="http://schemas.microsoft.com/office/powerpoint/2010/main" val="692931243"/>
+      </p:ext>
+    </p:extLst>
+  </p:cSld>
+  <p:clrMap bg1="lt1" tx1="dk1" bg2="lt2" tx2="dk2" accent1="accent1" accent2="accent2" accent3="accent3" accent4="accent4" accent5="accent5" accent6="accent6" hlink="hlink" folHlink="folHlink"/>
+  <p:notesStyle>
+    <a:lvl1pPr marL="0" algn="l" defTabSz="914400" rtl="0" eaLnBrk="1" latinLnBrk="0" hangingPunct="1">
+      <a:defRPr sz="1200" kern="1200">
+        <a:solidFill>
+          <a:schemeClr val="tx1"/>
+        </a:solidFill>
+        <a:latin typeface="+mn-lt"/>
+        <a:ea typeface="+mn-ea"/>
+        <a:cs typeface="+mn-cs"/>
+      </a:defRPr>
+    </a:lvl1pPr>
+    <a:lvl2pPr marL="457200" algn="l" defTabSz="914400" rtl="0" eaLnBrk="1" latinLnBrk="0" hangingPunct="1">
+      <a:defRPr sz="1200" kern="1200">
+        <a:solidFill>
+          <a:schemeClr val="tx1"/>
+        </a:solidFill>
+        <a:latin typeface="+mn-lt"/>
+        <a:ea typeface="+mn-ea"/>
+        <a:cs typeface="+mn-cs"/>
+      </a:defRPr>
+    </a:lvl2pPr>
+    <a:lvl3pPr marL="914400" algn="l" defTabSz="914400" rtl="0" eaLnBrk="1" latinLnBrk="0" hangingPunct="1">
+      <a:defRPr sz="1200" kern="1200">
+        <a:solidFill>
+          <a:schemeClr val="tx1"/>
+        </a:solidFill>
+        <a:latin typeface="+mn-lt"/>
+        <a:ea typeface="+mn-ea"/>
+        <a:cs typeface="+mn-cs"/>
+      </a:defRPr>
+    </a:lvl3pPr>
+    <a:lvl4pPr marL="1371600" algn="l" defTabSz="914400" rtl="0" eaLnBrk="1" latinLnBrk="0" hangingPunct="1">
+      <a:defRPr sz="1200" kern="1200">
+        <a:solidFill>
+          <a:schemeClr val="tx1"/>
+        </a:solidFill>
+        <a:latin typeface="+mn-lt"/>
+        <a:ea typeface="+mn-ea"/>
+        <a:cs typeface="+mn-cs"/>
+      </a:defRPr>
+    </a:lvl4pPr>
+    <a:lvl5pPr marL="1828800" algn="l" defTabSz="914400" rtl="0" eaLnBrk="1" latinLnBrk="0" hangingPunct="1">
+      <a:defRPr sz="1200" kern="1200">
+        <a:solidFill>
+          <a:schemeClr val="tx1"/>
+        </a:solidFill>
+        <a:latin typeface="+mn-lt"/>
+        <a:ea typeface="+mn-ea"/>
+        <a:cs typeface="+mn-cs"/>
+      </a:defRPr>
+    </a:lvl5pPr>
+    <a:lvl6pPr marL="2286000" algn="l" defTabSz="914400" rtl="0" eaLnBrk="1" latinLnBrk="0" hangingPunct="1">
+      <a:defRPr sz="1200" kern="1200">
+        <a:solidFill>
+          <a:schemeClr val="tx1"/>
+        </a:solidFill>
+        <a:latin typeface="+mn-lt"/>
+        <a:ea typeface="+mn-ea"/>
+        <a:cs typeface="+mn-cs"/>
+      </a:defRPr>
+    </a:lvl6pPr>
+    <a:lvl7pPr marL="2743200" algn="l" defTabSz="914400" rtl="0" eaLnBrk="1" latinLnBrk="0" hangingPunct="1">
+      <a:defRPr sz="1200" kern="1200">
+        <a:solidFill>
+          <a:schemeClr val="tx1"/>
+        </a:solidFill>
+        <a:latin typeface="+mn-lt"/>
+        <a:ea typeface="+mn-ea"/>
+        <a:cs typeface="+mn-cs"/>
+      </a:defRPr>
+    </a:lvl7pPr>
+    <a:lvl8pPr marL="3200400" algn="l" defTabSz="914400" rtl="0" eaLnBrk="1" latinLnBrk="0" hangingPunct="1">
+      <a:defRPr sz="1200" kern="1200">
+        <a:solidFill>
+          <a:schemeClr val="tx1"/>
+        </a:solidFill>
+        <a:latin typeface="+mn-lt"/>
+        <a:ea typeface="+mn-ea"/>
+        <a:cs typeface="+mn-cs"/>
+      </a:defRPr>
+    </a:lvl8pPr>
+    <a:lvl9pPr marL="3657600" algn="l" defTabSz="914400" rtl="0" eaLnBrk="1" latinLnBrk="0" hangingPunct="1">
+      <a:defRPr sz="1200" kern="1200">
+        <a:solidFill>
+          <a:schemeClr val="tx1"/>
+        </a:solidFill>
+        <a:latin typeface="+mn-lt"/>
+        <a:ea typeface="+mn-ea"/>
+        <a:cs typeface="+mn-cs"/>
+      </a:defRPr>
+    </a:lvl9pPr>
+  </p:notesStyle>
+</p:notesMaster>
+</file>
+
+<file path=ppt/notesSlides/notesSlide1.xml><?xml version="1.0" encoding="utf-8"?>
+<p:notes xmlns:a="http://schemas.openxmlformats.org/drawingml/2006/main" xmlns:r="http://schemas.openxmlformats.org/officeDocument/2006/relationships" xmlns:p="http://schemas.openxmlformats.org/presentationml/2006/main">
+  <p:cSld>
+    <p:spTree>
+      <p:nvGrpSpPr>
+        <p:cNvPr id="1" name=""/>
+        <p:cNvGrpSpPr/>
+        <p:nvPr/>
+      </p:nvGrpSpPr>
+      <p:grpSpPr>
+        <a:xfrm>
+          <a:off x="0" y="0"/>
+          <a:ext cx="0" cy="0"/>
+          <a:chOff x="0" y="0"/>
+          <a:chExt cx="0" cy="0"/>
+        </a:xfrm>
+      </p:grpSpPr>
+      <p:sp>
+        <p:nvSpPr>
+          <p:cNvPr id="2" name="投影片影像版面配置區 1"/>
+          <p:cNvSpPr>
+            <a:spLocks noGrp="1" noRot="1" noChangeAspect="1"/>
+          </p:cNvSpPr>
+          <p:nvPr>
+            <p:ph type="sldImg"/>
+          </p:nvPr>
+        </p:nvSpPr>
+        <p:spPr/>
+      </p:sp>
+      <p:sp>
+        <p:nvSpPr>
+          <p:cNvPr id="3" name="備忘稿版面配置區 2"/>
+          <p:cNvSpPr>
+            <a:spLocks noGrp="1"/>
+          </p:cNvSpPr>
+          <p:nvPr>
+            <p:ph type="body" idx="1"/>
+          </p:nvPr>
+        </p:nvSpPr>
+        <p:spPr/>
+        <p:txBody>
+          <a:bodyPr/>
+          <a:lstStyle/>
+          <a:p>
+            <a:r>
+              <a:rPr lang="zh-TW" altLang="en-US" dirty="0"/>
+              <a:t>嗨大家好！我是糖豆人！大家可以叫我“甜豆”！我的目標呢，就是要成為糖豆人競技場中的冠軍！</a:t>
+            </a:r>
+          </a:p>
+          <a:p>
+            <a:endParaRPr lang="zh-TW" altLang="en-US" dirty="0"/>
+          </a:p>
+          <a:p>
+            <a:r>
+              <a:rPr lang="zh-TW" altLang="en-US" dirty="0"/>
+              <a:t>不過啊，要成為冠軍可不容易呢！每次比賽總是充滿各種阻礙</a:t>
+            </a:r>
+            <a:r>
+              <a:rPr lang="en-US" altLang="zh-TW" dirty="0"/>
+              <a:t>——</a:t>
+            </a:r>
+            <a:r>
+              <a:rPr lang="zh-TW" altLang="en-US" dirty="0"/>
+              <a:t>有時候會被巨大的旋轉槌子打飛，有時候踩到滾動的球球，甚至有時候，還會被擠成一團豆泥！</a:t>
+            </a:r>
+          </a:p>
+          <a:p>
+            <a:endParaRPr lang="zh-TW" altLang="en-US" dirty="0"/>
+          </a:p>
+          <a:p>
+            <a:r>
+              <a:rPr lang="zh-TW" altLang="en-US" dirty="0"/>
+              <a:t>但是！我不會放棄！每次摔倒，我都會立刻站起來，繼續向終點衝刺！</a:t>
+            </a:r>
+          </a:p>
+          <a:p>
+            <a:endParaRPr lang="zh-TW" altLang="en-US" dirty="0"/>
+          </a:p>
+          <a:p>
+            <a:r>
+              <a:rPr lang="zh-TW" altLang="en-US" dirty="0"/>
+              <a:t>結果呢，有時候我真的成功了！我站上了勝利的皇冠台！那一刻，真的是超級爽快！不過，也不是每次都這麼順利</a:t>
+            </a:r>
+            <a:r>
+              <a:rPr lang="en-US" altLang="zh-TW" dirty="0"/>
+              <a:t>...</a:t>
+            </a:r>
+            <a:r>
+              <a:rPr lang="zh-TW" altLang="en-US" dirty="0"/>
+              <a:t>像有一次，我快到終點了，結果被別的糖豆人絆了一下！哇～直接跌出了場地！</a:t>
+            </a:r>
+          </a:p>
+          <a:p>
+            <a:endParaRPr lang="zh-TW" altLang="en-US" dirty="0"/>
+          </a:p>
+          <a:p>
+            <a:r>
+              <a:rPr lang="zh-TW" altLang="en-US" dirty="0"/>
+              <a:t>但你知道嗎？這些意外讓我學會了不放棄，也學會了隨時轉換策略！ 像是遇到難纏的障礙物，我學會先觀察，再巧妙地避開；遇到擠來擠去的其他糖豆人，我選擇跳得更高，走自己的路！</a:t>
+            </a:r>
+          </a:p>
+          <a:p>
+            <a:endParaRPr lang="zh-TW" altLang="en-US" dirty="0"/>
+          </a:p>
+          <a:p>
+            <a:r>
+              <a:rPr lang="zh-TW" altLang="en-US" dirty="0"/>
+              <a:t>最後呢，即使我不一定每次都能拿到冠軍，但這些經歷讓我明白，最重要的不是冠軍，而是每次挑戰中那些滑稽、有趣的時刻！</a:t>
+            </a:r>
+          </a:p>
+          <a:p>
+            <a:endParaRPr lang="zh-TW" altLang="en-US" dirty="0"/>
+          </a:p>
+          <a:p>
+            <a:r>
+              <a:rPr lang="zh-TW" altLang="en-US" dirty="0"/>
+              <a:t>所以，無論是跌倒還是勝利，我都會笑著繼續向前！我是糖豆人，永不放棄的競技場勇士！</a:t>
+            </a:r>
+          </a:p>
+        </p:txBody>
+      </p:sp>
+      <p:sp>
+        <p:nvSpPr>
+          <p:cNvPr id="4" name="投影片編號版面配置區 3"/>
+          <p:cNvSpPr>
+            <a:spLocks noGrp="1"/>
+          </p:cNvSpPr>
+          <p:nvPr>
+            <p:ph type="sldNum" sz="quarter" idx="5"/>
+          </p:nvPr>
+        </p:nvSpPr>
+        <p:spPr/>
+        <p:txBody>
+          <a:bodyPr/>
+          <a:lstStyle/>
+          <a:p>
+            <a:fld id="{D46FC045-4D58-4467-818B-CD97CCC276F1}" type="slidenum">
+              <a:rPr lang="zh-TW" altLang="en-US" smtClean="0"/>
+              <a:t>1</a:t>
+            </a:fld>
+            <a:endParaRPr lang="zh-TW" altLang="en-US"/>
+          </a:p>
+        </p:txBody>
+      </p:sp>
+    </p:spTree>
+    <p:extLst>
+      <p:ext uri="{BB962C8B-B14F-4D97-AF65-F5344CB8AC3E}">
+        <p14:creationId xmlns:p14="http://schemas.microsoft.com/office/powerpoint/2010/main" val="1225191140"/>
+      </p:ext>
+    </p:extLst>
+  </p:cSld>
+  <p:clrMapOvr>
+    <a:masterClrMapping/>
+  </p:clrMapOvr>
+</p:notes>
+</file>
+
+<file path=ppt/notesSlides/notesSlide2.xml><?xml version="1.0" encoding="utf-8"?>
+<p:notes xmlns:a="http://schemas.openxmlformats.org/drawingml/2006/main" xmlns:r="http://schemas.openxmlformats.org/officeDocument/2006/relationships" xmlns:p="http://schemas.openxmlformats.org/presentationml/2006/main">
+  <p:cSld>
+    <p:spTree>
+      <p:nvGrpSpPr>
+        <p:cNvPr id="1" name=""/>
+        <p:cNvGrpSpPr/>
+        <p:nvPr/>
+      </p:nvGrpSpPr>
+      <p:grpSpPr>
+        <a:xfrm>
+          <a:off x="0" y="0"/>
+          <a:ext cx="0" cy="0"/>
+          <a:chOff x="0" y="0"/>
+          <a:chExt cx="0" cy="0"/>
+        </a:xfrm>
+      </p:grpSpPr>
+      <p:sp>
+        <p:nvSpPr>
+          <p:cNvPr id="2" name="投影片影像版面配置區 1"/>
+          <p:cNvSpPr>
+            <a:spLocks noGrp="1" noRot="1" noChangeAspect="1"/>
+          </p:cNvSpPr>
+          <p:nvPr>
+            <p:ph type="sldImg"/>
+          </p:nvPr>
+        </p:nvSpPr>
+        <p:spPr/>
+      </p:sp>
+      <p:sp>
+        <p:nvSpPr>
+          <p:cNvPr id="3" name="備忘稿版面配置區 2"/>
+          <p:cNvSpPr>
+            <a:spLocks noGrp="1"/>
+          </p:cNvSpPr>
+          <p:nvPr>
+            <p:ph type="body" idx="1"/>
+          </p:nvPr>
+        </p:nvSpPr>
+        <p:spPr/>
+        <p:txBody>
+          <a:bodyPr/>
+          <a:lstStyle/>
+          <a:p>
+            <a:r>
+              <a:rPr lang="en-US" altLang="zh-TW" dirty="0"/>
+              <a:t>Hi guys! I'm a jellybean! You can all call me "Sweet Pea"! My goal is to become the champion in the Fall Bean Arena!</a:t>
+            </a:r>
+            <a:endParaRPr lang="zh-TW" altLang="en-US" dirty="0"/>
+          </a:p>
+        </p:txBody>
+      </p:sp>
+      <p:sp>
+        <p:nvSpPr>
+          <p:cNvPr id="4" name="投影片編號版面配置區 3"/>
+          <p:cNvSpPr>
+            <a:spLocks noGrp="1"/>
+          </p:cNvSpPr>
+          <p:nvPr>
+            <p:ph type="sldNum" sz="quarter" idx="5"/>
+          </p:nvPr>
+        </p:nvSpPr>
+        <p:spPr/>
+        <p:txBody>
+          <a:bodyPr/>
+          <a:lstStyle/>
+          <a:p>
+            <a:fld id="{D46FC045-4D58-4467-818B-CD97CCC276F1}" type="slidenum">
+              <a:rPr lang="zh-TW" altLang="en-US" smtClean="0"/>
+              <a:t>2</a:t>
+            </a:fld>
+            <a:endParaRPr lang="zh-TW" altLang="en-US"/>
+          </a:p>
+        </p:txBody>
+      </p:sp>
+    </p:spTree>
+    <p:extLst>
+      <p:ext uri="{BB962C8B-B14F-4D97-AF65-F5344CB8AC3E}">
+        <p14:creationId xmlns:p14="http://schemas.microsoft.com/office/powerpoint/2010/main" val="3050669263"/>
+      </p:ext>
+    </p:extLst>
+  </p:cSld>
+  <p:clrMapOvr>
+    <a:masterClrMapping/>
+  </p:clrMapOvr>
+</p:notes>
+</file>
+
+<file path=ppt/notesSlides/notesSlide3.xml><?xml version="1.0" encoding="utf-8"?>
+<p:notes xmlns:a="http://schemas.openxmlformats.org/drawingml/2006/main" xmlns:r="http://schemas.openxmlformats.org/officeDocument/2006/relationships" xmlns:p="http://schemas.openxmlformats.org/presentationml/2006/main">
+  <p:cSld>
+    <p:spTree>
+      <p:nvGrpSpPr>
+        <p:cNvPr id="1" name=""/>
+        <p:cNvGrpSpPr/>
+        <p:nvPr/>
+      </p:nvGrpSpPr>
+      <p:grpSpPr>
+        <a:xfrm>
+          <a:off x="0" y="0"/>
+          <a:ext cx="0" cy="0"/>
+          <a:chOff x="0" y="0"/>
+          <a:chExt cx="0" cy="0"/>
+        </a:xfrm>
+      </p:grpSpPr>
+      <p:sp>
+        <p:nvSpPr>
+          <p:cNvPr id="2" name="投影片影像版面配置區 1"/>
+          <p:cNvSpPr>
+            <a:spLocks noGrp="1" noRot="1" noChangeAspect="1"/>
+          </p:cNvSpPr>
+          <p:nvPr>
+            <p:ph type="sldImg"/>
+          </p:nvPr>
+        </p:nvSpPr>
+        <p:spPr/>
+      </p:sp>
+      <p:sp>
+        <p:nvSpPr>
+          <p:cNvPr id="3" name="備忘稿版面配置區 2"/>
+          <p:cNvSpPr>
+            <a:spLocks noGrp="1"/>
+          </p:cNvSpPr>
+          <p:nvPr>
+            <p:ph type="body" idx="1"/>
+          </p:nvPr>
+        </p:nvSpPr>
+        <p:spPr/>
+        <p:txBody>
+          <a:bodyPr/>
+          <a:lstStyle/>
+          <a:p>
+            <a:r>
+              <a:rPr lang="en-US" altLang="zh-TW" b="0" i="0" dirty="0">
+                <a:solidFill>
+                  <a:srgbClr val="D2D0CE"/>
+                </a:solidFill>
+                <a:effectLst/>
+                <a:latin typeface="-apple-system"/>
+              </a:rPr>
+              <a:t>Every game is always full of various obstacles - sometimes you will be knocked away by a huge rotating mallet, sometimes you will step on a rolling ball, and sometimes you will even be squeezed into a ball of mashed beans!</a:t>
+            </a:r>
+            <a:endParaRPr lang="zh-TW" altLang="en-US" dirty="0"/>
+          </a:p>
+        </p:txBody>
+      </p:sp>
+      <p:sp>
+        <p:nvSpPr>
+          <p:cNvPr id="4" name="投影片編號版面配置區 3"/>
+          <p:cNvSpPr>
+            <a:spLocks noGrp="1"/>
+          </p:cNvSpPr>
+          <p:nvPr>
+            <p:ph type="sldNum" sz="quarter" idx="5"/>
+          </p:nvPr>
+        </p:nvSpPr>
+        <p:spPr/>
+        <p:txBody>
+          <a:bodyPr/>
+          <a:lstStyle/>
+          <a:p>
+            <a:fld id="{D46FC045-4D58-4467-818B-CD97CCC276F1}" type="slidenum">
+              <a:rPr lang="zh-TW" altLang="en-US" smtClean="0"/>
+              <a:t>3</a:t>
+            </a:fld>
+            <a:endParaRPr lang="zh-TW" altLang="en-US"/>
+          </a:p>
+        </p:txBody>
+      </p:sp>
+    </p:spTree>
+    <p:extLst>
+      <p:ext uri="{BB962C8B-B14F-4D97-AF65-F5344CB8AC3E}">
+        <p14:creationId xmlns:p14="http://schemas.microsoft.com/office/powerpoint/2010/main" val="1584925903"/>
+      </p:ext>
+    </p:extLst>
+  </p:cSld>
+  <p:clrMapOvr>
+    <a:masterClrMapping/>
+  </p:clrMapOvr>
+</p:notes>
+</file>
+
+<file path=ppt/notesSlides/notesSlide4.xml><?xml version="1.0" encoding="utf-8"?>
+<p:notes xmlns:a="http://schemas.openxmlformats.org/drawingml/2006/main" xmlns:r="http://schemas.openxmlformats.org/officeDocument/2006/relationships" xmlns:p="http://schemas.openxmlformats.org/presentationml/2006/main">
+  <p:cSld>
+    <p:spTree>
+      <p:nvGrpSpPr>
+        <p:cNvPr id="1" name=""/>
+        <p:cNvGrpSpPr/>
+        <p:nvPr/>
+      </p:nvGrpSpPr>
+      <p:grpSpPr>
+        <a:xfrm>
+          <a:off x="0" y="0"/>
+          <a:ext cx="0" cy="0"/>
+          <a:chOff x="0" y="0"/>
+          <a:chExt cx="0" cy="0"/>
+        </a:xfrm>
+      </p:grpSpPr>
+      <p:sp>
+        <p:nvSpPr>
+          <p:cNvPr id="2" name="投影片影像版面配置區 1"/>
+          <p:cNvSpPr>
+            <a:spLocks noGrp="1" noRot="1" noChangeAspect="1"/>
+          </p:cNvSpPr>
+          <p:nvPr>
+            <p:ph type="sldImg"/>
+          </p:nvPr>
+        </p:nvSpPr>
+        <p:spPr/>
+      </p:sp>
+      <p:sp>
+        <p:nvSpPr>
+          <p:cNvPr id="3" name="備忘稿版面配置區 2"/>
+          <p:cNvSpPr>
+            <a:spLocks noGrp="1"/>
+          </p:cNvSpPr>
+          <p:nvPr>
+            <p:ph type="body" idx="1"/>
+          </p:nvPr>
+        </p:nvSpPr>
+        <p:spPr/>
+        <p:txBody>
+          <a:bodyPr/>
+          <a:lstStyle/>
+          <a:p>
+            <a:r>
+              <a:rPr lang="en-US" altLang="zh-TW" b="0" i="0" dirty="0">
+                <a:solidFill>
+                  <a:srgbClr val="D2D0CE"/>
+                </a:solidFill>
+                <a:effectLst/>
+                <a:latin typeface="-apple-system"/>
+              </a:rPr>
+              <a:t>I won't give up! Every time I fall, I will stand up immediately and continue sprinting towards the finish line!</a:t>
+            </a:r>
+            <a:endParaRPr lang="zh-TW" altLang="en-US" dirty="0"/>
+          </a:p>
+        </p:txBody>
+      </p:sp>
+      <p:sp>
+        <p:nvSpPr>
+          <p:cNvPr id="4" name="投影片編號版面配置區 3"/>
+          <p:cNvSpPr>
+            <a:spLocks noGrp="1"/>
+          </p:cNvSpPr>
+          <p:nvPr>
+            <p:ph type="sldNum" sz="quarter" idx="5"/>
+          </p:nvPr>
+        </p:nvSpPr>
+        <p:spPr/>
+        <p:txBody>
+          <a:bodyPr/>
+          <a:lstStyle/>
+          <a:p>
+            <a:fld id="{D46FC045-4D58-4467-818B-CD97CCC276F1}" type="slidenum">
+              <a:rPr lang="zh-TW" altLang="en-US" smtClean="0"/>
+              <a:t>4</a:t>
+            </a:fld>
+            <a:endParaRPr lang="zh-TW" altLang="en-US"/>
+          </a:p>
+        </p:txBody>
+      </p:sp>
+    </p:spTree>
+    <p:extLst>
+      <p:ext uri="{BB962C8B-B14F-4D97-AF65-F5344CB8AC3E}">
+        <p14:creationId xmlns:p14="http://schemas.microsoft.com/office/powerpoint/2010/main" val="2529944999"/>
+      </p:ext>
+    </p:extLst>
+  </p:cSld>
+  <p:clrMapOvr>
+    <a:masterClrMapping/>
+  </p:clrMapOvr>
+</p:notes>
+</file>
+
+<file path=ppt/notesSlides/notesSlide5.xml><?xml version="1.0" encoding="utf-8"?>
+<p:notes xmlns:a="http://schemas.openxmlformats.org/drawingml/2006/main" xmlns:r="http://schemas.openxmlformats.org/officeDocument/2006/relationships" xmlns:p="http://schemas.openxmlformats.org/presentationml/2006/main">
+  <p:cSld>
+    <p:spTree>
+      <p:nvGrpSpPr>
+        <p:cNvPr id="1" name=""/>
+        <p:cNvGrpSpPr/>
+        <p:nvPr/>
+      </p:nvGrpSpPr>
+      <p:grpSpPr>
+        <a:xfrm>
+          <a:off x="0" y="0"/>
+          <a:ext cx="0" cy="0"/>
+          <a:chOff x="0" y="0"/>
+          <a:chExt cx="0" cy="0"/>
+        </a:xfrm>
+      </p:grpSpPr>
+      <p:sp>
+        <p:nvSpPr>
+          <p:cNvPr id="2" name="投影片影像版面配置區 1"/>
+          <p:cNvSpPr>
+            <a:spLocks noGrp="1" noRot="1" noChangeAspect="1"/>
+          </p:cNvSpPr>
+          <p:nvPr>
+            <p:ph type="sldImg"/>
+          </p:nvPr>
+        </p:nvSpPr>
+        <p:spPr/>
+      </p:sp>
+      <p:sp>
+        <p:nvSpPr>
+          <p:cNvPr id="3" name="備忘稿版面配置區 2"/>
+          <p:cNvSpPr>
+            <a:spLocks noGrp="1"/>
+          </p:cNvSpPr>
+          <p:nvPr>
+            <p:ph type="body" idx="1"/>
+          </p:nvPr>
+        </p:nvSpPr>
+        <p:spPr/>
+        <p:txBody>
+          <a:bodyPr/>
+          <a:lstStyle/>
+          <a:p>
+            <a:r>
+              <a:rPr lang="en-US" altLang="zh-TW" b="0" i="0" dirty="0">
+                <a:solidFill>
+                  <a:srgbClr val="D2D0CE"/>
+                </a:solidFill>
+                <a:effectLst/>
+                <a:latin typeface="-apple-system"/>
+              </a:rPr>
+              <a:t>I stood on the crown of victory! At that moment, it was really super refreshing! However, it doesn’t always go so smoothly... Like once, when I was almost at the finish line, I tripped over another jellybean! Wow ~ I fell out of the venue!</a:t>
+            </a:r>
+            <a:endParaRPr lang="zh-TW" altLang="en-US" dirty="0"/>
+          </a:p>
+        </p:txBody>
+      </p:sp>
+      <p:sp>
+        <p:nvSpPr>
+          <p:cNvPr id="4" name="投影片編號版面配置區 3"/>
+          <p:cNvSpPr>
+            <a:spLocks noGrp="1"/>
+          </p:cNvSpPr>
+          <p:nvPr>
+            <p:ph type="sldNum" sz="quarter" idx="5"/>
+          </p:nvPr>
+        </p:nvSpPr>
+        <p:spPr/>
+        <p:txBody>
+          <a:bodyPr/>
+          <a:lstStyle/>
+          <a:p>
+            <a:fld id="{D46FC045-4D58-4467-818B-CD97CCC276F1}" type="slidenum">
+              <a:rPr lang="zh-TW" altLang="en-US" smtClean="0"/>
+              <a:t>5</a:t>
+            </a:fld>
+            <a:endParaRPr lang="zh-TW" altLang="en-US"/>
+          </a:p>
+        </p:txBody>
+      </p:sp>
+    </p:spTree>
+    <p:extLst>
+      <p:ext uri="{BB962C8B-B14F-4D97-AF65-F5344CB8AC3E}">
+        <p14:creationId xmlns:p14="http://schemas.microsoft.com/office/powerpoint/2010/main" val="1405607571"/>
+      </p:ext>
+    </p:extLst>
+  </p:cSld>
+  <p:clrMapOvr>
+    <a:masterClrMapping/>
+  </p:clrMapOvr>
+</p:notes>
+</file>
+
+<file path=ppt/notesSlides/notesSlide6.xml><?xml version="1.0" encoding="utf-8"?>
+<p:notes xmlns:a="http://schemas.openxmlformats.org/drawingml/2006/main" xmlns:r="http://schemas.openxmlformats.org/officeDocument/2006/relationships" xmlns:p="http://schemas.openxmlformats.org/presentationml/2006/main">
+  <p:cSld>
+    <p:spTree>
+      <p:nvGrpSpPr>
+        <p:cNvPr id="1" name=""/>
+        <p:cNvGrpSpPr/>
+        <p:nvPr/>
+      </p:nvGrpSpPr>
+      <p:grpSpPr>
+        <a:xfrm>
+          <a:off x="0" y="0"/>
+          <a:ext cx="0" cy="0"/>
+          <a:chOff x="0" y="0"/>
+          <a:chExt cx="0" cy="0"/>
+        </a:xfrm>
+      </p:grpSpPr>
+      <p:sp>
+        <p:nvSpPr>
+          <p:cNvPr id="2" name="投影片影像版面配置區 1"/>
+          <p:cNvSpPr>
+            <a:spLocks noGrp="1" noRot="1" noChangeAspect="1"/>
+          </p:cNvSpPr>
+          <p:nvPr>
+            <p:ph type="sldImg"/>
+          </p:nvPr>
+        </p:nvSpPr>
+        <p:spPr/>
+      </p:sp>
+      <p:sp>
+        <p:nvSpPr>
+          <p:cNvPr id="3" name="備忘稿版面配置區 2"/>
+          <p:cNvSpPr>
+            <a:spLocks noGrp="1"/>
+          </p:cNvSpPr>
+          <p:nvPr>
+            <p:ph type="body" idx="1"/>
+          </p:nvPr>
+        </p:nvSpPr>
+        <p:spPr/>
+        <p:txBody>
+          <a:bodyPr/>
+          <a:lstStyle/>
+          <a:p>
+            <a:r>
+              <a:rPr lang="en-US" altLang="zh-TW" b="0" i="0" dirty="0">
+                <a:solidFill>
+                  <a:srgbClr val="D2D0CE"/>
+                </a:solidFill>
+                <a:effectLst/>
+                <a:latin typeface="-apple-system"/>
+              </a:rPr>
+              <a:t>For example, when encountering a difficult obstacle, I learn to observe first and then avoid it skillfully; when encountering other jelly beans crowded around, I choose to jump higher and go my own way!</a:t>
+            </a:r>
+            <a:endParaRPr lang="zh-TW" altLang="en-US" dirty="0"/>
+          </a:p>
+        </p:txBody>
+      </p:sp>
+      <p:sp>
+        <p:nvSpPr>
+          <p:cNvPr id="4" name="投影片編號版面配置區 3"/>
+          <p:cNvSpPr>
+            <a:spLocks noGrp="1"/>
+          </p:cNvSpPr>
+          <p:nvPr>
+            <p:ph type="sldNum" sz="quarter" idx="5"/>
+          </p:nvPr>
+        </p:nvSpPr>
+        <p:spPr/>
+        <p:txBody>
+          <a:bodyPr/>
+          <a:lstStyle/>
+          <a:p>
+            <a:fld id="{D46FC045-4D58-4467-818B-CD97CCC276F1}" type="slidenum">
+              <a:rPr lang="zh-TW" altLang="en-US" smtClean="0"/>
+              <a:t>6</a:t>
+            </a:fld>
+            <a:endParaRPr lang="zh-TW" altLang="en-US"/>
+          </a:p>
+        </p:txBody>
+      </p:sp>
+    </p:spTree>
+    <p:extLst>
+      <p:ext uri="{BB962C8B-B14F-4D97-AF65-F5344CB8AC3E}">
+        <p14:creationId xmlns:p14="http://schemas.microsoft.com/office/powerpoint/2010/main" val="76084812"/>
+      </p:ext>
+    </p:extLst>
+  </p:cSld>
+  <p:clrMapOvr>
+    <a:masterClrMapping/>
+  </p:clrMapOvr>
+</p:notes>
+</file>
+
+<file path=ppt/notesSlides/notesSlide7.xml><?xml version="1.0" encoding="utf-8"?>
+<p:notes xmlns:a="http://schemas.openxmlformats.org/drawingml/2006/main" xmlns:r="http://schemas.openxmlformats.org/officeDocument/2006/relationships" xmlns:p="http://schemas.openxmlformats.org/presentationml/2006/main">
+  <p:cSld>
+    <p:spTree>
+      <p:nvGrpSpPr>
+        <p:cNvPr id="1" name=""/>
+        <p:cNvGrpSpPr/>
+        <p:nvPr/>
+      </p:nvGrpSpPr>
+      <p:grpSpPr>
+        <a:xfrm>
+          <a:off x="0" y="0"/>
+          <a:ext cx="0" cy="0"/>
+          <a:chOff x="0" y="0"/>
+          <a:chExt cx="0" cy="0"/>
+        </a:xfrm>
+      </p:grpSpPr>
+      <p:sp>
+        <p:nvSpPr>
+          <p:cNvPr id="2" name="投影片影像版面配置區 1"/>
+          <p:cNvSpPr>
+            <a:spLocks noGrp="1" noRot="1" noChangeAspect="1"/>
+          </p:cNvSpPr>
+          <p:nvPr>
+            <p:ph type="sldImg"/>
+          </p:nvPr>
+        </p:nvSpPr>
+        <p:spPr/>
+      </p:sp>
+      <p:sp>
+        <p:nvSpPr>
+          <p:cNvPr id="3" name="備忘稿版面配置區 2"/>
+          <p:cNvSpPr>
+            <a:spLocks noGrp="1"/>
+          </p:cNvSpPr>
+          <p:nvPr>
+            <p:ph type="body" idx="1"/>
+          </p:nvPr>
+        </p:nvSpPr>
+        <p:spPr/>
+        <p:txBody>
+          <a:bodyPr/>
+          <a:lstStyle/>
+          <a:p>
+            <a:r>
+              <a:rPr lang="en-US" altLang="zh-TW" dirty="0"/>
+              <a:t>In the end, even though I may not win the championship every time, these experiences made me understand that the most important thing is not the championship, but the funny and interesting moments in each challenge!</a:t>
+            </a:r>
+            <a:endParaRPr lang="zh-TW" altLang="en-US" dirty="0"/>
+          </a:p>
+        </p:txBody>
+      </p:sp>
+      <p:sp>
+        <p:nvSpPr>
+          <p:cNvPr id="4" name="投影片編號版面配置區 3"/>
+          <p:cNvSpPr>
+            <a:spLocks noGrp="1"/>
+          </p:cNvSpPr>
+          <p:nvPr>
+            <p:ph type="sldNum" sz="quarter" idx="5"/>
+          </p:nvPr>
+        </p:nvSpPr>
+        <p:spPr/>
+        <p:txBody>
+          <a:bodyPr/>
+          <a:lstStyle/>
+          <a:p>
+            <a:fld id="{D46FC045-4D58-4467-818B-CD97CCC276F1}" type="slidenum">
+              <a:rPr lang="zh-TW" altLang="en-US" smtClean="0"/>
+              <a:t>7</a:t>
+            </a:fld>
+            <a:endParaRPr lang="zh-TW" altLang="en-US"/>
+          </a:p>
+        </p:txBody>
+      </p:sp>
+    </p:spTree>
+    <p:extLst>
+      <p:ext uri="{BB962C8B-B14F-4D97-AF65-F5344CB8AC3E}">
+        <p14:creationId xmlns:p14="http://schemas.microsoft.com/office/powerpoint/2010/main" val="1960807800"/>
+      </p:ext>
+    </p:extLst>
+  </p:cSld>
+  <p:clrMapOvr>
+    <a:masterClrMapping/>
+  </p:clrMapOvr>
+</p:notes>
+</file>
+
+<file path=ppt/notesSlides/notesSlide8.xml><?xml version="1.0" encoding="utf-8"?>
+<p:notes xmlns:a="http://schemas.openxmlformats.org/drawingml/2006/main" xmlns:r="http://schemas.openxmlformats.org/officeDocument/2006/relationships" xmlns:p="http://schemas.openxmlformats.org/presentationml/2006/main">
+  <p:cSld>
+    <p:spTree>
+      <p:nvGrpSpPr>
+        <p:cNvPr id="1" name=""/>
+        <p:cNvGrpSpPr/>
+        <p:nvPr/>
+      </p:nvGrpSpPr>
+      <p:grpSpPr>
+        <a:xfrm>
+          <a:off x="0" y="0"/>
+          <a:ext cx="0" cy="0"/>
+          <a:chOff x="0" y="0"/>
+          <a:chExt cx="0" cy="0"/>
+        </a:xfrm>
+      </p:grpSpPr>
+      <p:sp>
+        <p:nvSpPr>
+          <p:cNvPr id="2" name="投影片影像版面配置區 1"/>
+          <p:cNvSpPr>
+            <a:spLocks noGrp="1" noRot="1" noChangeAspect="1"/>
+          </p:cNvSpPr>
+          <p:nvPr>
+            <p:ph type="sldImg"/>
+          </p:nvPr>
+        </p:nvSpPr>
+        <p:spPr/>
+      </p:sp>
+      <p:sp>
+        <p:nvSpPr>
+          <p:cNvPr id="3" name="備忘稿版面配置區 2"/>
+          <p:cNvSpPr>
+            <a:spLocks noGrp="1"/>
+          </p:cNvSpPr>
+          <p:nvPr>
+            <p:ph type="body" idx="1"/>
+          </p:nvPr>
+        </p:nvSpPr>
+        <p:spPr/>
+        <p:txBody>
+          <a:bodyPr/>
+          <a:lstStyle/>
+          <a:p>
+            <a:r>
+              <a:rPr lang="en-US" altLang="zh-TW" dirty="0"/>
+              <a:t>So, whether I fall or win, I will smile and keep moving forward! I am a jelly bean, an arena warrior who never gives up!</a:t>
+            </a:r>
+            <a:endParaRPr lang="zh-TW" altLang="en-US" dirty="0"/>
+          </a:p>
+        </p:txBody>
+      </p:sp>
+      <p:sp>
+        <p:nvSpPr>
+          <p:cNvPr id="4" name="投影片編號版面配置區 3"/>
+          <p:cNvSpPr>
+            <a:spLocks noGrp="1"/>
+          </p:cNvSpPr>
+          <p:nvPr>
+            <p:ph type="sldNum" sz="quarter" idx="5"/>
+          </p:nvPr>
+        </p:nvSpPr>
+        <p:spPr/>
+        <p:txBody>
+          <a:bodyPr/>
+          <a:lstStyle/>
+          <a:p>
+            <a:fld id="{D46FC045-4D58-4467-818B-CD97CCC276F1}" type="slidenum">
+              <a:rPr lang="zh-TW" altLang="en-US" smtClean="0"/>
+              <a:t>8</a:t>
+            </a:fld>
+            <a:endParaRPr lang="zh-TW" altLang="en-US"/>
+          </a:p>
+        </p:txBody>
+      </p:sp>
+    </p:spTree>
+    <p:extLst>
+      <p:ext uri="{BB962C8B-B14F-4D97-AF65-F5344CB8AC3E}">
+        <p14:creationId xmlns:p14="http://schemas.microsoft.com/office/powerpoint/2010/main" val="2232239679"/>
+      </p:ext>
+    </p:extLst>
+  </p:cSld>
+  <p:clrMapOvr>
+    <a:masterClrMapping/>
+  </p:clrMapOvr>
+</p:notes>
 </file>
 
 <file path=ppt/slideLayouts/slideLayout1.xml><?xml version="1.0" encoding="utf-8"?>
@@ -124,15 +1285,39 @@
           <a:chExt cx="0" cy="0"/>
         </a:xfrm>
       </p:grpSpPr>
-      <p:sp>
-        <p:nvSpPr>
-          <p:cNvPr id="2" name="標題 1">
+      <p:pic>
+        <p:nvPicPr>
+          <p:cNvPr id="7" name="Picture 6" descr="Droplets-HD-Title-R1d.png"/>
+          <p:cNvPicPr>
+            <a:picLocks noChangeAspect="1"/>
+          </p:cNvPicPr>
+          <p:nvPr/>
+        </p:nvPicPr>
+        <p:blipFill>
+          <a:blip r:embed="rId2">
             <a:extLst>
-              <a:ext uri="{FF2B5EF4-FFF2-40B4-BE49-F238E27FC236}">
-                <a16:creationId xmlns:a16="http://schemas.microsoft.com/office/drawing/2014/main" id="{EB5CC918-B447-434E-B98E-5847BB49C259}"/>
+              <a:ext uri="{28A0092B-C50C-407E-A947-70E740481C1C}">
+                <a14:useLocalDpi xmlns:a14="http://schemas.microsoft.com/office/drawing/2010/main" val="0"/>
               </a:ext>
             </a:extLst>
-          </p:cNvPr>
+          </a:blip>
+          <a:stretch>
+            <a:fillRect/>
+          </a:stretch>
+        </p:blipFill>
+        <p:spPr>
+          <a:xfrm>
+            <a:off x="0" y="0"/>
+            <a:ext cx="12192000" cy="6858000"/>
+          </a:xfrm>
+          <a:prstGeom prst="rect">
+            <a:avLst/>
+          </a:prstGeom>
+        </p:spPr>
+      </p:pic>
+      <p:sp>
+        <p:nvSpPr>
+          <p:cNvPr id="2" name="Title 1"/>
           <p:cNvSpPr>
             <a:spLocks noGrp="1"/>
           </p:cNvSpPr>
@@ -142,15 +1327,17 @@
         </p:nvSpPr>
         <p:spPr>
           <a:xfrm>
-            <a:off x="1524000" y="1122363"/>
-            <a:ext cx="9144000" cy="2387600"/>
-          </a:xfrm>
-        </p:spPr>
-        <p:txBody>
-          <a:bodyPr anchor="b"/>
+            <a:off x="1751012" y="1300785"/>
+            <a:ext cx="8689976" cy="2509213"/>
+          </a:xfrm>
+        </p:spPr>
+        <p:txBody>
+          <a:bodyPr anchor="b">
+            <a:normAutofit/>
+          </a:bodyPr>
           <a:lstStyle>
             <a:lvl1pPr algn="ctr">
-              <a:defRPr sz="6000"/>
+              <a:defRPr sz="4800"/>
             </a:lvl1pPr>
           </a:lstStyle>
           <a:p>
@@ -158,18 +1345,13 @@
               <a:rPr lang="zh-TW" altLang="en-US"/>
               <a:t>按一下以編輯母片標題樣式</a:t>
             </a:r>
-          </a:p>
-        </p:txBody>
-      </p:sp>
-      <p:sp>
-        <p:nvSpPr>
-          <p:cNvPr id="3" name="副標題 2">
-            <a:extLst>
-              <a:ext uri="{FF2B5EF4-FFF2-40B4-BE49-F238E27FC236}">
-                <a16:creationId xmlns:a16="http://schemas.microsoft.com/office/drawing/2014/main" id="{817FCC70-CC4E-4CB6-B2CF-9FDA5AC4D346}"/>
-              </a:ext>
-            </a:extLst>
-          </p:cNvPr>
+            <a:endParaRPr lang="en-US" dirty="0"/>
+          </a:p>
+        </p:txBody>
+      </p:sp>
+      <p:sp>
+        <p:nvSpPr>
+          <p:cNvPr id="3" name="Subtitle 2"/>
           <p:cNvSpPr>
             <a:spLocks noGrp="1"/>
           </p:cNvSpPr>
@@ -179,16 +1361,24 @@
         </p:nvSpPr>
         <p:spPr>
           <a:xfrm>
-            <a:off x="1524000" y="3602038"/>
-            <a:ext cx="9144000" cy="1655762"/>
-          </a:xfrm>
-        </p:spPr>
-        <p:txBody>
-          <a:bodyPr/>
+            <a:off x="1751012" y="3886200"/>
+            <a:ext cx="8689976" cy="1371599"/>
+          </a:xfrm>
+        </p:spPr>
+        <p:txBody>
+          <a:bodyPr>
+            <a:normAutofit/>
+          </a:bodyPr>
           <a:lstStyle>
             <a:lvl1pPr marL="0" indent="0" algn="ctr">
               <a:buNone/>
-              <a:defRPr sz="2400"/>
+              <a:defRPr sz="2200">
+                <a:solidFill>
+                  <a:schemeClr val="bg1">
+                    <a:lumMod val="50000"/>
+                  </a:schemeClr>
+                </a:solidFill>
+              </a:defRPr>
             </a:lvl1pPr>
             <a:lvl2pPr marL="457200" indent="0" algn="ctr">
               <a:buNone/>
@@ -228,18 +1418,13 @@
               <a:rPr lang="zh-TW" altLang="en-US"/>
               <a:t>按一下以編輯母片子標題樣式</a:t>
             </a:r>
-          </a:p>
-        </p:txBody>
-      </p:sp>
-      <p:sp>
-        <p:nvSpPr>
-          <p:cNvPr id="4" name="日期版面配置區 3">
-            <a:extLst>
-              <a:ext uri="{FF2B5EF4-FFF2-40B4-BE49-F238E27FC236}">
-                <a16:creationId xmlns:a16="http://schemas.microsoft.com/office/drawing/2014/main" id="{BD08F018-0004-4322-AD0F-E6E740964233}"/>
-              </a:ext>
-            </a:extLst>
-          </p:cNvPr>
+            <a:endParaRPr lang="en-US" dirty="0"/>
+          </a:p>
+        </p:txBody>
+      </p:sp>
+      <p:sp>
+        <p:nvSpPr>
+          <p:cNvPr id="4" name="Date Placeholder 3"/>
           <p:cNvSpPr>
             <a:spLocks noGrp="1"/>
           </p:cNvSpPr>
@@ -252,9 +1437,9 @@
           <a:bodyPr/>
           <a:lstStyle/>
           <a:p>
-            <a:fld id="{C3C90D7E-32D6-4894-AE08-7BBB3E610FC9}" type="datetimeFigureOut">
+            <a:fld id="{4B79CABA-914F-43AC-AE68-5F197FBCE171}" type="datetimeFigureOut">
               <a:rPr lang="zh-TW" altLang="en-US" smtClean="0"/>
-              <a:t>2024/9/16</a:t>
+              <a:t>2024/10/20</a:t>
             </a:fld>
             <a:endParaRPr lang="zh-TW" altLang="en-US"/>
           </a:p>
@@ -262,13 +1447,7 @@
       </p:sp>
       <p:sp>
         <p:nvSpPr>
-          <p:cNvPr id="5" name="頁尾版面配置區 4">
-            <a:extLst>
-              <a:ext uri="{FF2B5EF4-FFF2-40B4-BE49-F238E27FC236}">
-                <a16:creationId xmlns:a16="http://schemas.microsoft.com/office/drawing/2014/main" id="{30427B34-CB13-41C7-B2F2-CED9BDC5B595}"/>
-              </a:ext>
-            </a:extLst>
-          </p:cNvPr>
+          <p:cNvPr id="5" name="Footer Placeholder 4"/>
           <p:cNvSpPr>
             <a:spLocks noGrp="1"/>
           </p:cNvSpPr>
@@ -287,13 +1466,7 @@
       </p:sp>
       <p:sp>
         <p:nvSpPr>
-          <p:cNvPr id="6" name="投影片編號版面配置區 5">
-            <a:extLst>
-              <a:ext uri="{FF2B5EF4-FFF2-40B4-BE49-F238E27FC236}">
-                <a16:creationId xmlns:a16="http://schemas.microsoft.com/office/drawing/2014/main" id="{76FA962E-5B03-439A-928C-87366876542D}"/>
-              </a:ext>
-            </a:extLst>
-          </p:cNvPr>
+          <p:cNvPr id="6" name="Slide Number Placeholder 5"/>
           <p:cNvSpPr>
             <a:spLocks noGrp="1"/>
           </p:cNvSpPr>
@@ -306,7 +1479,7 @@
           <a:bodyPr/>
           <a:lstStyle/>
           <a:p>
-            <a:fld id="{E31EC408-072F-4346-BD0A-D6AA5788A305}" type="slidenum">
+            <a:fld id="{C7B66E1F-E0F2-4CE0-80BB-B0CD885DF2C2}" type="slidenum">
               <a:rPr lang="zh-TW" altLang="en-US" smtClean="0"/>
               <a:t>‹#›</a:t>
             </a:fld>
@@ -317,7 +1490,7 @@
     </p:spTree>
     <p:extLst>
       <p:ext uri="{BB962C8B-B14F-4D97-AF65-F5344CB8AC3E}">
-        <p14:creationId xmlns:p14="http://schemas.microsoft.com/office/powerpoint/2010/main" val="2963035110"/>
+        <p14:creationId xmlns:p14="http://schemas.microsoft.com/office/powerpoint/2010/main" val="2799577660"/>
       </p:ext>
     </p:extLst>
   </p:cSld>
@@ -328,6 +1501,2713 @@
 </file>
 
 <file path=ppt/slideLayouts/slideLayout10.xml><?xml version="1.0" encoding="utf-8"?>
+<p:sldLayout xmlns:a="http://schemas.openxmlformats.org/drawingml/2006/main" xmlns:r="http://schemas.openxmlformats.org/officeDocument/2006/relationships" xmlns:p="http://schemas.openxmlformats.org/presentationml/2006/main" preserve="1">
+  <p:cSld name="全景圖片 (含輔助字幕)">
+    <p:spTree>
+      <p:nvGrpSpPr>
+        <p:cNvPr id="1" name=""/>
+        <p:cNvGrpSpPr/>
+        <p:nvPr/>
+      </p:nvGrpSpPr>
+      <p:grpSpPr>
+        <a:xfrm>
+          <a:off x="0" y="0"/>
+          <a:ext cx="0" cy="0"/>
+          <a:chOff x="0" y="0"/>
+          <a:chExt cx="0" cy="0"/>
+        </a:xfrm>
+      </p:grpSpPr>
+      <p:pic>
+        <p:nvPicPr>
+          <p:cNvPr id="10" name="Picture 9" descr="Droplets-HD-Content-R1d.png"/>
+          <p:cNvPicPr>
+            <a:picLocks noChangeAspect="1"/>
+          </p:cNvPicPr>
+          <p:nvPr/>
+        </p:nvPicPr>
+        <p:blipFill>
+          <a:blip r:embed="rId2">
+            <a:extLst>
+              <a:ext uri="{28A0092B-C50C-407E-A947-70E740481C1C}">
+                <a14:useLocalDpi xmlns:a14="http://schemas.microsoft.com/office/drawing/2010/main" val="0"/>
+              </a:ext>
+            </a:extLst>
+          </a:blip>
+          <a:stretch>
+            <a:fillRect/>
+          </a:stretch>
+        </p:blipFill>
+        <p:spPr>
+          <a:xfrm>
+            <a:off x="0" y="0"/>
+            <a:ext cx="12192000" cy="6858000"/>
+          </a:xfrm>
+          <a:prstGeom prst="rect">
+            <a:avLst/>
+          </a:prstGeom>
+        </p:spPr>
+      </p:pic>
+      <p:sp>
+        <p:nvSpPr>
+          <p:cNvPr id="2" name="Title 1"/>
+          <p:cNvSpPr>
+            <a:spLocks noGrp="1"/>
+          </p:cNvSpPr>
+          <p:nvPr>
+            <p:ph type="title"/>
+          </p:nvPr>
+        </p:nvSpPr>
+        <p:spPr>
+          <a:xfrm>
+            <a:off x="913794" y="4289374"/>
+            <a:ext cx="10364432" cy="811610"/>
+          </a:xfrm>
+        </p:spPr>
+        <p:txBody>
+          <a:bodyPr anchor="b"/>
+          <a:lstStyle>
+            <a:lvl1pPr>
+              <a:defRPr sz="3200"/>
+            </a:lvl1pPr>
+          </a:lstStyle>
+          <a:p>
+            <a:r>
+              <a:rPr lang="zh-TW" altLang="en-US"/>
+              <a:t>按一下以編輯母片標題樣式</a:t>
+            </a:r>
+            <a:endParaRPr lang="en-US" dirty="0"/>
+          </a:p>
+        </p:txBody>
+      </p:sp>
+      <p:sp>
+        <p:nvSpPr>
+          <p:cNvPr id="3" name="Picture Placeholder 2"/>
+          <p:cNvSpPr>
+            <a:spLocks noGrp="1" noChangeAspect="1"/>
+          </p:cNvSpPr>
+          <p:nvPr>
+            <p:ph type="pic" idx="1"/>
+          </p:nvPr>
+        </p:nvSpPr>
+        <p:spPr>
+          <a:xfrm>
+            <a:off x="1184744" y="698261"/>
+            <a:ext cx="9822532" cy="3214136"/>
+          </a:xfrm>
+          <a:prstGeom prst="roundRect">
+            <a:avLst>
+              <a:gd name="adj" fmla="val 4944"/>
+            </a:avLst>
+          </a:prstGeom>
+          <a:noFill/>
+          <a:ln w="82550" cap="sq">
+            <a:solidFill>
+              <a:srgbClr val="EAEAEA"/>
+            </a:solidFill>
+            <a:miter lim="800000"/>
+          </a:ln>
+          <a:effectLst/>
+          <a:scene3d>
+            <a:camera prst="orthographicFront"/>
+            <a:lightRig rig="threePt" dir="t">
+              <a:rot lat="0" lon="0" rev="2700000"/>
+            </a:lightRig>
+          </a:scene3d>
+          <a:sp3d contourW="6350">
+            <a:bevelT h="38100"/>
+            <a:contourClr>
+              <a:srgbClr val="C0C0C0"/>
+            </a:contourClr>
+          </a:sp3d>
+        </p:spPr>
+        <p:txBody>
+          <a:bodyPr anchor="t"/>
+          <a:lstStyle>
+            <a:lvl1pPr marL="0" indent="0" algn="ctr">
+              <a:buNone/>
+              <a:defRPr sz="3200"/>
+            </a:lvl1pPr>
+            <a:lvl2pPr marL="457200" indent="0">
+              <a:buNone/>
+              <a:defRPr sz="2800"/>
+            </a:lvl2pPr>
+            <a:lvl3pPr marL="914400" indent="0">
+              <a:buNone/>
+              <a:defRPr sz="2400"/>
+            </a:lvl3pPr>
+            <a:lvl4pPr marL="1371600" indent="0">
+              <a:buNone/>
+              <a:defRPr sz="2000"/>
+            </a:lvl4pPr>
+            <a:lvl5pPr marL="1828800" indent="0">
+              <a:buNone/>
+              <a:defRPr sz="2000"/>
+            </a:lvl5pPr>
+            <a:lvl6pPr marL="2286000" indent="0">
+              <a:buNone/>
+              <a:defRPr sz="2000"/>
+            </a:lvl6pPr>
+            <a:lvl7pPr marL="2743200" indent="0">
+              <a:buNone/>
+              <a:defRPr sz="2000"/>
+            </a:lvl7pPr>
+            <a:lvl8pPr marL="3200400" indent="0">
+              <a:buNone/>
+              <a:defRPr sz="2000"/>
+            </a:lvl8pPr>
+            <a:lvl9pPr marL="3657600" indent="0">
+              <a:buNone/>
+              <a:defRPr sz="2000"/>
+            </a:lvl9pPr>
+          </a:lstStyle>
+          <a:p>
+            <a:r>
+              <a:rPr lang="zh-TW" altLang="en-US"/>
+              <a:t>按一下圖示以新增圖片</a:t>
+            </a:r>
+            <a:endParaRPr lang="en-US" dirty="0"/>
+          </a:p>
+        </p:txBody>
+      </p:sp>
+      <p:sp>
+        <p:nvSpPr>
+          <p:cNvPr id="4" name="Text Placeholder 3"/>
+          <p:cNvSpPr>
+            <a:spLocks noGrp="1"/>
+          </p:cNvSpPr>
+          <p:nvPr>
+            <p:ph type="body" sz="half" idx="2"/>
+          </p:nvPr>
+        </p:nvSpPr>
+        <p:spPr>
+          <a:xfrm>
+            <a:off x="913774" y="5108728"/>
+            <a:ext cx="10364452" cy="682472"/>
+          </a:xfrm>
+        </p:spPr>
+        <p:txBody>
+          <a:bodyPr/>
+          <a:lstStyle>
+            <a:lvl1pPr marL="0" indent="0" algn="ctr">
+              <a:buNone/>
+              <a:defRPr sz="1600"/>
+            </a:lvl1pPr>
+            <a:lvl2pPr marL="457200" indent="0">
+              <a:buNone/>
+              <a:defRPr sz="1400"/>
+            </a:lvl2pPr>
+            <a:lvl3pPr marL="914400" indent="0">
+              <a:buNone/>
+              <a:defRPr sz="1200"/>
+            </a:lvl3pPr>
+            <a:lvl4pPr marL="1371600" indent="0">
+              <a:buNone/>
+              <a:defRPr sz="1000"/>
+            </a:lvl4pPr>
+            <a:lvl5pPr marL="1828800" indent="0">
+              <a:buNone/>
+              <a:defRPr sz="1000"/>
+            </a:lvl5pPr>
+            <a:lvl6pPr marL="2286000" indent="0">
+              <a:buNone/>
+              <a:defRPr sz="1000"/>
+            </a:lvl6pPr>
+            <a:lvl7pPr marL="2743200" indent="0">
+              <a:buNone/>
+              <a:defRPr sz="1000"/>
+            </a:lvl7pPr>
+            <a:lvl8pPr marL="3200400" indent="0">
+              <a:buNone/>
+              <a:defRPr sz="1000"/>
+            </a:lvl8pPr>
+            <a:lvl9pPr marL="3657600" indent="0">
+              <a:buNone/>
+              <a:defRPr sz="1000"/>
+            </a:lvl9pPr>
+          </a:lstStyle>
+          <a:p>
+            <a:pPr lvl="0"/>
+            <a:r>
+              <a:rPr lang="zh-TW" altLang="en-US"/>
+              <a:t>按一下以編輯母片文字樣式</a:t>
+            </a:r>
+          </a:p>
+        </p:txBody>
+      </p:sp>
+      <p:sp>
+        <p:nvSpPr>
+          <p:cNvPr id="5" name="Date Placeholder 4"/>
+          <p:cNvSpPr>
+            <a:spLocks noGrp="1"/>
+          </p:cNvSpPr>
+          <p:nvPr>
+            <p:ph type="dt" sz="half" idx="10"/>
+          </p:nvPr>
+        </p:nvSpPr>
+        <p:spPr/>
+        <p:txBody>
+          <a:bodyPr/>
+          <a:lstStyle/>
+          <a:p>
+            <a:fld id="{4B79CABA-914F-43AC-AE68-5F197FBCE171}" type="datetimeFigureOut">
+              <a:rPr lang="zh-TW" altLang="en-US" smtClean="0"/>
+              <a:t>2024/10/20</a:t>
+            </a:fld>
+            <a:endParaRPr lang="zh-TW" altLang="en-US"/>
+          </a:p>
+        </p:txBody>
+      </p:sp>
+      <p:sp>
+        <p:nvSpPr>
+          <p:cNvPr id="6" name="Footer Placeholder 5"/>
+          <p:cNvSpPr>
+            <a:spLocks noGrp="1"/>
+          </p:cNvSpPr>
+          <p:nvPr>
+            <p:ph type="ftr" sz="quarter" idx="11"/>
+          </p:nvPr>
+        </p:nvSpPr>
+        <p:spPr/>
+        <p:txBody>
+          <a:bodyPr/>
+          <a:lstStyle/>
+          <a:p>
+            <a:endParaRPr lang="zh-TW" altLang="en-US"/>
+          </a:p>
+        </p:txBody>
+      </p:sp>
+      <p:sp>
+        <p:nvSpPr>
+          <p:cNvPr id="7" name="Slide Number Placeholder 6"/>
+          <p:cNvSpPr>
+            <a:spLocks noGrp="1"/>
+          </p:cNvSpPr>
+          <p:nvPr>
+            <p:ph type="sldNum" sz="quarter" idx="12"/>
+          </p:nvPr>
+        </p:nvSpPr>
+        <p:spPr/>
+        <p:txBody>
+          <a:bodyPr/>
+          <a:lstStyle/>
+          <a:p>
+            <a:fld id="{C7B66E1F-E0F2-4CE0-80BB-B0CD885DF2C2}" type="slidenum">
+              <a:rPr lang="zh-TW" altLang="en-US" smtClean="0"/>
+              <a:t>‹#›</a:t>
+            </a:fld>
+            <a:endParaRPr lang="zh-TW" altLang="en-US"/>
+          </a:p>
+        </p:txBody>
+      </p:sp>
+    </p:spTree>
+    <p:extLst>
+      <p:ext uri="{BB962C8B-B14F-4D97-AF65-F5344CB8AC3E}">
+        <p14:creationId xmlns:p14="http://schemas.microsoft.com/office/powerpoint/2010/main" val="2788760127"/>
+      </p:ext>
+    </p:extLst>
+  </p:cSld>
+  <p:clrMapOvr>
+    <a:masterClrMapping/>
+  </p:clrMapOvr>
+</p:sldLayout>
+</file>
+
+<file path=ppt/slideLayouts/slideLayout11.xml><?xml version="1.0" encoding="utf-8"?>
+<p:sldLayout xmlns:a="http://schemas.openxmlformats.org/drawingml/2006/main" xmlns:r="http://schemas.openxmlformats.org/officeDocument/2006/relationships" xmlns:p="http://schemas.openxmlformats.org/presentationml/2006/main" preserve="1">
+  <p:cSld name="標題與輔助字幕">
+    <p:spTree>
+      <p:nvGrpSpPr>
+        <p:cNvPr id="1" name=""/>
+        <p:cNvGrpSpPr/>
+        <p:nvPr/>
+      </p:nvGrpSpPr>
+      <p:grpSpPr>
+        <a:xfrm>
+          <a:off x="0" y="0"/>
+          <a:ext cx="0" cy="0"/>
+          <a:chOff x="0" y="0"/>
+          <a:chExt cx="0" cy="0"/>
+        </a:xfrm>
+      </p:grpSpPr>
+      <p:pic>
+        <p:nvPicPr>
+          <p:cNvPr id="8" name="Picture 7" descr="Droplets-HD-Content-R1d.png"/>
+          <p:cNvPicPr>
+            <a:picLocks noChangeAspect="1"/>
+          </p:cNvPicPr>
+          <p:nvPr/>
+        </p:nvPicPr>
+        <p:blipFill>
+          <a:blip r:embed="rId2">
+            <a:extLst>
+              <a:ext uri="{28A0092B-C50C-407E-A947-70E740481C1C}">
+                <a14:useLocalDpi xmlns:a14="http://schemas.microsoft.com/office/drawing/2010/main" val="0"/>
+              </a:ext>
+            </a:extLst>
+          </a:blip>
+          <a:stretch>
+            <a:fillRect/>
+          </a:stretch>
+        </p:blipFill>
+        <p:spPr>
+          <a:xfrm>
+            <a:off x="0" y="0"/>
+            <a:ext cx="12192000" cy="6858000"/>
+          </a:xfrm>
+          <a:prstGeom prst="rect">
+            <a:avLst/>
+          </a:prstGeom>
+        </p:spPr>
+      </p:pic>
+      <p:sp>
+        <p:nvSpPr>
+          <p:cNvPr id="2" name="Title 1"/>
+          <p:cNvSpPr>
+            <a:spLocks noGrp="1"/>
+          </p:cNvSpPr>
+          <p:nvPr>
+            <p:ph type="title"/>
+          </p:nvPr>
+        </p:nvSpPr>
+        <p:spPr>
+          <a:xfrm>
+            <a:off x="913774" y="609599"/>
+            <a:ext cx="10364452" cy="3427245"/>
+          </a:xfrm>
+        </p:spPr>
+        <p:txBody>
+          <a:bodyPr anchor="ctr"/>
+          <a:lstStyle>
+            <a:lvl1pPr algn="ctr">
+              <a:defRPr sz="3200"/>
+            </a:lvl1pPr>
+          </a:lstStyle>
+          <a:p>
+            <a:r>
+              <a:rPr lang="zh-TW" altLang="en-US"/>
+              <a:t>按一下以編輯母片標題樣式</a:t>
+            </a:r>
+            <a:endParaRPr lang="en-US" dirty="0"/>
+          </a:p>
+        </p:txBody>
+      </p:sp>
+      <p:sp>
+        <p:nvSpPr>
+          <p:cNvPr id="4" name="Text Placeholder 3"/>
+          <p:cNvSpPr>
+            <a:spLocks noGrp="1"/>
+          </p:cNvSpPr>
+          <p:nvPr>
+            <p:ph type="body" sz="half" idx="2"/>
+          </p:nvPr>
+        </p:nvSpPr>
+        <p:spPr>
+          <a:xfrm>
+            <a:off x="913775" y="4204821"/>
+            <a:ext cx="10364452" cy="1586380"/>
+          </a:xfrm>
+        </p:spPr>
+        <p:txBody>
+          <a:bodyPr anchor="ctr"/>
+          <a:lstStyle>
+            <a:lvl1pPr marL="0" indent="0" algn="ctr">
+              <a:buNone/>
+              <a:defRPr sz="1600"/>
+            </a:lvl1pPr>
+            <a:lvl2pPr marL="457200" indent="0">
+              <a:buNone/>
+              <a:defRPr sz="1400"/>
+            </a:lvl2pPr>
+            <a:lvl3pPr marL="914400" indent="0">
+              <a:buNone/>
+              <a:defRPr sz="1200"/>
+            </a:lvl3pPr>
+            <a:lvl4pPr marL="1371600" indent="0">
+              <a:buNone/>
+              <a:defRPr sz="1000"/>
+            </a:lvl4pPr>
+            <a:lvl5pPr marL="1828800" indent="0">
+              <a:buNone/>
+              <a:defRPr sz="1000"/>
+            </a:lvl5pPr>
+            <a:lvl6pPr marL="2286000" indent="0">
+              <a:buNone/>
+              <a:defRPr sz="1000"/>
+            </a:lvl6pPr>
+            <a:lvl7pPr marL="2743200" indent="0">
+              <a:buNone/>
+              <a:defRPr sz="1000"/>
+            </a:lvl7pPr>
+            <a:lvl8pPr marL="3200400" indent="0">
+              <a:buNone/>
+              <a:defRPr sz="1000"/>
+            </a:lvl8pPr>
+            <a:lvl9pPr marL="3657600" indent="0">
+              <a:buNone/>
+              <a:defRPr sz="1000"/>
+            </a:lvl9pPr>
+          </a:lstStyle>
+          <a:p>
+            <a:pPr lvl="0"/>
+            <a:r>
+              <a:rPr lang="zh-TW" altLang="en-US"/>
+              <a:t>按一下以編輯母片文字樣式</a:t>
+            </a:r>
+          </a:p>
+        </p:txBody>
+      </p:sp>
+      <p:sp>
+        <p:nvSpPr>
+          <p:cNvPr id="5" name="Date Placeholder 4"/>
+          <p:cNvSpPr>
+            <a:spLocks noGrp="1"/>
+          </p:cNvSpPr>
+          <p:nvPr>
+            <p:ph type="dt" sz="half" idx="10"/>
+          </p:nvPr>
+        </p:nvSpPr>
+        <p:spPr/>
+        <p:txBody>
+          <a:bodyPr/>
+          <a:lstStyle/>
+          <a:p>
+            <a:fld id="{4B79CABA-914F-43AC-AE68-5F197FBCE171}" type="datetimeFigureOut">
+              <a:rPr lang="zh-TW" altLang="en-US" smtClean="0"/>
+              <a:t>2024/10/20</a:t>
+            </a:fld>
+            <a:endParaRPr lang="zh-TW" altLang="en-US"/>
+          </a:p>
+        </p:txBody>
+      </p:sp>
+      <p:sp>
+        <p:nvSpPr>
+          <p:cNvPr id="6" name="Footer Placeholder 5"/>
+          <p:cNvSpPr>
+            <a:spLocks noGrp="1"/>
+          </p:cNvSpPr>
+          <p:nvPr>
+            <p:ph type="ftr" sz="quarter" idx="11"/>
+          </p:nvPr>
+        </p:nvSpPr>
+        <p:spPr/>
+        <p:txBody>
+          <a:bodyPr/>
+          <a:lstStyle/>
+          <a:p>
+            <a:endParaRPr lang="zh-TW" altLang="en-US"/>
+          </a:p>
+        </p:txBody>
+      </p:sp>
+      <p:sp>
+        <p:nvSpPr>
+          <p:cNvPr id="7" name="Slide Number Placeholder 6"/>
+          <p:cNvSpPr>
+            <a:spLocks noGrp="1"/>
+          </p:cNvSpPr>
+          <p:nvPr>
+            <p:ph type="sldNum" sz="quarter" idx="12"/>
+          </p:nvPr>
+        </p:nvSpPr>
+        <p:spPr/>
+        <p:txBody>
+          <a:bodyPr/>
+          <a:lstStyle/>
+          <a:p>
+            <a:fld id="{C7B66E1F-E0F2-4CE0-80BB-B0CD885DF2C2}" type="slidenum">
+              <a:rPr lang="zh-TW" altLang="en-US" smtClean="0"/>
+              <a:t>‹#›</a:t>
+            </a:fld>
+            <a:endParaRPr lang="zh-TW" altLang="en-US"/>
+          </a:p>
+        </p:txBody>
+      </p:sp>
+    </p:spTree>
+    <p:extLst>
+      <p:ext uri="{BB962C8B-B14F-4D97-AF65-F5344CB8AC3E}">
+        <p14:creationId xmlns:p14="http://schemas.microsoft.com/office/powerpoint/2010/main" val="60788043"/>
+      </p:ext>
+    </p:extLst>
+  </p:cSld>
+  <p:clrMapOvr>
+    <a:masterClrMapping/>
+  </p:clrMapOvr>
+</p:sldLayout>
+</file>
+
+<file path=ppt/slideLayouts/slideLayout12.xml><?xml version="1.0" encoding="utf-8"?>
+<p:sldLayout xmlns:a="http://schemas.openxmlformats.org/drawingml/2006/main" xmlns:r="http://schemas.openxmlformats.org/officeDocument/2006/relationships" xmlns:p="http://schemas.openxmlformats.org/presentationml/2006/main" preserve="1">
+  <p:cSld name="引述 (含輔助字幕)">
+    <p:spTree>
+      <p:nvGrpSpPr>
+        <p:cNvPr id="1" name=""/>
+        <p:cNvGrpSpPr/>
+        <p:nvPr/>
+      </p:nvGrpSpPr>
+      <p:grpSpPr>
+        <a:xfrm>
+          <a:off x="0" y="0"/>
+          <a:ext cx="0" cy="0"/>
+          <a:chOff x="0" y="0"/>
+          <a:chExt cx="0" cy="0"/>
+        </a:xfrm>
+      </p:grpSpPr>
+      <p:pic>
+        <p:nvPicPr>
+          <p:cNvPr id="11" name="Picture 10" descr="Droplets-HD-Content-R1d.png"/>
+          <p:cNvPicPr>
+            <a:picLocks noChangeAspect="1"/>
+          </p:cNvPicPr>
+          <p:nvPr/>
+        </p:nvPicPr>
+        <p:blipFill>
+          <a:blip r:embed="rId2">
+            <a:extLst>
+              <a:ext uri="{28A0092B-C50C-407E-A947-70E740481C1C}">
+                <a14:useLocalDpi xmlns:a14="http://schemas.microsoft.com/office/drawing/2010/main" val="0"/>
+              </a:ext>
+            </a:extLst>
+          </a:blip>
+          <a:stretch>
+            <a:fillRect/>
+          </a:stretch>
+        </p:blipFill>
+        <p:spPr>
+          <a:xfrm>
+            <a:off x="0" y="0"/>
+            <a:ext cx="12192000" cy="6858000"/>
+          </a:xfrm>
+          <a:prstGeom prst="rect">
+            <a:avLst/>
+          </a:prstGeom>
+        </p:spPr>
+      </p:pic>
+      <p:sp>
+        <p:nvSpPr>
+          <p:cNvPr id="2" name="Title 1"/>
+          <p:cNvSpPr>
+            <a:spLocks noGrp="1"/>
+          </p:cNvSpPr>
+          <p:nvPr>
+            <p:ph type="title"/>
+          </p:nvPr>
+        </p:nvSpPr>
+        <p:spPr>
+          <a:xfrm>
+            <a:off x="1446212" y="609600"/>
+            <a:ext cx="9302752" cy="2992904"/>
+          </a:xfrm>
+        </p:spPr>
+        <p:txBody>
+          <a:bodyPr anchor="ctr"/>
+          <a:lstStyle>
+            <a:lvl1pPr>
+              <a:defRPr sz="3200"/>
+            </a:lvl1pPr>
+          </a:lstStyle>
+          <a:p>
+            <a:r>
+              <a:rPr lang="zh-TW" altLang="en-US"/>
+              <a:t>按一下以編輯母片標題樣式</a:t>
+            </a:r>
+            <a:endParaRPr lang="en-US" dirty="0"/>
+          </a:p>
+        </p:txBody>
+      </p:sp>
+      <p:sp>
+        <p:nvSpPr>
+          <p:cNvPr id="12" name="Text Placeholder 3"/>
+          <p:cNvSpPr>
+            <a:spLocks noGrp="1"/>
+          </p:cNvSpPr>
+          <p:nvPr>
+            <p:ph type="body" sz="half" idx="13"/>
+          </p:nvPr>
+        </p:nvSpPr>
+        <p:spPr>
+          <a:xfrm>
+            <a:off x="1720644" y="3610032"/>
+            <a:ext cx="8752299" cy="594788"/>
+          </a:xfrm>
+        </p:spPr>
+        <p:txBody>
+          <a:bodyPr anchor="t">
+            <a:normAutofit/>
+          </a:bodyPr>
+          <a:lstStyle>
+            <a:lvl1pPr marL="0" indent="0">
+              <a:buNone/>
+              <a:defRPr sz="1400"/>
+            </a:lvl1pPr>
+            <a:lvl2pPr marL="457200" indent="0">
+              <a:buNone/>
+              <a:defRPr sz="1400"/>
+            </a:lvl2pPr>
+            <a:lvl3pPr marL="914400" indent="0">
+              <a:buNone/>
+              <a:defRPr sz="1200"/>
+            </a:lvl3pPr>
+            <a:lvl4pPr marL="1371600" indent="0">
+              <a:buNone/>
+              <a:defRPr sz="1000"/>
+            </a:lvl4pPr>
+            <a:lvl5pPr marL="1828800" indent="0">
+              <a:buNone/>
+              <a:defRPr sz="1000"/>
+            </a:lvl5pPr>
+            <a:lvl6pPr marL="2286000" indent="0">
+              <a:buNone/>
+              <a:defRPr sz="1000"/>
+            </a:lvl6pPr>
+            <a:lvl7pPr marL="2743200" indent="0">
+              <a:buNone/>
+              <a:defRPr sz="1000"/>
+            </a:lvl7pPr>
+            <a:lvl8pPr marL="3200400" indent="0">
+              <a:buNone/>
+              <a:defRPr sz="1000"/>
+            </a:lvl8pPr>
+            <a:lvl9pPr marL="3657600" indent="0">
+              <a:buNone/>
+              <a:defRPr sz="1000"/>
+            </a:lvl9pPr>
+          </a:lstStyle>
+          <a:p>
+            <a:pPr lvl="0"/>
+            <a:r>
+              <a:rPr lang="zh-TW" altLang="en-US"/>
+              <a:t>按一下以編輯母片文字樣式</a:t>
+            </a:r>
+          </a:p>
+        </p:txBody>
+      </p:sp>
+      <p:sp>
+        <p:nvSpPr>
+          <p:cNvPr id="4" name="Text Placeholder 3"/>
+          <p:cNvSpPr>
+            <a:spLocks noGrp="1"/>
+          </p:cNvSpPr>
+          <p:nvPr>
+            <p:ph type="body" sz="half" idx="2"/>
+          </p:nvPr>
+        </p:nvSpPr>
+        <p:spPr>
+          <a:xfrm>
+            <a:off x="913774" y="4372796"/>
+            <a:ext cx="10364452" cy="1421053"/>
+          </a:xfrm>
+        </p:spPr>
+        <p:txBody>
+          <a:bodyPr anchor="ctr">
+            <a:normAutofit/>
+          </a:bodyPr>
+          <a:lstStyle>
+            <a:lvl1pPr marL="0" indent="0" algn="ctr">
+              <a:buNone/>
+              <a:defRPr sz="1600"/>
+            </a:lvl1pPr>
+            <a:lvl2pPr marL="457200" indent="0">
+              <a:buNone/>
+              <a:defRPr sz="1400"/>
+            </a:lvl2pPr>
+            <a:lvl3pPr marL="914400" indent="0">
+              <a:buNone/>
+              <a:defRPr sz="1200"/>
+            </a:lvl3pPr>
+            <a:lvl4pPr marL="1371600" indent="0">
+              <a:buNone/>
+              <a:defRPr sz="1000"/>
+            </a:lvl4pPr>
+            <a:lvl5pPr marL="1828800" indent="0">
+              <a:buNone/>
+              <a:defRPr sz="1000"/>
+            </a:lvl5pPr>
+            <a:lvl6pPr marL="2286000" indent="0">
+              <a:buNone/>
+              <a:defRPr sz="1000"/>
+            </a:lvl6pPr>
+            <a:lvl7pPr marL="2743200" indent="0">
+              <a:buNone/>
+              <a:defRPr sz="1000"/>
+            </a:lvl7pPr>
+            <a:lvl8pPr marL="3200400" indent="0">
+              <a:buNone/>
+              <a:defRPr sz="1000"/>
+            </a:lvl8pPr>
+            <a:lvl9pPr marL="3657600" indent="0">
+              <a:buNone/>
+              <a:defRPr sz="1000"/>
+            </a:lvl9pPr>
+          </a:lstStyle>
+          <a:p>
+            <a:pPr lvl="0"/>
+            <a:r>
+              <a:rPr lang="zh-TW" altLang="en-US"/>
+              <a:t>按一下以編輯母片文字樣式</a:t>
+            </a:r>
+          </a:p>
+        </p:txBody>
+      </p:sp>
+      <p:sp>
+        <p:nvSpPr>
+          <p:cNvPr id="5" name="Date Placeholder 4"/>
+          <p:cNvSpPr>
+            <a:spLocks noGrp="1"/>
+          </p:cNvSpPr>
+          <p:nvPr>
+            <p:ph type="dt" sz="half" idx="10"/>
+          </p:nvPr>
+        </p:nvSpPr>
+        <p:spPr/>
+        <p:txBody>
+          <a:bodyPr/>
+          <a:lstStyle/>
+          <a:p>
+            <a:fld id="{4B79CABA-914F-43AC-AE68-5F197FBCE171}" type="datetimeFigureOut">
+              <a:rPr lang="zh-TW" altLang="en-US" smtClean="0"/>
+              <a:t>2024/10/20</a:t>
+            </a:fld>
+            <a:endParaRPr lang="zh-TW" altLang="en-US"/>
+          </a:p>
+        </p:txBody>
+      </p:sp>
+      <p:sp>
+        <p:nvSpPr>
+          <p:cNvPr id="6" name="Footer Placeholder 5"/>
+          <p:cNvSpPr>
+            <a:spLocks noGrp="1"/>
+          </p:cNvSpPr>
+          <p:nvPr>
+            <p:ph type="ftr" sz="quarter" idx="11"/>
+          </p:nvPr>
+        </p:nvSpPr>
+        <p:spPr/>
+        <p:txBody>
+          <a:bodyPr/>
+          <a:lstStyle/>
+          <a:p>
+            <a:endParaRPr lang="zh-TW" altLang="en-US"/>
+          </a:p>
+        </p:txBody>
+      </p:sp>
+      <p:sp>
+        <p:nvSpPr>
+          <p:cNvPr id="7" name="Slide Number Placeholder 6"/>
+          <p:cNvSpPr>
+            <a:spLocks noGrp="1"/>
+          </p:cNvSpPr>
+          <p:nvPr>
+            <p:ph type="sldNum" sz="quarter" idx="12"/>
+          </p:nvPr>
+        </p:nvSpPr>
+        <p:spPr/>
+        <p:txBody>
+          <a:bodyPr/>
+          <a:lstStyle/>
+          <a:p>
+            <a:fld id="{C7B66E1F-E0F2-4CE0-80BB-B0CD885DF2C2}" type="slidenum">
+              <a:rPr lang="zh-TW" altLang="en-US" smtClean="0"/>
+              <a:t>‹#›</a:t>
+            </a:fld>
+            <a:endParaRPr lang="zh-TW" altLang="en-US"/>
+          </a:p>
+        </p:txBody>
+      </p:sp>
+      <p:sp>
+        <p:nvSpPr>
+          <p:cNvPr id="13" name="TextBox 12"/>
+          <p:cNvSpPr txBox="1"/>
+          <p:nvPr/>
+        </p:nvSpPr>
+        <p:spPr>
+          <a:xfrm>
+            <a:off x="1001488" y="754166"/>
+            <a:ext cx="609600" cy="584776"/>
+          </a:xfrm>
+          <a:prstGeom prst="rect">
+            <a:avLst/>
+          </a:prstGeom>
+        </p:spPr>
+        <p:txBody>
+          <a:bodyPr vert="horz" lIns="91440" tIns="45720" rIns="91440" bIns="45720" rtlCol="0" anchor="ctr">
+            <a:noAutofit/>
+          </a:bodyPr>
+          <a:lstStyle>
+            <a:lvl1pPr>
+              <a:spcBef>
+                <a:spcPct val="0"/>
+              </a:spcBef>
+              <a:buNone/>
+              <a:defRPr sz="3200" b="0" cap="all">
+                <a:ln w="3175" cmpd="sng">
+                  <a:noFill/>
+                </a:ln>
+                <a:effectLst>
+                  <a:glow rad="38100">
+                    <a:schemeClr val="bg1">
+                      <a:lumMod val="65000"/>
+                      <a:lumOff val="35000"/>
+                      <a:alpha val="40000"/>
+                    </a:schemeClr>
+                  </a:glow>
+                  <a:outerShdw blurRad="28575" dist="38100" dir="14040000" algn="tl" rotWithShape="0">
+                    <a:srgbClr val="000000">
+                      <a:alpha val="25000"/>
+                    </a:srgbClr>
+                  </a:outerShdw>
+                </a:effectLst>
+              </a:defRPr>
+            </a:lvl1pPr>
+            <a:lvl2pPr>
+              <a:defRPr>
+                <a:solidFill>
+                  <a:schemeClr val="tx2"/>
+                </a:solidFill>
+              </a:defRPr>
+            </a:lvl2pPr>
+            <a:lvl3pPr>
+              <a:defRPr>
+                <a:solidFill>
+                  <a:schemeClr val="tx2"/>
+                </a:solidFill>
+              </a:defRPr>
+            </a:lvl3pPr>
+            <a:lvl4pPr>
+              <a:defRPr>
+                <a:solidFill>
+                  <a:schemeClr val="tx2"/>
+                </a:solidFill>
+              </a:defRPr>
+            </a:lvl4pPr>
+            <a:lvl5pPr>
+              <a:defRPr>
+                <a:solidFill>
+                  <a:schemeClr val="tx2"/>
+                </a:solidFill>
+              </a:defRPr>
+            </a:lvl5pPr>
+            <a:lvl6pPr>
+              <a:defRPr>
+                <a:solidFill>
+                  <a:schemeClr val="tx2"/>
+                </a:solidFill>
+              </a:defRPr>
+            </a:lvl6pPr>
+            <a:lvl7pPr>
+              <a:defRPr>
+                <a:solidFill>
+                  <a:schemeClr val="tx2"/>
+                </a:solidFill>
+              </a:defRPr>
+            </a:lvl7pPr>
+            <a:lvl8pPr>
+              <a:defRPr>
+                <a:solidFill>
+                  <a:schemeClr val="tx2"/>
+                </a:solidFill>
+              </a:defRPr>
+            </a:lvl8pPr>
+            <a:lvl9pPr>
+              <a:defRPr>
+                <a:solidFill>
+                  <a:schemeClr val="tx2"/>
+                </a:solidFill>
+              </a:defRPr>
+            </a:lvl9pPr>
+          </a:lstStyle>
+          <a:p>
+            <a:pPr lvl="0"/>
+            <a:r>
+              <a:rPr lang="en-US" sz="8000" dirty="0">
+                <a:solidFill>
+                  <a:schemeClr val="tx1"/>
+                </a:solidFill>
+                <a:effectLst/>
+              </a:rPr>
+              <a:t>“</a:t>
+            </a:r>
+          </a:p>
+        </p:txBody>
+      </p:sp>
+      <p:sp>
+        <p:nvSpPr>
+          <p:cNvPr id="14" name="TextBox 13"/>
+          <p:cNvSpPr txBox="1"/>
+          <p:nvPr/>
+        </p:nvSpPr>
+        <p:spPr>
+          <a:xfrm>
+            <a:off x="10557558" y="2993578"/>
+            <a:ext cx="609600" cy="584776"/>
+          </a:xfrm>
+          <a:prstGeom prst="rect">
+            <a:avLst/>
+          </a:prstGeom>
+        </p:spPr>
+        <p:txBody>
+          <a:bodyPr vert="horz" lIns="91440" tIns="45720" rIns="91440" bIns="45720" rtlCol="0" anchor="ctr">
+            <a:noAutofit/>
+          </a:bodyPr>
+          <a:lstStyle>
+            <a:lvl1pPr>
+              <a:spcBef>
+                <a:spcPct val="0"/>
+              </a:spcBef>
+              <a:buNone/>
+              <a:defRPr sz="3200" b="0" cap="all">
+                <a:ln w="3175" cmpd="sng">
+                  <a:noFill/>
+                </a:ln>
+                <a:effectLst>
+                  <a:glow rad="38100">
+                    <a:schemeClr val="bg1">
+                      <a:lumMod val="65000"/>
+                      <a:lumOff val="35000"/>
+                      <a:alpha val="40000"/>
+                    </a:schemeClr>
+                  </a:glow>
+                  <a:outerShdw blurRad="28575" dist="38100" dir="14040000" algn="tl" rotWithShape="0">
+                    <a:srgbClr val="000000">
+                      <a:alpha val="25000"/>
+                    </a:srgbClr>
+                  </a:outerShdw>
+                </a:effectLst>
+              </a:defRPr>
+            </a:lvl1pPr>
+            <a:lvl2pPr>
+              <a:defRPr>
+                <a:solidFill>
+                  <a:schemeClr val="tx2"/>
+                </a:solidFill>
+              </a:defRPr>
+            </a:lvl2pPr>
+            <a:lvl3pPr>
+              <a:defRPr>
+                <a:solidFill>
+                  <a:schemeClr val="tx2"/>
+                </a:solidFill>
+              </a:defRPr>
+            </a:lvl3pPr>
+            <a:lvl4pPr>
+              <a:defRPr>
+                <a:solidFill>
+                  <a:schemeClr val="tx2"/>
+                </a:solidFill>
+              </a:defRPr>
+            </a:lvl4pPr>
+            <a:lvl5pPr>
+              <a:defRPr>
+                <a:solidFill>
+                  <a:schemeClr val="tx2"/>
+                </a:solidFill>
+              </a:defRPr>
+            </a:lvl5pPr>
+            <a:lvl6pPr>
+              <a:defRPr>
+                <a:solidFill>
+                  <a:schemeClr val="tx2"/>
+                </a:solidFill>
+              </a:defRPr>
+            </a:lvl6pPr>
+            <a:lvl7pPr>
+              <a:defRPr>
+                <a:solidFill>
+                  <a:schemeClr val="tx2"/>
+                </a:solidFill>
+              </a:defRPr>
+            </a:lvl7pPr>
+            <a:lvl8pPr>
+              <a:defRPr>
+                <a:solidFill>
+                  <a:schemeClr val="tx2"/>
+                </a:solidFill>
+              </a:defRPr>
+            </a:lvl8pPr>
+            <a:lvl9pPr>
+              <a:defRPr>
+                <a:solidFill>
+                  <a:schemeClr val="tx2"/>
+                </a:solidFill>
+              </a:defRPr>
+            </a:lvl9pPr>
+          </a:lstStyle>
+          <a:p>
+            <a:pPr lvl="0" algn="r"/>
+            <a:r>
+              <a:rPr lang="en-US" sz="8000" dirty="0">
+                <a:solidFill>
+                  <a:schemeClr val="tx1"/>
+                </a:solidFill>
+                <a:effectLst/>
+              </a:rPr>
+              <a:t>”</a:t>
+            </a:r>
+          </a:p>
+        </p:txBody>
+      </p:sp>
+    </p:spTree>
+    <p:extLst>
+      <p:ext uri="{BB962C8B-B14F-4D97-AF65-F5344CB8AC3E}">
+        <p14:creationId xmlns:p14="http://schemas.microsoft.com/office/powerpoint/2010/main" val="976965512"/>
+      </p:ext>
+    </p:extLst>
+  </p:cSld>
+  <p:clrMapOvr>
+    <a:masterClrMapping/>
+  </p:clrMapOvr>
+</p:sldLayout>
+</file>
+
+<file path=ppt/slideLayouts/slideLayout13.xml><?xml version="1.0" encoding="utf-8"?>
+<p:sldLayout xmlns:a="http://schemas.openxmlformats.org/drawingml/2006/main" xmlns:r="http://schemas.openxmlformats.org/officeDocument/2006/relationships" xmlns:p="http://schemas.openxmlformats.org/presentationml/2006/main" preserve="1">
+  <p:cSld name="名片">
+    <p:spTree>
+      <p:nvGrpSpPr>
+        <p:cNvPr id="1" name=""/>
+        <p:cNvGrpSpPr/>
+        <p:nvPr/>
+      </p:nvGrpSpPr>
+      <p:grpSpPr>
+        <a:xfrm>
+          <a:off x="0" y="0"/>
+          <a:ext cx="0" cy="0"/>
+          <a:chOff x="0" y="0"/>
+          <a:chExt cx="0" cy="0"/>
+        </a:xfrm>
+      </p:grpSpPr>
+      <p:pic>
+        <p:nvPicPr>
+          <p:cNvPr id="8" name="Picture 7" descr="Droplets-HD-Content-R1d.png"/>
+          <p:cNvPicPr>
+            <a:picLocks noChangeAspect="1"/>
+          </p:cNvPicPr>
+          <p:nvPr/>
+        </p:nvPicPr>
+        <p:blipFill>
+          <a:blip r:embed="rId2">
+            <a:extLst>
+              <a:ext uri="{28A0092B-C50C-407E-A947-70E740481C1C}">
+                <a14:useLocalDpi xmlns:a14="http://schemas.microsoft.com/office/drawing/2010/main" val="0"/>
+              </a:ext>
+            </a:extLst>
+          </a:blip>
+          <a:stretch>
+            <a:fillRect/>
+          </a:stretch>
+        </p:blipFill>
+        <p:spPr>
+          <a:xfrm>
+            <a:off x="0" y="0"/>
+            <a:ext cx="12192000" cy="6858000"/>
+          </a:xfrm>
+          <a:prstGeom prst="rect">
+            <a:avLst/>
+          </a:prstGeom>
+        </p:spPr>
+      </p:pic>
+      <p:sp>
+        <p:nvSpPr>
+          <p:cNvPr id="2" name="Title 1"/>
+          <p:cNvSpPr>
+            <a:spLocks noGrp="1"/>
+          </p:cNvSpPr>
+          <p:nvPr>
+            <p:ph type="title"/>
+          </p:nvPr>
+        </p:nvSpPr>
+        <p:spPr>
+          <a:xfrm>
+            <a:off x="913775" y="2138721"/>
+            <a:ext cx="10364452" cy="2511835"/>
+          </a:xfrm>
+        </p:spPr>
+        <p:txBody>
+          <a:bodyPr anchor="b"/>
+          <a:lstStyle>
+            <a:lvl1pPr algn="ctr">
+              <a:defRPr sz="3200"/>
+            </a:lvl1pPr>
+          </a:lstStyle>
+          <a:p>
+            <a:r>
+              <a:rPr lang="zh-TW" altLang="en-US"/>
+              <a:t>按一下以編輯母片標題樣式</a:t>
+            </a:r>
+            <a:endParaRPr lang="en-US" dirty="0"/>
+          </a:p>
+        </p:txBody>
+      </p:sp>
+      <p:sp>
+        <p:nvSpPr>
+          <p:cNvPr id="4" name="Text Placeholder 3"/>
+          <p:cNvSpPr>
+            <a:spLocks noGrp="1"/>
+          </p:cNvSpPr>
+          <p:nvPr>
+            <p:ph type="body" sz="half" idx="2"/>
+          </p:nvPr>
+        </p:nvSpPr>
+        <p:spPr>
+          <a:xfrm>
+            <a:off x="913775" y="4662335"/>
+            <a:ext cx="10364452" cy="1140644"/>
+          </a:xfrm>
+        </p:spPr>
+        <p:txBody>
+          <a:bodyPr anchor="t"/>
+          <a:lstStyle>
+            <a:lvl1pPr marL="0" indent="0" algn="ctr">
+              <a:buNone/>
+              <a:defRPr sz="1600"/>
+            </a:lvl1pPr>
+            <a:lvl2pPr marL="457200" indent="0">
+              <a:buNone/>
+              <a:defRPr sz="1400"/>
+            </a:lvl2pPr>
+            <a:lvl3pPr marL="914400" indent="0">
+              <a:buNone/>
+              <a:defRPr sz="1200"/>
+            </a:lvl3pPr>
+            <a:lvl4pPr marL="1371600" indent="0">
+              <a:buNone/>
+              <a:defRPr sz="1000"/>
+            </a:lvl4pPr>
+            <a:lvl5pPr marL="1828800" indent="0">
+              <a:buNone/>
+              <a:defRPr sz="1000"/>
+            </a:lvl5pPr>
+            <a:lvl6pPr marL="2286000" indent="0">
+              <a:buNone/>
+              <a:defRPr sz="1000"/>
+            </a:lvl6pPr>
+            <a:lvl7pPr marL="2743200" indent="0">
+              <a:buNone/>
+              <a:defRPr sz="1000"/>
+            </a:lvl7pPr>
+            <a:lvl8pPr marL="3200400" indent="0">
+              <a:buNone/>
+              <a:defRPr sz="1000"/>
+            </a:lvl8pPr>
+            <a:lvl9pPr marL="3657600" indent="0">
+              <a:buNone/>
+              <a:defRPr sz="1000"/>
+            </a:lvl9pPr>
+          </a:lstStyle>
+          <a:p>
+            <a:pPr lvl="0"/>
+            <a:r>
+              <a:rPr lang="zh-TW" altLang="en-US"/>
+              <a:t>按一下以編輯母片文字樣式</a:t>
+            </a:r>
+          </a:p>
+        </p:txBody>
+      </p:sp>
+      <p:sp>
+        <p:nvSpPr>
+          <p:cNvPr id="5" name="Date Placeholder 4"/>
+          <p:cNvSpPr>
+            <a:spLocks noGrp="1"/>
+          </p:cNvSpPr>
+          <p:nvPr>
+            <p:ph type="dt" sz="half" idx="10"/>
+          </p:nvPr>
+        </p:nvSpPr>
+        <p:spPr/>
+        <p:txBody>
+          <a:bodyPr/>
+          <a:lstStyle/>
+          <a:p>
+            <a:fld id="{4B79CABA-914F-43AC-AE68-5F197FBCE171}" type="datetimeFigureOut">
+              <a:rPr lang="zh-TW" altLang="en-US" smtClean="0"/>
+              <a:t>2024/10/20</a:t>
+            </a:fld>
+            <a:endParaRPr lang="zh-TW" altLang="en-US"/>
+          </a:p>
+        </p:txBody>
+      </p:sp>
+      <p:sp>
+        <p:nvSpPr>
+          <p:cNvPr id="6" name="Footer Placeholder 5"/>
+          <p:cNvSpPr>
+            <a:spLocks noGrp="1"/>
+          </p:cNvSpPr>
+          <p:nvPr>
+            <p:ph type="ftr" sz="quarter" idx="11"/>
+          </p:nvPr>
+        </p:nvSpPr>
+        <p:spPr/>
+        <p:txBody>
+          <a:bodyPr/>
+          <a:lstStyle/>
+          <a:p>
+            <a:endParaRPr lang="zh-TW" altLang="en-US"/>
+          </a:p>
+        </p:txBody>
+      </p:sp>
+      <p:sp>
+        <p:nvSpPr>
+          <p:cNvPr id="7" name="Slide Number Placeholder 6"/>
+          <p:cNvSpPr>
+            <a:spLocks noGrp="1"/>
+          </p:cNvSpPr>
+          <p:nvPr>
+            <p:ph type="sldNum" sz="quarter" idx="12"/>
+          </p:nvPr>
+        </p:nvSpPr>
+        <p:spPr/>
+        <p:txBody>
+          <a:bodyPr/>
+          <a:lstStyle/>
+          <a:p>
+            <a:fld id="{C7B66E1F-E0F2-4CE0-80BB-B0CD885DF2C2}" type="slidenum">
+              <a:rPr lang="zh-TW" altLang="en-US" smtClean="0"/>
+              <a:t>‹#›</a:t>
+            </a:fld>
+            <a:endParaRPr lang="zh-TW" altLang="en-US"/>
+          </a:p>
+        </p:txBody>
+      </p:sp>
+    </p:spTree>
+    <p:extLst>
+      <p:ext uri="{BB962C8B-B14F-4D97-AF65-F5344CB8AC3E}">
+        <p14:creationId xmlns:p14="http://schemas.microsoft.com/office/powerpoint/2010/main" val="1633503337"/>
+      </p:ext>
+    </p:extLst>
+  </p:cSld>
+  <p:clrMapOvr>
+    <a:masterClrMapping/>
+  </p:clrMapOvr>
+</p:sldLayout>
+</file>
+
+<file path=ppt/slideLayouts/slideLayout14.xml><?xml version="1.0" encoding="utf-8"?>
+<p:sldLayout xmlns:a="http://schemas.openxmlformats.org/drawingml/2006/main" xmlns:r="http://schemas.openxmlformats.org/officeDocument/2006/relationships" xmlns:p="http://schemas.openxmlformats.org/presentationml/2006/main" preserve="1">
+  <p:cSld name="3 欄">
+    <p:spTree>
+      <p:nvGrpSpPr>
+        <p:cNvPr id="1" name=""/>
+        <p:cNvGrpSpPr/>
+        <p:nvPr/>
+      </p:nvGrpSpPr>
+      <p:grpSpPr>
+        <a:xfrm>
+          <a:off x="0" y="0"/>
+          <a:ext cx="0" cy="0"/>
+          <a:chOff x="0" y="0"/>
+          <a:chExt cx="0" cy="0"/>
+        </a:xfrm>
+      </p:grpSpPr>
+      <p:pic>
+        <p:nvPicPr>
+          <p:cNvPr id="13" name="Picture 12" descr="Droplets-HD-Content-R1d.png"/>
+          <p:cNvPicPr>
+            <a:picLocks noChangeAspect="1"/>
+          </p:cNvPicPr>
+          <p:nvPr/>
+        </p:nvPicPr>
+        <p:blipFill>
+          <a:blip r:embed="rId2">
+            <a:extLst>
+              <a:ext uri="{28A0092B-C50C-407E-A947-70E740481C1C}">
+                <a14:useLocalDpi xmlns:a14="http://schemas.microsoft.com/office/drawing/2010/main" val="0"/>
+              </a:ext>
+            </a:extLst>
+          </a:blip>
+          <a:stretch>
+            <a:fillRect/>
+          </a:stretch>
+        </p:blipFill>
+        <p:spPr>
+          <a:xfrm>
+            <a:off x="0" y="0"/>
+            <a:ext cx="12192000" cy="6858000"/>
+          </a:xfrm>
+          <a:prstGeom prst="rect">
+            <a:avLst/>
+          </a:prstGeom>
+        </p:spPr>
+      </p:pic>
+      <p:sp>
+        <p:nvSpPr>
+          <p:cNvPr id="15" name="Title 1"/>
+          <p:cNvSpPr>
+            <a:spLocks noGrp="1"/>
+          </p:cNvSpPr>
+          <p:nvPr>
+            <p:ph type="title"/>
+          </p:nvPr>
+        </p:nvSpPr>
+        <p:spPr>
+          <a:xfrm>
+            <a:off x="913774" y="609600"/>
+            <a:ext cx="10364452" cy="1605094"/>
+          </a:xfrm>
+        </p:spPr>
+        <p:txBody>
+          <a:bodyPr/>
+          <a:lstStyle/>
+          <a:p>
+            <a:r>
+              <a:rPr lang="zh-TW" altLang="en-US"/>
+              <a:t>按一下以編輯母片標題樣式</a:t>
+            </a:r>
+            <a:endParaRPr lang="en-US" dirty="0"/>
+          </a:p>
+        </p:txBody>
+      </p:sp>
+      <p:sp>
+        <p:nvSpPr>
+          <p:cNvPr id="7" name="Text Placeholder 2"/>
+          <p:cNvSpPr>
+            <a:spLocks noGrp="1"/>
+          </p:cNvSpPr>
+          <p:nvPr>
+            <p:ph type="body" idx="1"/>
+          </p:nvPr>
+        </p:nvSpPr>
+        <p:spPr>
+          <a:xfrm>
+            <a:off x="913774" y="2367093"/>
+            <a:ext cx="3298976" cy="576262"/>
+          </a:xfrm>
+        </p:spPr>
+        <p:txBody>
+          <a:bodyPr anchor="b">
+            <a:noAutofit/>
+          </a:bodyPr>
+          <a:lstStyle>
+            <a:lvl1pPr marL="0" indent="0" algn="ctr">
+              <a:lnSpc>
+                <a:spcPct val="85000"/>
+              </a:lnSpc>
+              <a:buNone/>
+              <a:defRPr sz="2400" b="0">
+                <a:solidFill>
+                  <a:schemeClr val="tx1"/>
+                </a:solidFill>
+              </a:defRPr>
+            </a:lvl1pPr>
+            <a:lvl2pPr marL="457200" indent="0">
+              <a:buNone/>
+              <a:defRPr sz="2000" b="1"/>
+            </a:lvl2pPr>
+            <a:lvl3pPr marL="914400" indent="0">
+              <a:buNone/>
+              <a:defRPr sz="1800" b="1"/>
+            </a:lvl3pPr>
+            <a:lvl4pPr marL="1371600" indent="0">
+              <a:buNone/>
+              <a:defRPr sz="1600" b="1"/>
+            </a:lvl4pPr>
+            <a:lvl5pPr marL="1828800" indent="0">
+              <a:buNone/>
+              <a:defRPr sz="1600" b="1"/>
+            </a:lvl5pPr>
+            <a:lvl6pPr marL="2286000" indent="0">
+              <a:buNone/>
+              <a:defRPr sz="1600" b="1"/>
+            </a:lvl6pPr>
+            <a:lvl7pPr marL="2743200" indent="0">
+              <a:buNone/>
+              <a:defRPr sz="1600" b="1"/>
+            </a:lvl7pPr>
+            <a:lvl8pPr marL="3200400" indent="0">
+              <a:buNone/>
+              <a:defRPr sz="1600" b="1"/>
+            </a:lvl8pPr>
+            <a:lvl9pPr marL="3657600" indent="0">
+              <a:buNone/>
+              <a:defRPr sz="1600" b="1"/>
+            </a:lvl9pPr>
+          </a:lstStyle>
+          <a:p>
+            <a:pPr lvl="0"/>
+            <a:r>
+              <a:rPr lang="zh-TW" altLang="en-US"/>
+              <a:t>按一下以編輯母片文字樣式</a:t>
+            </a:r>
+          </a:p>
+        </p:txBody>
+      </p:sp>
+      <p:sp>
+        <p:nvSpPr>
+          <p:cNvPr id="8" name="Text Placeholder 3"/>
+          <p:cNvSpPr>
+            <a:spLocks noGrp="1"/>
+          </p:cNvSpPr>
+          <p:nvPr>
+            <p:ph type="body" sz="half" idx="15"/>
+          </p:nvPr>
+        </p:nvSpPr>
+        <p:spPr>
+          <a:xfrm>
+            <a:off x="913774" y="2943355"/>
+            <a:ext cx="3298976" cy="2847845"/>
+          </a:xfrm>
+        </p:spPr>
+        <p:txBody>
+          <a:bodyPr anchor="t">
+            <a:normAutofit/>
+          </a:bodyPr>
+          <a:lstStyle>
+            <a:lvl1pPr marL="0" indent="0" algn="ctr">
+              <a:buNone/>
+              <a:defRPr sz="1400"/>
+            </a:lvl1pPr>
+            <a:lvl2pPr marL="457200" indent="0">
+              <a:buNone/>
+              <a:defRPr sz="1200"/>
+            </a:lvl2pPr>
+            <a:lvl3pPr marL="914400" indent="0">
+              <a:buNone/>
+              <a:defRPr sz="1000"/>
+            </a:lvl3pPr>
+            <a:lvl4pPr marL="1371600" indent="0">
+              <a:buNone/>
+              <a:defRPr sz="900"/>
+            </a:lvl4pPr>
+            <a:lvl5pPr marL="1828800" indent="0">
+              <a:buNone/>
+              <a:defRPr sz="900"/>
+            </a:lvl5pPr>
+            <a:lvl6pPr marL="2286000" indent="0">
+              <a:buNone/>
+              <a:defRPr sz="900"/>
+            </a:lvl6pPr>
+            <a:lvl7pPr marL="2743200" indent="0">
+              <a:buNone/>
+              <a:defRPr sz="900"/>
+            </a:lvl7pPr>
+            <a:lvl8pPr marL="3200400" indent="0">
+              <a:buNone/>
+              <a:defRPr sz="900"/>
+            </a:lvl8pPr>
+            <a:lvl9pPr marL="3657600" indent="0">
+              <a:buNone/>
+              <a:defRPr sz="900"/>
+            </a:lvl9pPr>
+          </a:lstStyle>
+          <a:p>
+            <a:pPr lvl="0"/>
+            <a:r>
+              <a:rPr lang="zh-TW" altLang="en-US"/>
+              <a:t>按一下以編輯母片文字樣式</a:t>
+            </a:r>
+          </a:p>
+        </p:txBody>
+      </p:sp>
+      <p:sp>
+        <p:nvSpPr>
+          <p:cNvPr id="9" name="Text Placeholder 4"/>
+          <p:cNvSpPr>
+            <a:spLocks noGrp="1"/>
+          </p:cNvSpPr>
+          <p:nvPr>
+            <p:ph type="body" sz="quarter" idx="3"/>
+          </p:nvPr>
+        </p:nvSpPr>
+        <p:spPr>
+          <a:xfrm>
+            <a:off x="4452389" y="2367093"/>
+            <a:ext cx="3291521" cy="576262"/>
+          </a:xfrm>
+        </p:spPr>
+        <p:txBody>
+          <a:bodyPr anchor="b">
+            <a:noAutofit/>
+          </a:bodyPr>
+          <a:lstStyle>
+            <a:lvl1pPr marL="0" indent="0" algn="ctr">
+              <a:lnSpc>
+                <a:spcPct val="85000"/>
+              </a:lnSpc>
+              <a:buNone/>
+              <a:defRPr sz="2400" b="0">
+                <a:solidFill>
+                  <a:schemeClr val="tx1"/>
+                </a:solidFill>
+              </a:defRPr>
+            </a:lvl1pPr>
+            <a:lvl2pPr marL="457200" indent="0">
+              <a:buNone/>
+              <a:defRPr sz="2000" b="1"/>
+            </a:lvl2pPr>
+            <a:lvl3pPr marL="914400" indent="0">
+              <a:buNone/>
+              <a:defRPr sz="1800" b="1"/>
+            </a:lvl3pPr>
+            <a:lvl4pPr marL="1371600" indent="0">
+              <a:buNone/>
+              <a:defRPr sz="1600" b="1"/>
+            </a:lvl4pPr>
+            <a:lvl5pPr marL="1828800" indent="0">
+              <a:buNone/>
+              <a:defRPr sz="1600" b="1"/>
+            </a:lvl5pPr>
+            <a:lvl6pPr marL="2286000" indent="0">
+              <a:buNone/>
+              <a:defRPr sz="1600" b="1"/>
+            </a:lvl6pPr>
+            <a:lvl7pPr marL="2743200" indent="0">
+              <a:buNone/>
+              <a:defRPr sz="1600" b="1"/>
+            </a:lvl7pPr>
+            <a:lvl8pPr marL="3200400" indent="0">
+              <a:buNone/>
+              <a:defRPr sz="1600" b="1"/>
+            </a:lvl8pPr>
+            <a:lvl9pPr marL="3657600" indent="0">
+              <a:buNone/>
+              <a:defRPr sz="1600" b="1"/>
+            </a:lvl9pPr>
+          </a:lstStyle>
+          <a:p>
+            <a:pPr lvl="0"/>
+            <a:r>
+              <a:rPr lang="zh-TW" altLang="en-US"/>
+              <a:t>按一下以編輯母片文字樣式</a:t>
+            </a:r>
+          </a:p>
+        </p:txBody>
+      </p:sp>
+      <p:sp>
+        <p:nvSpPr>
+          <p:cNvPr id="10" name="Text Placeholder 3"/>
+          <p:cNvSpPr>
+            <a:spLocks noGrp="1"/>
+          </p:cNvSpPr>
+          <p:nvPr>
+            <p:ph type="body" sz="half" idx="16"/>
+          </p:nvPr>
+        </p:nvSpPr>
+        <p:spPr>
+          <a:xfrm>
+            <a:off x="4441348" y="2943355"/>
+            <a:ext cx="3303351" cy="2847845"/>
+          </a:xfrm>
+        </p:spPr>
+        <p:txBody>
+          <a:bodyPr anchor="t">
+            <a:normAutofit/>
+          </a:bodyPr>
+          <a:lstStyle>
+            <a:lvl1pPr marL="0" indent="0" algn="ctr">
+              <a:buNone/>
+              <a:defRPr sz="1400"/>
+            </a:lvl1pPr>
+            <a:lvl2pPr marL="457200" indent="0">
+              <a:buNone/>
+              <a:defRPr sz="1200"/>
+            </a:lvl2pPr>
+            <a:lvl3pPr marL="914400" indent="0">
+              <a:buNone/>
+              <a:defRPr sz="1000"/>
+            </a:lvl3pPr>
+            <a:lvl4pPr marL="1371600" indent="0">
+              <a:buNone/>
+              <a:defRPr sz="900"/>
+            </a:lvl4pPr>
+            <a:lvl5pPr marL="1828800" indent="0">
+              <a:buNone/>
+              <a:defRPr sz="900"/>
+            </a:lvl5pPr>
+            <a:lvl6pPr marL="2286000" indent="0">
+              <a:buNone/>
+              <a:defRPr sz="900"/>
+            </a:lvl6pPr>
+            <a:lvl7pPr marL="2743200" indent="0">
+              <a:buNone/>
+              <a:defRPr sz="900"/>
+            </a:lvl7pPr>
+            <a:lvl8pPr marL="3200400" indent="0">
+              <a:buNone/>
+              <a:defRPr sz="900"/>
+            </a:lvl8pPr>
+            <a:lvl9pPr marL="3657600" indent="0">
+              <a:buNone/>
+              <a:defRPr sz="900"/>
+            </a:lvl9pPr>
+          </a:lstStyle>
+          <a:p>
+            <a:pPr lvl="0"/>
+            <a:r>
+              <a:rPr lang="zh-TW" altLang="en-US"/>
+              <a:t>按一下以編輯母片文字樣式</a:t>
+            </a:r>
+          </a:p>
+        </p:txBody>
+      </p:sp>
+      <p:sp>
+        <p:nvSpPr>
+          <p:cNvPr id="11" name="Text Placeholder 4"/>
+          <p:cNvSpPr>
+            <a:spLocks noGrp="1"/>
+          </p:cNvSpPr>
+          <p:nvPr>
+            <p:ph type="body" sz="quarter" idx="13"/>
+          </p:nvPr>
+        </p:nvSpPr>
+        <p:spPr>
+          <a:xfrm>
+            <a:off x="7973298" y="2367093"/>
+            <a:ext cx="3304928" cy="576262"/>
+          </a:xfrm>
+        </p:spPr>
+        <p:txBody>
+          <a:bodyPr anchor="b">
+            <a:noAutofit/>
+          </a:bodyPr>
+          <a:lstStyle>
+            <a:lvl1pPr marL="0" indent="0" algn="ctr">
+              <a:lnSpc>
+                <a:spcPct val="85000"/>
+              </a:lnSpc>
+              <a:buNone/>
+              <a:defRPr sz="2400" b="0">
+                <a:solidFill>
+                  <a:schemeClr val="tx1"/>
+                </a:solidFill>
+              </a:defRPr>
+            </a:lvl1pPr>
+            <a:lvl2pPr marL="457200" indent="0">
+              <a:buNone/>
+              <a:defRPr sz="2000" b="1"/>
+            </a:lvl2pPr>
+            <a:lvl3pPr marL="914400" indent="0">
+              <a:buNone/>
+              <a:defRPr sz="1800" b="1"/>
+            </a:lvl3pPr>
+            <a:lvl4pPr marL="1371600" indent="0">
+              <a:buNone/>
+              <a:defRPr sz="1600" b="1"/>
+            </a:lvl4pPr>
+            <a:lvl5pPr marL="1828800" indent="0">
+              <a:buNone/>
+              <a:defRPr sz="1600" b="1"/>
+            </a:lvl5pPr>
+            <a:lvl6pPr marL="2286000" indent="0">
+              <a:buNone/>
+              <a:defRPr sz="1600" b="1"/>
+            </a:lvl6pPr>
+            <a:lvl7pPr marL="2743200" indent="0">
+              <a:buNone/>
+              <a:defRPr sz="1600" b="1"/>
+            </a:lvl7pPr>
+            <a:lvl8pPr marL="3200400" indent="0">
+              <a:buNone/>
+              <a:defRPr sz="1600" b="1"/>
+            </a:lvl8pPr>
+            <a:lvl9pPr marL="3657600" indent="0">
+              <a:buNone/>
+              <a:defRPr sz="1600" b="1"/>
+            </a:lvl9pPr>
+          </a:lstStyle>
+          <a:p>
+            <a:pPr lvl="0"/>
+            <a:r>
+              <a:rPr lang="zh-TW" altLang="en-US"/>
+              <a:t>按一下以編輯母片文字樣式</a:t>
+            </a:r>
+          </a:p>
+        </p:txBody>
+      </p:sp>
+      <p:sp>
+        <p:nvSpPr>
+          <p:cNvPr id="12" name="Text Placeholder 3"/>
+          <p:cNvSpPr>
+            <a:spLocks noGrp="1"/>
+          </p:cNvSpPr>
+          <p:nvPr>
+            <p:ph type="body" sz="half" idx="17"/>
+          </p:nvPr>
+        </p:nvSpPr>
+        <p:spPr>
+          <a:xfrm>
+            <a:off x="7973298" y="2943355"/>
+            <a:ext cx="3304928" cy="2847845"/>
+          </a:xfrm>
+        </p:spPr>
+        <p:txBody>
+          <a:bodyPr anchor="t">
+            <a:normAutofit/>
+          </a:bodyPr>
+          <a:lstStyle>
+            <a:lvl1pPr marL="0" indent="0" algn="ctr">
+              <a:buNone/>
+              <a:defRPr sz="1400"/>
+            </a:lvl1pPr>
+            <a:lvl2pPr marL="457200" indent="0">
+              <a:buNone/>
+              <a:defRPr sz="1200"/>
+            </a:lvl2pPr>
+            <a:lvl3pPr marL="914400" indent="0">
+              <a:buNone/>
+              <a:defRPr sz="1000"/>
+            </a:lvl3pPr>
+            <a:lvl4pPr marL="1371600" indent="0">
+              <a:buNone/>
+              <a:defRPr sz="900"/>
+            </a:lvl4pPr>
+            <a:lvl5pPr marL="1828800" indent="0">
+              <a:buNone/>
+              <a:defRPr sz="900"/>
+            </a:lvl5pPr>
+            <a:lvl6pPr marL="2286000" indent="0">
+              <a:buNone/>
+              <a:defRPr sz="900"/>
+            </a:lvl6pPr>
+            <a:lvl7pPr marL="2743200" indent="0">
+              <a:buNone/>
+              <a:defRPr sz="900"/>
+            </a:lvl7pPr>
+            <a:lvl8pPr marL="3200400" indent="0">
+              <a:buNone/>
+              <a:defRPr sz="900"/>
+            </a:lvl8pPr>
+            <a:lvl9pPr marL="3657600" indent="0">
+              <a:buNone/>
+              <a:defRPr sz="900"/>
+            </a:lvl9pPr>
+          </a:lstStyle>
+          <a:p>
+            <a:pPr lvl="0"/>
+            <a:r>
+              <a:rPr lang="zh-TW" altLang="en-US"/>
+              <a:t>按一下以編輯母片文字樣式</a:t>
+            </a:r>
+          </a:p>
+        </p:txBody>
+      </p:sp>
+      <p:sp>
+        <p:nvSpPr>
+          <p:cNvPr id="3" name="Date Placeholder 2"/>
+          <p:cNvSpPr>
+            <a:spLocks noGrp="1"/>
+          </p:cNvSpPr>
+          <p:nvPr>
+            <p:ph type="dt" sz="half" idx="10"/>
+          </p:nvPr>
+        </p:nvSpPr>
+        <p:spPr/>
+        <p:txBody>
+          <a:bodyPr/>
+          <a:lstStyle/>
+          <a:p>
+            <a:fld id="{4B79CABA-914F-43AC-AE68-5F197FBCE171}" type="datetimeFigureOut">
+              <a:rPr lang="zh-TW" altLang="en-US" smtClean="0"/>
+              <a:t>2024/10/20</a:t>
+            </a:fld>
+            <a:endParaRPr lang="zh-TW" altLang="en-US"/>
+          </a:p>
+        </p:txBody>
+      </p:sp>
+      <p:sp>
+        <p:nvSpPr>
+          <p:cNvPr id="4" name="Footer Placeholder 3"/>
+          <p:cNvSpPr>
+            <a:spLocks noGrp="1"/>
+          </p:cNvSpPr>
+          <p:nvPr>
+            <p:ph type="ftr" sz="quarter" idx="11"/>
+          </p:nvPr>
+        </p:nvSpPr>
+        <p:spPr/>
+        <p:txBody>
+          <a:bodyPr/>
+          <a:lstStyle/>
+          <a:p>
+            <a:endParaRPr lang="zh-TW" altLang="en-US"/>
+          </a:p>
+        </p:txBody>
+      </p:sp>
+      <p:sp>
+        <p:nvSpPr>
+          <p:cNvPr id="5" name="Slide Number Placeholder 4"/>
+          <p:cNvSpPr>
+            <a:spLocks noGrp="1"/>
+          </p:cNvSpPr>
+          <p:nvPr>
+            <p:ph type="sldNum" sz="quarter" idx="12"/>
+          </p:nvPr>
+        </p:nvSpPr>
+        <p:spPr/>
+        <p:txBody>
+          <a:bodyPr/>
+          <a:lstStyle/>
+          <a:p>
+            <a:fld id="{C7B66E1F-E0F2-4CE0-80BB-B0CD885DF2C2}" type="slidenum">
+              <a:rPr lang="zh-TW" altLang="en-US" smtClean="0"/>
+              <a:t>‹#›</a:t>
+            </a:fld>
+            <a:endParaRPr lang="zh-TW" altLang="en-US"/>
+          </a:p>
+        </p:txBody>
+      </p:sp>
+    </p:spTree>
+    <p:extLst>
+      <p:ext uri="{BB962C8B-B14F-4D97-AF65-F5344CB8AC3E}">
+        <p14:creationId xmlns:p14="http://schemas.microsoft.com/office/powerpoint/2010/main" val="553480249"/>
+      </p:ext>
+    </p:extLst>
+  </p:cSld>
+  <p:clrMapOvr>
+    <a:masterClrMapping/>
+  </p:clrMapOvr>
+</p:sldLayout>
+</file>
+
+<file path=ppt/slideLayouts/slideLayout15.xml><?xml version="1.0" encoding="utf-8"?>
+<p:sldLayout xmlns:a="http://schemas.openxmlformats.org/drawingml/2006/main" xmlns:r="http://schemas.openxmlformats.org/officeDocument/2006/relationships" xmlns:p="http://schemas.openxmlformats.org/presentationml/2006/main" preserve="1">
+  <p:cSld name="3 圖片欄">
+    <p:spTree>
+      <p:nvGrpSpPr>
+        <p:cNvPr id="1" name=""/>
+        <p:cNvGrpSpPr/>
+        <p:nvPr/>
+      </p:nvGrpSpPr>
+      <p:grpSpPr>
+        <a:xfrm>
+          <a:off x="0" y="0"/>
+          <a:ext cx="0" cy="0"/>
+          <a:chOff x="0" y="0"/>
+          <a:chExt cx="0" cy="0"/>
+        </a:xfrm>
+      </p:grpSpPr>
+      <p:pic>
+        <p:nvPicPr>
+          <p:cNvPr id="16" name="Picture 15" descr="Droplets-HD-Content-R1d.png"/>
+          <p:cNvPicPr>
+            <a:picLocks noChangeAspect="1"/>
+          </p:cNvPicPr>
+          <p:nvPr/>
+        </p:nvPicPr>
+        <p:blipFill>
+          <a:blip r:embed="rId2">
+            <a:extLst>
+              <a:ext uri="{28A0092B-C50C-407E-A947-70E740481C1C}">
+                <a14:useLocalDpi xmlns:a14="http://schemas.microsoft.com/office/drawing/2010/main" val="0"/>
+              </a:ext>
+            </a:extLst>
+          </a:blip>
+          <a:stretch>
+            <a:fillRect/>
+          </a:stretch>
+        </p:blipFill>
+        <p:spPr>
+          <a:xfrm>
+            <a:off x="0" y="0"/>
+            <a:ext cx="12192000" cy="6858000"/>
+          </a:xfrm>
+          <a:prstGeom prst="rect">
+            <a:avLst/>
+          </a:prstGeom>
+        </p:spPr>
+      </p:pic>
+      <p:sp>
+        <p:nvSpPr>
+          <p:cNvPr id="30" name="Title 1"/>
+          <p:cNvSpPr>
+            <a:spLocks noGrp="1"/>
+          </p:cNvSpPr>
+          <p:nvPr>
+            <p:ph type="title"/>
+          </p:nvPr>
+        </p:nvSpPr>
+        <p:spPr>
+          <a:xfrm>
+            <a:off x="913774" y="610772"/>
+            <a:ext cx="10364452" cy="1603922"/>
+          </a:xfrm>
+        </p:spPr>
+        <p:txBody>
+          <a:bodyPr/>
+          <a:lstStyle/>
+          <a:p>
+            <a:r>
+              <a:rPr lang="zh-TW" altLang="en-US"/>
+              <a:t>按一下以編輯母片標題樣式</a:t>
+            </a:r>
+            <a:endParaRPr lang="en-US" dirty="0"/>
+          </a:p>
+        </p:txBody>
+      </p:sp>
+      <p:sp>
+        <p:nvSpPr>
+          <p:cNvPr id="19" name="Text Placeholder 2"/>
+          <p:cNvSpPr>
+            <a:spLocks noGrp="1"/>
+          </p:cNvSpPr>
+          <p:nvPr>
+            <p:ph type="body" idx="1"/>
+          </p:nvPr>
+        </p:nvSpPr>
+        <p:spPr>
+          <a:xfrm>
+            <a:off x="913774" y="4204820"/>
+            <a:ext cx="3296409" cy="576262"/>
+          </a:xfrm>
+        </p:spPr>
+        <p:txBody>
+          <a:bodyPr anchor="b">
+            <a:noAutofit/>
+          </a:bodyPr>
+          <a:lstStyle>
+            <a:lvl1pPr marL="0" indent="0" algn="ctr">
+              <a:lnSpc>
+                <a:spcPct val="85000"/>
+              </a:lnSpc>
+              <a:buNone/>
+              <a:defRPr sz="2200" b="0">
+                <a:solidFill>
+                  <a:schemeClr val="tx1"/>
+                </a:solidFill>
+              </a:defRPr>
+            </a:lvl1pPr>
+            <a:lvl2pPr marL="457200" indent="0">
+              <a:buNone/>
+              <a:defRPr sz="2000" b="1"/>
+            </a:lvl2pPr>
+            <a:lvl3pPr marL="914400" indent="0">
+              <a:buNone/>
+              <a:defRPr sz="1800" b="1"/>
+            </a:lvl3pPr>
+            <a:lvl4pPr marL="1371600" indent="0">
+              <a:buNone/>
+              <a:defRPr sz="1600" b="1"/>
+            </a:lvl4pPr>
+            <a:lvl5pPr marL="1828800" indent="0">
+              <a:buNone/>
+              <a:defRPr sz="1600" b="1"/>
+            </a:lvl5pPr>
+            <a:lvl6pPr marL="2286000" indent="0">
+              <a:buNone/>
+              <a:defRPr sz="1600" b="1"/>
+            </a:lvl6pPr>
+            <a:lvl7pPr marL="2743200" indent="0">
+              <a:buNone/>
+              <a:defRPr sz="1600" b="1"/>
+            </a:lvl7pPr>
+            <a:lvl8pPr marL="3200400" indent="0">
+              <a:buNone/>
+              <a:defRPr sz="1600" b="1"/>
+            </a:lvl8pPr>
+            <a:lvl9pPr marL="3657600" indent="0">
+              <a:buNone/>
+              <a:defRPr sz="1600" b="1"/>
+            </a:lvl9pPr>
+          </a:lstStyle>
+          <a:p>
+            <a:pPr lvl="0"/>
+            <a:r>
+              <a:rPr lang="zh-TW" altLang="en-US"/>
+              <a:t>按一下以編輯母片文字樣式</a:t>
+            </a:r>
+          </a:p>
+        </p:txBody>
+      </p:sp>
+      <p:sp>
+        <p:nvSpPr>
+          <p:cNvPr id="20" name="Picture Placeholder 2"/>
+          <p:cNvSpPr>
+            <a:spLocks noGrp="1" noChangeAspect="1"/>
+          </p:cNvSpPr>
+          <p:nvPr>
+            <p:ph type="pic" idx="15"/>
+          </p:nvPr>
+        </p:nvSpPr>
+        <p:spPr>
+          <a:xfrm>
+            <a:off x="913774" y="2367093"/>
+            <a:ext cx="3296409" cy="1524000"/>
+          </a:xfrm>
+          <a:prstGeom prst="roundRect">
+            <a:avLst>
+              <a:gd name="adj" fmla="val 9363"/>
+            </a:avLst>
+          </a:prstGeom>
+          <a:noFill/>
+          <a:ln w="82550" cap="sq">
+            <a:solidFill>
+              <a:srgbClr val="EAEAEA"/>
+            </a:solidFill>
+            <a:miter lim="800000"/>
+          </a:ln>
+          <a:effectLst/>
+          <a:scene3d>
+            <a:camera prst="orthographicFront"/>
+            <a:lightRig rig="threePt" dir="t">
+              <a:rot lat="0" lon="0" rev="2700000"/>
+            </a:lightRig>
+          </a:scene3d>
+          <a:sp3d contourW="6350">
+            <a:bevelT h="38100"/>
+            <a:contourClr>
+              <a:srgbClr val="C0C0C0"/>
+            </a:contourClr>
+          </a:sp3d>
+        </p:spPr>
+        <p:txBody>
+          <a:bodyPr anchor="t">
+            <a:normAutofit/>
+          </a:bodyPr>
+          <a:lstStyle>
+            <a:lvl1pPr marL="0" indent="0" algn="ctr">
+              <a:buNone/>
+              <a:defRPr sz="1600"/>
+            </a:lvl1pPr>
+            <a:lvl2pPr marL="457200" indent="0">
+              <a:buNone/>
+              <a:defRPr sz="1600"/>
+            </a:lvl2pPr>
+            <a:lvl3pPr marL="914400" indent="0">
+              <a:buNone/>
+              <a:defRPr sz="1600"/>
+            </a:lvl3pPr>
+            <a:lvl4pPr marL="1371600" indent="0">
+              <a:buNone/>
+              <a:defRPr sz="1600"/>
+            </a:lvl4pPr>
+            <a:lvl5pPr marL="1828800" indent="0">
+              <a:buNone/>
+              <a:defRPr sz="1600"/>
+            </a:lvl5pPr>
+            <a:lvl6pPr marL="2286000" indent="0">
+              <a:buNone/>
+              <a:defRPr sz="1600"/>
+            </a:lvl6pPr>
+            <a:lvl7pPr marL="2743200" indent="0">
+              <a:buNone/>
+              <a:defRPr sz="1600"/>
+            </a:lvl7pPr>
+            <a:lvl8pPr marL="3200400" indent="0">
+              <a:buNone/>
+              <a:defRPr sz="1600"/>
+            </a:lvl8pPr>
+            <a:lvl9pPr marL="3657600" indent="0">
+              <a:buNone/>
+              <a:defRPr sz="1600"/>
+            </a:lvl9pPr>
+          </a:lstStyle>
+          <a:p>
+            <a:r>
+              <a:rPr lang="zh-TW" altLang="en-US"/>
+              <a:t>按一下圖示以新增圖片</a:t>
+            </a:r>
+            <a:endParaRPr lang="en-US" dirty="0"/>
+          </a:p>
+        </p:txBody>
+      </p:sp>
+      <p:sp>
+        <p:nvSpPr>
+          <p:cNvPr id="21" name="Text Placeholder 3"/>
+          <p:cNvSpPr>
+            <a:spLocks noGrp="1"/>
+          </p:cNvSpPr>
+          <p:nvPr>
+            <p:ph type="body" sz="half" idx="18"/>
+          </p:nvPr>
+        </p:nvSpPr>
+        <p:spPr>
+          <a:xfrm>
+            <a:off x="913774" y="4781082"/>
+            <a:ext cx="3296409" cy="1010118"/>
+          </a:xfrm>
+        </p:spPr>
+        <p:txBody>
+          <a:bodyPr anchor="t">
+            <a:normAutofit/>
+          </a:bodyPr>
+          <a:lstStyle>
+            <a:lvl1pPr marL="0" indent="0" algn="ctr">
+              <a:buNone/>
+              <a:defRPr sz="1400"/>
+            </a:lvl1pPr>
+            <a:lvl2pPr marL="457200" indent="0">
+              <a:buNone/>
+              <a:defRPr sz="1200"/>
+            </a:lvl2pPr>
+            <a:lvl3pPr marL="914400" indent="0">
+              <a:buNone/>
+              <a:defRPr sz="1000"/>
+            </a:lvl3pPr>
+            <a:lvl4pPr marL="1371600" indent="0">
+              <a:buNone/>
+              <a:defRPr sz="900"/>
+            </a:lvl4pPr>
+            <a:lvl5pPr marL="1828800" indent="0">
+              <a:buNone/>
+              <a:defRPr sz="900"/>
+            </a:lvl5pPr>
+            <a:lvl6pPr marL="2286000" indent="0">
+              <a:buNone/>
+              <a:defRPr sz="900"/>
+            </a:lvl6pPr>
+            <a:lvl7pPr marL="2743200" indent="0">
+              <a:buNone/>
+              <a:defRPr sz="900"/>
+            </a:lvl7pPr>
+            <a:lvl8pPr marL="3200400" indent="0">
+              <a:buNone/>
+              <a:defRPr sz="900"/>
+            </a:lvl8pPr>
+            <a:lvl9pPr marL="3657600" indent="0">
+              <a:buNone/>
+              <a:defRPr sz="900"/>
+            </a:lvl9pPr>
+          </a:lstStyle>
+          <a:p>
+            <a:pPr lvl="0"/>
+            <a:r>
+              <a:rPr lang="zh-TW" altLang="en-US"/>
+              <a:t>按一下以編輯母片文字樣式</a:t>
+            </a:r>
+          </a:p>
+        </p:txBody>
+      </p:sp>
+      <p:sp>
+        <p:nvSpPr>
+          <p:cNvPr id="22" name="Text Placeholder 4"/>
+          <p:cNvSpPr>
+            <a:spLocks noGrp="1"/>
+          </p:cNvSpPr>
+          <p:nvPr>
+            <p:ph type="body" sz="quarter" idx="3"/>
+          </p:nvPr>
+        </p:nvSpPr>
+        <p:spPr>
+          <a:xfrm>
+            <a:off x="4442759" y="4204820"/>
+            <a:ext cx="3301828" cy="576262"/>
+          </a:xfrm>
+        </p:spPr>
+        <p:txBody>
+          <a:bodyPr anchor="b">
+            <a:noAutofit/>
+          </a:bodyPr>
+          <a:lstStyle>
+            <a:lvl1pPr marL="0" indent="0" algn="ctr">
+              <a:lnSpc>
+                <a:spcPct val="85000"/>
+              </a:lnSpc>
+              <a:buNone/>
+              <a:defRPr sz="2200" b="0">
+                <a:solidFill>
+                  <a:schemeClr val="tx1"/>
+                </a:solidFill>
+              </a:defRPr>
+            </a:lvl1pPr>
+            <a:lvl2pPr marL="457200" indent="0">
+              <a:buNone/>
+              <a:defRPr sz="2000" b="1"/>
+            </a:lvl2pPr>
+            <a:lvl3pPr marL="914400" indent="0">
+              <a:buNone/>
+              <a:defRPr sz="1800" b="1"/>
+            </a:lvl3pPr>
+            <a:lvl4pPr marL="1371600" indent="0">
+              <a:buNone/>
+              <a:defRPr sz="1600" b="1"/>
+            </a:lvl4pPr>
+            <a:lvl5pPr marL="1828800" indent="0">
+              <a:buNone/>
+              <a:defRPr sz="1600" b="1"/>
+            </a:lvl5pPr>
+            <a:lvl6pPr marL="2286000" indent="0">
+              <a:buNone/>
+              <a:defRPr sz="1600" b="1"/>
+            </a:lvl6pPr>
+            <a:lvl7pPr marL="2743200" indent="0">
+              <a:buNone/>
+              <a:defRPr sz="1600" b="1"/>
+            </a:lvl7pPr>
+            <a:lvl8pPr marL="3200400" indent="0">
+              <a:buNone/>
+              <a:defRPr sz="1600" b="1"/>
+            </a:lvl8pPr>
+            <a:lvl9pPr marL="3657600" indent="0">
+              <a:buNone/>
+              <a:defRPr sz="1600" b="1"/>
+            </a:lvl9pPr>
+          </a:lstStyle>
+          <a:p>
+            <a:pPr lvl="0"/>
+            <a:r>
+              <a:rPr lang="zh-TW" altLang="en-US"/>
+              <a:t>按一下以編輯母片文字樣式</a:t>
+            </a:r>
+          </a:p>
+        </p:txBody>
+      </p:sp>
+      <p:sp>
+        <p:nvSpPr>
+          <p:cNvPr id="23" name="Picture Placeholder 2"/>
+          <p:cNvSpPr>
+            <a:spLocks noGrp="1" noChangeAspect="1"/>
+          </p:cNvSpPr>
+          <p:nvPr>
+            <p:ph type="pic" idx="21"/>
+          </p:nvPr>
+        </p:nvSpPr>
+        <p:spPr>
+          <a:xfrm>
+            <a:off x="4441348" y="2367093"/>
+            <a:ext cx="3303352" cy="1524000"/>
+          </a:xfrm>
+          <a:prstGeom prst="roundRect">
+            <a:avLst>
+              <a:gd name="adj" fmla="val 8841"/>
+            </a:avLst>
+          </a:prstGeom>
+          <a:noFill/>
+          <a:ln w="82550" cap="sq">
+            <a:solidFill>
+              <a:srgbClr val="EAEAEA"/>
+            </a:solidFill>
+            <a:miter lim="800000"/>
+          </a:ln>
+          <a:effectLst/>
+          <a:scene3d>
+            <a:camera prst="orthographicFront"/>
+            <a:lightRig rig="threePt" dir="t">
+              <a:rot lat="0" lon="0" rev="2700000"/>
+            </a:lightRig>
+          </a:scene3d>
+          <a:sp3d contourW="6350">
+            <a:bevelT h="38100"/>
+            <a:contourClr>
+              <a:srgbClr val="C0C0C0"/>
+            </a:contourClr>
+          </a:sp3d>
+        </p:spPr>
+        <p:txBody>
+          <a:bodyPr anchor="t">
+            <a:normAutofit/>
+          </a:bodyPr>
+          <a:lstStyle>
+            <a:lvl1pPr marL="0" indent="0" algn="ctr">
+              <a:buNone/>
+              <a:defRPr sz="1600"/>
+            </a:lvl1pPr>
+            <a:lvl2pPr marL="457200" indent="0">
+              <a:buNone/>
+              <a:defRPr sz="1600"/>
+            </a:lvl2pPr>
+            <a:lvl3pPr marL="914400" indent="0">
+              <a:buNone/>
+              <a:defRPr sz="1600"/>
+            </a:lvl3pPr>
+            <a:lvl4pPr marL="1371600" indent="0">
+              <a:buNone/>
+              <a:defRPr sz="1600"/>
+            </a:lvl4pPr>
+            <a:lvl5pPr marL="1828800" indent="0">
+              <a:buNone/>
+              <a:defRPr sz="1600"/>
+            </a:lvl5pPr>
+            <a:lvl6pPr marL="2286000" indent="0">
+              <a:buNone/>
+              <a:defRPr sz="1600"/>
+            </a:lvl6pPr>
+            <a:lvl7pPr marL="2743200" indent="0">
+              <a:buNone/>
+              <a:defRPr sz="1600"/>
+            </a:lvl7pPr>
+            <a:lvl8pPr marL="3200400" indent="0">
+              <a:buNone/>
+              <a:defRPr sz="1600"/>
+            </a:lvl8pPr>
+            <a:lvl9pPr marL="3657600" indent="0">
+              <a:buNone/>
+              <a:defRPr sz="1600"/>
+            </a:lvl9pPr>
+          </a:lstStyle>
+          <a:p>
+            <a:r>
+              <a:rPr lang="zh-TW" altLang="en-US"/>
+              <a:t>按一下圖示以新增圖片</a:t>
+            </a:r>
+            <a:endParaRPr lang="en-US" dirty="0"/>
+          </a:p>
+        </p:txBody>
+      </p:sp>
+      <p:sp>
+        <p:nvSpPr>
+          <p:cNvPr id="24" name="Text Placeholder 3"/>
+          <p:cNvSpPr>
+            <a:spLocks noGrp="1"/>
+          </p:cNvSpPr>
+          <p:nvPr>
+            <p:ph type="body" sz="half" idx="19"/>
+          </p:nvPr>
+        </p:nvSpPr>
+        <p:spPr>
+          <a:xfrm>
+            <a:off x="4441348" y="4781080"/>
+            <a:ext cx="3303352" cy="1010119"/>
+          </a:xfrm>
+        </p:spPr>
+        <p:txBody>
+          <a:bodyPr anchor="t">
+            <a:normAutofit/>
+          </a:bodyPr>
+          <a:lstStyle>
+            <a:lvl1pPr marL="0" indent="0" algn="ctr">
+              <a:buNone/>
+              <a:defRPr sz="1400"/>
+            </a:lvl1pPr>
+            <a:lvl2pPr marL="457200" indent="0">
+              <a:buNone/>
+              <a:defRPr sz="1200"/>
+            </a:lvl2pPr>
+            <a:lvl3pPr marL="914400" indent="0">
+              <a:buNone/>
+              <a:defRPr sz="1000"/>
+            </a:lvl3pPr>
+            <a:lvl4pPr marL="1371600" indent="0">
+              <a:buNone/>
+              <a:defRPr sz="900"/>
+            </a:lvl4pPr>
+            <a:lvl5pPr marL="1828800" indent="0">
+              <a:buNone/>
+              <a:defRPr sz="900"/>
+            </a:lvl5pPr>
+            <a:lvl6pPr marL="2286000" indent="0">
+              <a:buNone/>
+              <a:defRPr sz="900"/>
+            </a:lvl6pPr>
+            <a:lvl7pPr marL="2743200" indent="0">
+              <a:buNone/>
+              <a:defRPr sz="900"/>
+            </a:lvl7pPr>
+            <a:lvl8pPr marL="3200400" indent="0">
+              <a:buNone/>
+              <a:defRPr sz="900"/>
+            </a:lvl8pPr>
+            <a:lvl9pPr marL="3657600" indent="0">
+              <a:buNone/>
+              <a:defRPr sz="900"/>
+            </a:lvl9pPr>
+          </a:lstStyle>
+          <a:p>
+            <a:pPr lvl="0"/>
+            <a:r>
+              <a:rPr lang="zh-TW" altLang="en-US"/>
+              <a:t>按一下以編輯母片文字樣式</a:t>
+            </a:r>
+          </a:p>
+        </p:txBody>
+      </p:sp>
+      <p:sp>
+        <p:nvSpPr>
+          <p:cNvPr id="25" name="Text Placeholder 4"/>
+          <p:cNvSpPr>
+            <a:spLocks noGrp="1"/>
+          </p:cNvSpPr>
+          <p:nvPr>
+            <p:ph type="body" sz="quarter" idx="13"/>
+          </p:nvPr>
+        </p:nvSpPr>
+        <p:spPr>
+          <a:xfrm>
+            <a:off x="7973298" y="4204820"/>
+            <a:ext cx="3300681" cy="576262"/>
+          </a:xfrm>
+        </p:spPr>
+        <p:txBody>
+          <a:bodyPr anchor="b">
+            <a:noAutofit/>
+          </a:bodyPr>
+          <a:lstStyle>
+            <a:lvl1pPr marL="0" indent="0" algn="ctr">
+              <a:lnSpc>
+                <a:spcPct val="85000"/>
+              </a:lnSpc>
+              <a:buNone/>
+              <a:defRPr sz="2200" b="0">
+                <a:solidFill>
+                  <a:schemeClr val="tx1"/>
+                </a:solidFill>
+              </a:defRPr>
+            </a:lvl1pPr>
+            <a:lvl2pPr marL="457200" indent="0">
+              <a:buNone/>
+              <a:defRPr sz="2000" b="1"/>
+            </a:lvl2pPr>
+            <a:lvl3pPr marL="914400" indent="0">
+              <a:buNone/>
+              <a:defRPr sz="1800" b="1"/>
+            </a:lvl3pPr>
+            <a:lvl4pPr marL="1371600" indent="0">
+              <a:buNone/>
+              <a:defRPr sz="1600" b="1"/>
+            </a:lvl4pPr>
+            <a:lvl5pPr marL="1828800" indent="0">
+              <a:buNone/>
+              <a:defRPr sz="1600" b="1"/>
+            </a:lvl5pPr>
+            <a:lvl6pPr marL="2286000" indent="0">
+              <a:buNone/>
+              <a:defRPr sz="1600" b="1"/>
+            </a:lvl6pPr>
+            <a:lvl7pPr marL="2743200" indent="0">
+              <a:buNone/>
+              <a:defRPr sz="1600" b="1"/>
+            </a:lvl7pPr>
+            <a:lvl8pPr marL="3200400" indent="0">
+              <a:buNone/>
+              <a:defRPr sz="1600" b="1"/>
+            </a:lvl8pPr>
+            <a:lvl9pPr marL="3657600" indent="0">
+              <a:buNone/>
+              <a:defRPr sz="1600" b="1"/>
+            </a:lvl9pPr>
+          </a:lstStyle>
+          <a:p>
+            <a:pPr lvl="0"/>
+            <a:r>
+              <a:rPr lang="zh-TW" altLang="en-US"/>
+              <a:t>按一下以編輯母片文字樣式</a:t>
+            </a:r>
+          </a:p>
+        </p:txBody>
+      </p:sp>
+      <p:sp>
+        <p:nvSpPr>
+          <p:cNvPr id="26" name="Picture Placeholder 2"/>
+          <p:cNvSpPr>
+            <a:spLocks noGrp="1" noChangeAspect="1"/>
+          </p:cNvSpPr>
+          <p:nvPr>
+            <p:ph type="pic" idx="22"/>
+          </p:nvPr>
+        </p:nvSpPr>
+        <p:spPr>
+          <a:xfrm>
+            <a:off x="7973298" y="2367093"/>
+            <a:ext cx="3304928" cy="1524000"/>
+          </a:xfrm>
+          <a:prstGeom prst="roundRect">
+            <a:avLst>
+              <a:gd name="adj" fmla="val 8841"/>
+            </a:avLst>
+          </a:prstGeom>
+          <a:noFill/>
+          <a:ln w="82550" cap="sq">
+            <a:solidFill>
+              <a:srgbClr val="EAEAEA"/>
+            </a:solidFill>
+            <a:miter lim="800000"/>
+          </a:ln>
+          <a:effectLst/>
+          <a:scene3d>
+            <a:camera prst="orthographicFront"/>
+            <a:lightRig rig="threePt" dir="t">
+              <a:rot lat="0" lon="0" rev="2700000"/>
+            </a:lightRig>
+          </a:scene3d>
+          <a:sp3d contourW="6350">
+            <a:bevelT h="38100"/>
+            <a:contourClr>
+              <a:srgbClr val="C0C0C0"/>
+            </a:contourClr>
+          </a:sp3d>
+        </p:spPr>
+        <p:txBody>
+          <a:bodyPr anchor="t">
+            <a:normAutofit/>
+          </a:bodyPr>
+          <a:lstStyle>
+            <a:lvl1pPr marL="0" indent="0" algn="ctr">
+              <a:buNone/>
+              <a:defRPr sz="1600"/>
+            </a:lvl1pPr>
+            <a:lvl2pPr marL="457200" indent="0">
+              <a:buNone/>
+              <a:defRPr sz="1600"/>
+            </a:lvl2pPr>
+            <a:lvl3pPr marL="914400" indent="0">
+              <a:buNone/>
+              <a:defRPr sz="1600"/>
+            </a:lvl3pPr>
+            <a:lvl4pPr marL="1371600" indent="0">
+              <a:buNone/>
+              <a:defRPr sz="1600"/>
+            </a:lvl4pPr>
+            <a:lvl5pPr marL="1828800" indent="0">
+              <a:buNone/>
+              <a:defRPr sz="1600"/>
+            </a:lvl5pPr>
+            <a:lvl6pPr marL="2286000" indent="0">
+              <a:buNone/>
+              <a:defRPr sz="1600"/>
+            </a:lvl6pPr>
+            <a:lvl7pPr marL="2743200" indent="0">
+              <a:buNone/>
+              <a:defRPr sz="1600"/>
+            </a:lvl7pPr>
+            <a:lvl8pPr marL="3200400" indent="0">
+              <a:buNone/>
+              <a:defRPr sz="1600"/>
+            </a:lvl8pPr>
+            <a:lvl9pPr marL="3657600" indent="0">
+              <a:buNone/>
+              <a:defRPr sz="1600"/>
+            </a:lvl9pPr>
+          </a:lstStyle>
+          <a:p>
+            <a:r>
+              <a:rPr lang="zh-TW" altLang="en-US"/>
+              <a:t>按一下圖示以新增圖片</a:t>
+            </a:r>
+            <a:endParaRPr lang="en-US" dirty="0"/>
+          </a:p>
+        </p:txBody>
+      </p:sp>
+      <p:sp>
+        <p:nvSpPr>
+          <p:cNvPr id="27" name="Text Placeholder 3"/>
+          <p:cNvSpPr>
+            <a:spLocks noGrp="1"/>
+          </p:cNvSpPr>
+          <p:nvPr>
+            <p:ph type="body" sz="half" idx="20"/>
+          </p:nvPr>
+        </p:nvSpPr>
+        <p:spPr>
+          <a:xfrm>
+            <a:off x="7973173" y="4781078"/>
+            <a:ext cx="3305053" cy="1010121"/>
+          </a:xfrm>
+        </p:spPr>
+        <p:txBody>
+          <a:bodyPr anchor="t">
+            <a:normAutofit/>
+          </a:bodyPr>
+          <a:lstStyle>
+            <a:lvl1pPr marL="0" indent="0" algn="ctr">
+              <a:buNone/>
+              <a:defRPr sz="1400"/>
+            </a:lvl1pPr>
+            <a:lvl2pPr marL="457200" indent="0">
+              <a:buNone/>
+              <a:defRPr sz="1200"/>
+            </a:lvl2pPr>
+            <a:lvl3pPr marL="914400" indent="0">
+              <a:buNone/>
+              <a:defRPr sz="1000"/>
+            </a:lvl3pPr>
+            <a:lvl4pPr marL="1371600" indent="0">
+              <a:buNone/>
+              <a:defRPr sz="900"/>
+            </a:lvl4pPr>
+            <a:lvl5pPr marL="1828800" indent="0">
+              <a:buNone/>
+              <a:defRPr sz="900"/>
+            </a:lvl5pPr>
+            <a:lvl6pPr marL="2286000" indent="0">
+              <a:buNone/>
+              <a:defRPr sz="900"/>
+            </a:lvl6pPr>
+            <a:lvl7pPr marL="2743200" indent="0">
+              <a:buNone/>
+              <a:defRPr sz="900"/>
+            </a:lvl7pPr>
+            <a:lvl8pPr marL="3200400" indent="0">
+              <a:buNone/>
+              <a:defRPr sz="900"/>
+            </a:lvl8pPr>
+            <a:lvl9pPr marL="3657600" indent="0">
+              <a:buNone/>
+              <a:defRPr sz="900"/>
+            </a:lvl9pPr>
+          </a:lstStyle>
+          <a:p>
+            <a:pPr lvl="0"/>
+            <a:r>
+              <a:rPr lang="zh-TW" altLang="en-US"/>
+              <a:t>按一下以編輯母片文字樣式</a:t>
+            </a:r>
+          </a:p>
+        </p:txBody>
+      </p:sp>
+      <p:sp>
+        <p:nvSpPr>
+          <p:cNvPr id="3" name="Date Placeholder 2"/>
+          <p:cNvSpPr>
+            <a:spLocks noGrp="1"/>
+          </p:cNvSpPr>
+          <p:nvPr>
+            <p:ph type="dt" sz="half" idx="10"/>
+          </p:nvPr>
+        </p:nvSpPr>
+        <p:spPr/>
+        <p:txBody>
+          <a:bodyPr/>
+          <a:lstStyle/>
+          <a:p>
+            <a:fld id="{4B79CABA-914F-43AC-AE68-5F197FBCE171}" type="datetimeFigureOut">
+              <a:rPr lang="zh-TW" altLang="en-US" smtClean="0"/>
+              <a:t>2024/10/20</a:t>
+            </a:fld>
+            <a:endParaRPr lang="zh-TW" altLang="en-US"/>
+          </a:p>
+        </p:txBody>
+      </p:sp>
+      <p:sp>
+        <p:nvSpPr>
+          <p:cNvPr id="4" name="Footer Placeholder 3"/>
+          <p:cNvSpPr>
+            <a:spLocks noGrp="1"/>
+          </p:cNvSpPr>
+          <p:nvPr>
+            <p:ph type="ftr" sz="quarter" idx="11"/>
+          </p:nvPr>
+        </p:nvSpPr>
+        <p:spPr/>
+        <p:txBody>
+          <a:bodyPr/>
+          <a:lstStyle/>
+          <a:p>
+            <a:endParaRPr lang="zh-TW" altLang="en-US"/>
+          </a:p>
+        </p:txBody>
+      </p:sp>
+      <p:sp>
+        <p:nvSpPr>
+          <p:cNvPr id="5" name="Slide Number Placeholder 4"/>
+          <p:cNvSpPr>
+            <a:spLocks noGrp="1"/>
+          </p:cNvSpPr>
+          <p:nvPr>
+            <p:ph type="sldNum" sz="quarter" idx="12"/>
+          </p:nvPr>
+        </p:nvSpPr>
+        <p:spPr/>
+        <p:txBody>
+          <a:bodyPr/>
+          <a:lstStyle/>
+          <a:p>
+            <a:fld id="{C7B66E1F-E0F2-4CE0-80BB-B0CD885DF2C2}" type="slidenum">
+              <a:rPr lang="zh-TW" altLang="en-US" smtClean="0"/>
+              <a:t>‹#›</a:t>
+            </a:fld>
+            <a:endParaRPr lang="zh-TW" altLang="en-US"/>
+          </a:p>
+        </p:txBody>
+      </p:sp>
+    </p:spTree>
+    <p:extLst>
+      <p:ext uri="{BB962C8B-B14F-4D97-AF65-F5344CB8AC3E}">
+        <p14:creationId xmlns:p14="http://schemas.microsoft.com/office/powerpoint/2010/main" val="3506923791"/>
+      </p:ext>
+    </p:extLst>
+  </p:cSld>
+  <p:clrMapOvr>
+    <a:masterClrMapping/>
+  </p:clrMapOvr>
+</p:sldLayout>
+</file>
+
+<file path=ppt/slideLayouts/slideLayout16.xml><?xml version="1.0" encoding="utf-8"?>
 <p:sldLayout xmlns:a="http://schemas.openxmlformats.org/drawingml/2006/main" xmlns:r="http://schemas.openxmlformats.org/officeDocument/2006/relationships" xmlns:p="http://schemas.openxmlformats.org/presentationml/2006/main" type="vertTx" preserve="1">
   <p:cSld name="標題及直排文字">
     <p:spTree>
@@ -344,15 +4224,39 @@
           <a:chExt cx="0" cy="0"/>
         </a:xfrm>
       </p:grpSpPr>
-      <p:sp>
-        <p:nvSpPr>
-          <p:cNvPr id="2" name="標題 1">
+      <p:pic>
+        <p:nvPicPr>
+          <p:cNvPr id="8" name="Picture 7" descr="Droplets-HD-Content-R1d.png"/>
+          <p:cNvPicPr>
+            <a:picLocks noChangeAspect="1"/>
+          </p:cNvPicPr>
+          <p:nvPr/>
+        </p:nvPicPr>
+        <p:blipFill>
+          <a:blip r:embed="rId2">
             <a:extLst>
-              <a:ext uri="{FF2B5EF4-FFF2-40B4-BE49-F238E27FC236}">
-                <a16:creationId xmlns:a16="http://schemas.microsoft.com/office/drawing/2014/main" id="{A02F0018-7F8E-4206-A929-07CDC6B5F34A}"/>
+              <a:ext uri="{28A0092B-C50C-407E-A947-70E740481C1C}">
+                <a14:useLocalDpi xmlns:a14="http://schemas.microsoft.com/office/drawing/2010/main" val="0"/>
               </a:ext>
             </a:extLst>
-          </p:cNvPr>
+          </a:blip>
+          <a:stretch>
+            <a:fillRect/>
+          </a:stretch>
+        </p:blipFill>
+        <p:spPr>
+          <a:xfrm>
+            <a:off x="0" y="0"/>
+            <a:ext cx="12192000" cy="6858000"/>
+          </a:xfrm>
+          <a:prstGeom prst="rect">
+            <a:avLst/>
+          </a:prstGeom>
+        </p:spPr>
+      </p:pic>
+      <p:sp>
+        <p:nvSpPr>
+          <p:cNvPr id="2" name="Title 1"/>
           <p:cNvSpPr>
             <a:spLocks noGrp="1"/>
           </p:cNvSpPr>
@@ -369,90 +4273,85 @@
               <a:rPr lang="zh-TW" altLang="en-US"/>
               <a:t>按一下以編輯母片標題樣式</a:t>
             </a:r>
-          </a:p>
-        </p:txBody>
-      </p:sp>
-      <p:sp>
-        <p:nvSpPr>
-          <p:cNvPr id="3" name="直排文字版面配置區 2">
-            <a:extLst>
-              <a:ext uri="{FF2B5EF4-FFF2-40B4-BE49-F238E27FC236}">
-                <a16:creationId xmlns:a16="http://schemas.microsoft.com/office/drawing/2014/main" id="{9B801E88-34C3-4545-A358-81F5614FED64}"/>
-              </a:ext>
-            </a:extLst>
-          </p:cNvPr>
-          <p:cNvSpPr>
-            <a:spLocks noGrp="1"/>
-          </p:cNvSpPr>
-          <p:nvPr>
-            <p:ph type="body" orient="vert" idx="1"/>
+            <a:endParaRPr lang="en-US" dirty="0"/>
+          </a:p>
+        </p:txBody>
+      </p:sp>
+      <p:sp>
+        <p:nvSpPr>
+          <p:cNvPr id="11" name="Vertical Text Placeholder 2"/>
+          <p:cNvSpPr>
+            <a:spLocks noGrp="1"/>
+          </p:cNvSpPr>
+          <p:nvPr>
+            <p:ph type="body" orient="vert" sz="quarter" idx="13"/>
+          </p:nvPr>
+        </p:nvSpPr>
+        <p:spPr>
+          <a:xfrm>
+            <a:off x="913775" y="2367093"/>
+            <a:ext cx="10364452" cy="3424107"/>
+          </a:xfrm>
+        </p:spPr>
+        <p:txBody>
+          <a:bodyPr vert="eaVert"/>
+          <a:lstStyle/>
+          <a:p>
+            <a:pPr lvl="0"/>
+            <a:r>
+              <a:rPr lang="zh-TW" altLang="en-US"/>
+              <a:t>按一下以編輯母片文字樣式</a:t>
+            </a:r>
+          </a:p>
+          <a:p>
+            <a:pPr lvl="1"/>
+            <a:r>
+              <a:rPr lang="zh-TW" altLang="en-US"/>
+              <a:t>第二層</a:t>
+            </a:r>
+          </a:p>
+          <a:p>
+            <a:pPr lvl="2"/>
+            <a:r>
+              <a:rPr lang="zh-TW" altLang="en-US"/>
+              <a:t>第三層</a:t>
+            </a:r>
+          </a:p>
+          <a:p>
+            <a:pPr lvl="3"/>
+            <a:r>
+              <a:rPr lang="zh-TW" altLang="en-US"/>
+              <a:t>第四層</a:t>
+            </a:r>
+          </a:p>
+          <a:p>
+            <a:pPr lvl="4"/>
+            <a:r>
+              <a:rPr lang="zh-TW" altLang="en-US"/>
+              <a:t>第五層</a:t>
+            </a:r>
+            <a:endParaRPr lang="en-US" dirty="0"/>
+          </a:p>
+        </p:txBody>
+      </p:sp>
+      <p:sp>
+        <p:nvSpPr>
+          <p:cNvPr id="4" name="Date Placeholder 3"/>
+          <p:cNvSpPr>
+            <a:spLocks noGrp="1"/>
+          </p:cNvSpPr>
+          <p:nvPr>
+            <p:ph type="dt" sz="half" idx="10"/>
           </p:nvPr>
         </p:nvSpPr>
         <p:spPr/>
         <p:txBody>
-          <a:bodyPr vert="eaVert"/>
-          <a:lstStyle/>
-          <a:p>
-            <a:pPr lvl="0"/>
-            <a:r>
-              <a:rPr lang="zh-TW" altLang="en-US"/>
-              <a:t>按一下以編輯母片文字樣式</a:t>
-            </a:r>
-          </a:p>
-          <a:p>
-            <a:pPr lvl="1"/>
-            <a:r>
-              <a:rPr lang="zh-TW" altLang="en-US"/>
-              <a:t>第二層</a:t>
-            </a:r>
-          </a:p>
-          <a:p>
-            <a:pPr lvl="2"/>
-            <a:r>
-              <a:rPr lang="zh-TW" altLang="en-US"/>
-              <a:t>第三層</a:t>
-            </a:r>
-          </a:p>
-          <a:p>
-            <a:pPr lvl="3"/>
-            <a:r>
-              <a:rPr lang="zh-TW" altLang="en-US"/>
-              <a:t>第四層</a:t>
-            </a:r>
-          </a:p>
-          <a:p>
-            <a:pPr lvl="4"/>
-            <a:r>
-              <a:rPr lang="zh-TW" altLang="en-US"/>
-              <a:t>第五層</a:t>
-            </a:r>
-          </a:p>
-        </p:txBody>
-      </p:sp>
-      <p:sp>
-        <p:nvSpPr>
-          <p:cNvPr id="4" name="日期版面配置區 3">
-            <a:extLst>
-              <a:ext uri="{FF2B5EF4-FFF2-40B4-BE49-F238E27FC236}">
-                <a16:creationId xmlns:a16="http://schemas.microsoft.com/office/drawing/2014/main" id="{60AFD716-8B99-4230-B55F-C8B88ECBB171}"/>
-              </a:ext>
-            </a:extLst>
-          </p:cNvPr>
-          <p:cNvSpPr>
-            <a:spLocks noGrp="1"/>
-          </p:cNvSpPr>
-          <p:nvPr>
-            <p:ph type="dt" sz="half" idx="10"/>
-          </p:nvPr>
-        </p:nvSpPr>
-        <p:spPr/>
-        <p:txBody>
-          <a:bodyPr/>
-          <a:lstStyle/>
-          <a:p>
-            <a:fld id="{C3C90D7E-32D6-4894-AE08-7BBB3E610FC9}" type="datetimeFigureOut">
+          <a:bodyPr/>
+          <a:lstStyle/>
+          <a:p>
+            <a:fld id="{4B79CABA-914F-43AC-AE68-5F197FBCE171}" type="datetimeFigureOut">
               <a:rPr lang="zh-TW" altLang="en-US" smtClean="0"/>
-              <a:t>2024/9/16</a:t>
+              <a:t>2024/10/20</a:t>
             </a:fld>
             <a:endParaRPr lang="zh-TW" altLang="en-US"/>
           </a:p>
@@ -460,13 +4359,7 @@
       </p:sp>
       <p:sp>
         <p:nvSpPr>
-          <p:cNvPr id="5" name="頁尾版面配置區 4">
-            <a:extLst>
-              <a:ext uri="{FF2B5EF4-FFF2-40B4-BE49-F238E27FC236}">
-                <a16:creationId xmlns:a16="http://schemas.microsoft.com/office/drawing/2014/main" id="{EA374743-76D9-4BF8-A60C-2F50B2636A8A}"/>
-              </a:ext>
-            </a:extLst>
-          </p:cNvPr>
+          <p:cNvPr id="5" name="Footer Placeholder 4"/>
           <p:cNvSpPr>
             <a:spLocks noGrp="1"/>
           </p:cNvSpPr>
@@ -485,13 +4378,7 @@
       </p:sp>
       <p:sp>
         <p:nvSpPr>
-          <p:cNvPr id="6" name="投影片編號版面配置區 5">
-            <a:extLst>
-              <a:ext uri="{FF2B5EF4-FFF2-40B4-BE49-F238E27FC236}">
-                <a16:creationId xmlns:a16="http://schemas.microsoft.com/office/drawing/2014/main" id="{00454594-6C11-4013-A666-A151E960EC9B}"/>
-              </a:ext>
-            </a:extLst>
-          </p:cNvPr>
+          <p:cNvPr id="6" name="Slide Number Placeholder 5"/>
           <p:cNvSpPr>
             <a:spLocks noGrp="1"/>
           </p:cNvSpPr>
@@ -504,7 +4391,7 @@
           <a:bodyPr/>
           <a:lstStyle/>
           <a:p>
-            <a:fld id="{E31EC408-072F-4346-BD0A-D6AA5788A305}" type="slidenum">
+            <a:fld id="{C7B66E1F-E0F2-4CE0-80BB-B0CD885DF2C2}" type="slidenum">
               <a:rPr lang="zh-TW" altLang="en-US" smtClean="0"/>
               <a:t>‹#›</a:t>
             </a:fld>
@@ -515,7 +4402,7 @@
     </p:spTree>
     <p:extLst>
       <p:ext uri="{BB962C8B-B14F-4D97-AF65-F5344CB8AC3E}">
-        <p14:creationId xmlns:p14="http://schemas.microsoft.com/office/powerpoint/2010/main" val="188953001"/>
+        <p14:creationId xmlns:p14="http://schemas.microsoft.com/office/powerpoint/2010/main" val="2403232047"/>
       </p:ext>
     </p:extLst>
   </p:cSld>
@@ -525,7 +4412,7 @@
 </p:sldLayout>
 </file>
 
-<file path=ppt/slideLayouts/slideLayout11.xml><?xml version="1.0" encoding="utf-8"?>
+<file path=ppt/slideLayouts/slideLayout17.xml><?xml version="1.0" encoding="utf-8"?>
 <p:sldLayout xmlns:a="http://schemas.openxmlformats.org/drawingml/2006/main" xmlns:r="http://schemas.openxmlformats.org/officeDocument/2006/relationships" xmlns:p="http://schemas.openxmlformats.org/presentationml/2006/main" type="vertTitleAndTx" preserve="1">
   <p:cSld name="直排標題及文字">
     <p:spTree>
@@ -542,15 +4429,39 @@
           <a:chExt cx="0" cy="0"/>
         </a:xfrm>
       </p:grpSpPr>
-      <p:sp>
-        <p:nvSpPr>
-          <p:cNvPr id="2" name="直排標題 1">
+      <p:pic>
+        <p:nvPicPr>
+          <p:cNvPr id="9" name="Picture 8" descr="Droplets-HD-Content-R1d.png"/>
+          <p:cNvPicPr>
+            <a:picLocks noChangeAspect="1"/>
+          </p:cNvPicPr>
+          <p:nvPr/>
+        </p:nvPicPr>
+        <p:blipFill>
+          <a:blip r:embed="rId2">
             <a:extLst>
-              <a:ext uri="{FF2B5EF4-FFF2-40B4-BE49-F238E27FC236}">
-                <a16:creationId xmlns:a16="http://schemas.microsoft.com/office/drawing/2014/main" id="{70F760AC-E708-4605-85E2-7D0F424B3E29}"/>
+              <a:ext uri="{28A0092B-C50C-407E-A947-70E740481C1C}">
+                <a14:useLocalDpi xmlns:a14="http://schemas.microsoft.com/office/drawing/2010/main" val="0"/>
               </a:ext>
             </a:extLst>
-          </p:cNvPr>
+          </a:blip>
+          <a:stretch>
+            <a:fillRect/>
+          </a:stretch>
+        </p:blipFill>
+        <p:spPr>
+          <a:xfrm>
+            <a:off x="0" y="0"/>
+            <a:ext cx="12192000" cy="6858000"/>
+          </a:xfrm>
+          <a:prstGeom prst="rect">
+            <a:avLst/>
+          </a:prstGeom>
+        </p:spPr>
+      </p:pic>
+      <p:sp>
+        <p:nvSpPr>
+          <p:cNvPr id="2" name="Vertical Title 1"/>
           <p:cNvSpPr>
             <a:spLocks noGrp="1"/>
           </p:cNvSpPr>
@@ -560,41 +4471,40 @@
         </p:nvSpPr>
         <p:spPr>
           <a:xfrm>
-            <a:off x="8724900" y="365125"/>
-            <a:ext cx="2628900" cy="5811838"/>
+            <a:off x="8724900" y="609601"/>
+            <a:ext cx="2553326" cy="5181599"/>
           </a:xfrm>
         </p:spPr>
         <p:txBody>
           <a:bodyPr vert="eaVert"/>
-          <a:lstStyle/>
+          <a:lstStyle>
+            <a:lvl1pPr algn="l">
+              <a:defRPr/>
+            </a:lvl1pPr>
+          </a:lstStyle>
           <a:p>
             <a:r>
               <a:rPr lang="zh-TW" altLang="en-US"/>
               <a:t>按一下以編輯母片標題樣式</a:t>
             </a:r>
-          </a:p>
-        </p:txBody>
-      </p:sp>
-      <p:sp>
-        <p:nvSpPr>
-          <p:cNvPr id="3" name="直排文字版面配置區 2">
-            <a:extLst>
-              <a:ext uri="{FF2B5EF4-FFF2-40B4-BE49-F238E27FC236}">
-                <a16:creationId xmlns:a16="http://schemas.microsoft.com/office/drawing/2014/main" id="{84BECF48-F3B6-4D47-82A8-C6AE92EDC2F0}"/>
-              </a:ext>
-            </a:extLst>
-          </p:cNvPr>
-          <p:cNvSpPr>
-            <a:spLocks noGrp="1"/>
-          </p:cNvSpPr>
-          <p:nvPr>
-            <p:ph type="body" orient="vert" idx="1"/>
+            <a:endParaRPr lang="en-US" dirty="0"/>
+          </a:p>
+        </p:txBody>
+      </p:sp>
+      <p:sp>
+        <p:nvSpPr>
+          <p:cNvPr id="8" name="Vertical Text Placeholder 2"/>
+          <p:cNvSpPr>
+            <a:spLocks noGrp="1"/>
+          </p:cNvSpPr>
+          <p:nvPr>
+            <p:ph type="body" orient="vert" sz="quarter" idx="13"/>
           </p:nvPr>
         </p:nvSpPr>
         <p:spPr>
           <a:xfrm>
-            <a:off x="838200" y="365125"/>
-            <a:ext cx="7734300" cy="5811838"/>
+            <a:off x="913775" y="609601"/>
+            <a:ext cx="7658724" cy="5181599"/>
           </a:xfrm>
         </p:spPr>
         <p:txBody>
@@ -634,18 +4544,13 @@
               <a:rPr lang="zh-TW" altLang="en-US"/>
               <a:t>第五層</a:t>
             </a:r>
-          </a:p>
-        </p:txBody>
-      </p:sp>
-      <p:sp>
-        <p:nvSpPr>
-          <p:cNvPr id="4" name="日期版面配置區 3">
-            <a:extLst>
-              <a:ext uri="{FF2B5EF4-FFF2-40B4-BE49-F238E27FC236}">
-                <a16:creationId xmlns:a16="http://schemas.microsoft.com/office/drawing/2014/main" id="{215DE52A-093E-4116-A2FE-F61BA999B89F}"/>
-              </a:ext>
-            </a:extLst>
-          </p:cNvPr>
+            <a:endParaRPr lang="en-US" dirty="0"/>
+          </a:p>
+        </p:txBody>
+      </p:sp>
+      <p:sp>
+        <p:nvSpPr>
+          <p:cNvPr id="4" name="Date Placeholder 3"/>
           <p:cNvSpPr>
             <a:spLocks noGrp="1"/>
           </p:cNvSpPr>
@@ -658,9 +4563,9 @@
           <a:bodyPr/>
           <a:lstStyle/>
           <a:p>
-            <a:fld id="{C3C90D7E-32D6-4894-AE08-7BBB3E610FC9}" type="datetimeFigureOut">
+            <a:fld id="{4B79CABA-914F-43AC-AE68-5F197FBCE171}" type="datetimeFigureOut">
               <a:rPr lang="zh-TW" altLang="en-US" smtClean="0"/>
-              <a:t>2024/9/16</a:t>
+              <a:t>2024/10/20</a:t>
             </a:fld>
             <a:endParaRPr lang="zh-TW" altLang="en-US"/>
           </a:p>
@@ -668,13 +4573,7 @@
       </p:sp>
       <p:sp>
         <p:nvSpPr>
-          <p:cNvPr id="5" name="頁尾版面配置區 4">
-            <a:extLst>
-              <a:ext uri="{FF2B5EF4-FFF2-40B4-BE49-F238E27FC236}">
-                <a16:creationId xmlns:a16="http://schemas.microsoft.com/office/drawing/2014/main" id="{34553FE1-A5D9-4070-AA9C-378F491D4677}"/>
-              </a:ext>
-            </a:extLst>
-          </p:cNvPr>
+          <p:cNvPr id="5" name="Footer Placeholder 4"/>
           <p:cNvSpPr>
             <a:spLocks noGrp="1"/>
           </p:cNvSpPr>
@@ -693,13 +4592,7 @@
       </p:sp>
       <p:sp>
         <p:nvSpPr>
-          <p:cNvPr id="6" name="投影片編號版面配置區 5">
-            <a:extLst>
-              <a:ext uri="{FF2B5EF4-FFF2-40B4-BE49-F238E27FC236}">
-                <a16:creationId xmlns:a16="http://schemas.microsoft.com/office/drawing/2014/main" id="{928EFDDC-5B11-4543-8144-518625EDA57F}"/>
-              </a:ext>
-            </a:extLst>
-          </p:cNvPr>
+          <p:cNvPr id="6" name="Slide Number Placeholder 5"/>
           <p:cNvSpPr>
             <a:spLocks noGrp="1"/>
           </p:cNvSpPr>
@@ -712,7 +4605,7 @@
           <a:bodyPr/>
           <a:lstStyle/>
           <a:p>
-            <a:fld id="{E31EC408-072F-4346-BD0A-D6AA5788A305}" type="slidenum">
+            <a:fld id="{C7B66E1F-E0F2-4CE0-80BB-B0CD885DF2C2}" type="slidenum">
               <a:rPr lang="zh-TW" altLang="en-US" smtClean="0"/>
               <a:t>‹#›</a:t>
             </a:fld>
@@ -723,7 +4616,7 @@
     </p:spTree>
     <p:extLst>
       <p:ext uri="{BB962C8B-B14F-4D97-AF65-F5344CB8AC3E}">
-        <p14:creationId xmlns:p14="http://schemas.microsoft.com/office/powerpoint/2010/main" val="2483123943"/>
+        <p14:creationId xmlns:p14="http://schemas.microsoft.com/office/powerpoint/2010/main" val="1815822257"/>
       </p:ext>
     </p:extLst>
   </p:cSld>
@@ -750,15 +4643,39 @@
           <a:chExt cx="0" cy="0"/>
         </a:xfrm>
       </p:grpSpPr>
-      <p:sp>
-        <p:nvSpPr>
-          <p:cNvPr id="2" name="標題 1">
+      <p:pic>
+        <p:nvPicPr>
+          <p:cNvPr id="3" name="Picture 2" descr="Droplets-HD-Content-R1d.png"/>
+          <p:cNvPicPr>
+            <a:picLocks noChangeAspect="1"/>
+          </p:cNvPicPr>
+          <p:nvPr/>
+        </p:nvPicPr>
+        <p:blipFill>
+          <a:blip r:embed="rId2">
             <a:extLst>
-              <a:ext uri="{FF2B5EF4-FFF2-40B4-BE49-F238E27FC236}">
-                <a16:creationId xmlns:a16="http://schemas.microsoft.com/office/drawing/2014/main" id="{A1BFCF4C-FB58-444C-B754-A594851E4C7B}"/>
+              <a:ext uri="{28A0092B-C50C-407E-A947-70E740481C1C}">
+                <a14:useLocalDpi xmlns:a14="http://schemas.microsoft.com/office/drawing/2010/main" val="0"/>
               </a:ext>
             </a:extLst>
-          </p:cNvPr>
+          </a:blip>
+          <a:stretch>
+            <a:fillRect/>
+          </a:stretch>
+        </p:blipFill>
+        <p:spPr>
+          <a:xfrm>
+            <a:off x="0" y="0"/>
+            <a:ext cx="12192000" cy="6858000"/>
+          </a:xfrm>
+          <a:prstGeom prst="rect">
+            <a:avLst/>
+          </a:prstGeom>
+        </p:spPr>
+      </p:pic>
+      <p:sp>
+        <p:nvSpPr>
+          <p:cNvPr id="2" name="Title 1"/>
           <p:cNvSpPr>
             <a:spLocks noGrp="1"/>
           </p:cNvSpPr>
@@ -775,23 +4692,75 @@
               <a:rPr lang="zh-TW" altLang="en-US"/>
               <a:t>按一下以編輯母片標題樣式</a:t>
             </a:r>
-          </a:p>
-        </p:txBody>
-      </p:sp>
-      <p:sp>
-        <p:nvSpPr>
-          <p:cNvPr id="3" name="內容版面配置區 2">
-            <a:extLst>
-              <a:ext uri="{FF2B5EF4-FFF2-40B4-BE49-F238E27FC236}">
-                <a16:creationId xmlns:a16="http://schemas.microsoft.com/office/drawing/2014/main" id="{987C475D-648F-4511-A6FE-04B04F755F93}"/>
-              </a:ext>
-            </a:extLst>
-          </p:cNvPr>
-          <p:cNvSpPr>
-            <a:spLocks noGrp="1"/>
-          </p:cNvSpPr>
-          <p:nvPr>
-            <p:ph idx="1"/>
+            <a:endParaRPr lang="en-US" dirty="0"/>
+          </a:p>
+        </p:txBody>
+      </p:sp>
+      <p:sp>
+        <p:nvSpPr>
+          <p:cNvPr id="12" name="Content Placeholder 2"/>
+          <p:cNvSpPr>
+            <a:spLocks noGrp="1"/>
+          </p:cNvSpPr>
+          <p:nvPr>
+            <p:ph sz="quarter" idx="13"/>
+          </p:nvPr>
+        </p:nvSpPr>
+        <p:spPr>
+          <a:xfrm>
+            <a:off x="913774" y="2367092"/>
+            <a:ext cx="10363826" cy="3424107"/>
+          </a:xfrm>
+        </p:spPr>
+        <p:txBody>
+          <a:bodyPr/>
+          <a:lstStyle/>
+          <a:p>
+            <a:pPr lvl="0"/>
+            <a:r>
+              <a:rPr lang="zh-TW" altLang="en-US"/>
+              <a:t>按一下以編輯母片文字樣式</a:t>
+            </a:r>
+          </a:p>
+          <a:p>
+            <a:pPr lvl="1"/>
+            <a:r>
+              <a:rPr lang="zh-TW" altLang="en-US"/>
+              <a:t>第二層</a:t>
+            </a:r>
+          </a:p>
+          <a:p>
+            <a:pPr lvl="2"/>
+            <a:r>
+              <a:rPr lang="zh-TW" altLang="en-US"/>
+              <a:t>第三層</a:t>
+            </a:r>
+          </a:p>
+          <a:p>
+            <a:pPr lvl="3"/>
+            <a:r>
+              <a:rPr lang="zh-TW" altLang="en-US"/>
+              <a:t>第四層</a:t>
+            </a:r>
+          </a:p>
+          <a:p>
+            <a:pPr lvl="4"/>
+            <a:r>
+              <a:rPr lang="zh-TW" altLang="en-US"/>
+              <a:t>第五層</a:t>
+            </a:r>
+            <a:endParaRPr lang="en-US" dirty="0"/>
+          </a:p>
+        </p:txBody>
+      </p:sp>
+      <p:sp>
+        <p:nvSpPr>
+          <p:cNvPr id="4" name="Date Placeholder 3"/>
+          <p:cNvSpPr>
+            <a:spLocks noGrp="1"/>
+          </p:cNvSpPr>
+          <p:nvPr>
+            <p:ph type="dt" sz="half" idx="10"/>
           </p:nvPr>
         </p:nvSpPr>
         <p:spPr/>
@@ -799,66 +4768,9 @@
           <a:bodyPr/>
           <a:lstStyle/>
           <a:p>
-            <a:pPr lvl="0"/>
-            <a:r>
-              <a:rPr lang="zh-TW" altLang="en-US"/>
-              <a:t>按一下以編輯母片文字樣式</a:t>
-            </a:r>
-          </a:p>
-          <a:p>
-            <a:pPr lvl="1"/>
-            <a:r>
-              <a:rPr lang="zh-TW" altLang="en-US"/>
-              <a:t>第二層</a:t>
-            </a:r>
-          </a:p>
-          <a:p>
-            <a:pPr lvl="2"/>
-            <a:r>
-              <a:rPr lang="zh-TW" altLang="en-US"/>
-              <a:t>第三層</a:t>
-            </a:r>
-          </a:p>
-          <a:p>
-            <a:pPr lvl="3"/>
-            <a:r>
-              <a:rPr lang="zh-TW" altLang="en-US"/>
-              <a:t>第四層</a:t>
-            </a:r>
-          </a:p>
-          <a:p>
-            <a:pPr lvl="4"/>
-            <a:r>
-              <a:rPr lang="zh-TW" altLang="en-US"/>
-              <a:t>第五層</a:t>
-            </a:r>
-          </a:p>
-        </p:txBody>
-      </p:sp>
-      <p:sp>
-        <p:nvSpPr>
-          <p:cNvPr id="4" name="日期版面配置區 3">
-            <a:extLst>
-              <a:ext uri="{FF2B5EF4-FFF2-40B4-BE49-F238E27FC236}">
-                <a16:creationId xmlns:a16="http://schemas.microsoft.com/office/drawing/2014/main" id="{F511FCF8-D8F7-4914-920F-D63F2D97F713}"/>
-              </a:ext>
-            </a:extLst>
-          </p:cNvPr>
-          <p:cNvSpPr>
-            <a:spLocks noGrp="1"/>
-          </p:cNvSpPr>
-          <p:nvPr>
-            <p:ph type="dt" sz="half" idx="10"/>
-          </p:nvPr>
-        </p:nvSpPr>
-        <p:spPr/>
-        <p:txBody>
-          <a:bodyPr/>
-          <a:lstStyle/>
-          <a:p>
-            <a:fld id="{C3C90D7E-32D6-4894-AE08-7BBB3E610FC9}" type="datetimeFigureOut">
+            <a:fld id="{4B79CABA-914F-43AC-AE68-5F197FBCE171}" type="datetimeFigureOut">
               <a:rPr lang="zh-TW" altLang="en-US" smtClean="0"/>
-              <a:t>2024/9/16</a:t>
+              <a:t>2024/10/20</a:t>
             </a:fld>
             <a:endParaRPr lang="zh-TW" altLang="en-US"/>
           </a:p>
@@ -866,13 +4778,7 @@
       </p:sp>
       <p:sp>
         <p:nvSpPr>
-          <p:cNvPr id="5" name="頁尾版面配置區 4">
-            <a:extLst>
-              <a:ext uri="{FF2B5EF4-FFF2-40B4-BE49-F238E27FC236}">
-                <a16:creationId xmlns:a16="http://schemas.microsoft.com/office/drawing/2014/main" id="{7E1D3E8F-338D-4B4D-B411-5282866FF95D}"/>
-              </a:ext>
-            </a:extLst>
-          </p:cNvPr>
+          <p:cNvPr id="5" name="Footer Placeholder 4"/>
           <p:cNvSpPr>
             <a:spLocks noGrp="1"/>
           </p:cNvSpPr>
@@ -891,13 +4797,7 @@
       </p:sp>
       <p:sp>
         <p:nvSpPr>
-          <p:cNvPr id="6" name="投影片編號版面配置區 5">
-            <a:extLst>
-              <a:ext uri="{FF2B5EF4-FFF2-40B4-BE49-F238E27FC236}">
-                <a16:creationId xmlns:a16="http://schemas.microsoft.com/office/drawing/2014/main" id="{F7DF3AD5-06B6-42D8-AEDF-66CCE6582524}"/>
-              </a:ext>
-            </a:extLst>
-          </p:cNvPr>
+          <p:cNvPr id="6" name="Slide Number Placeholder 5"/>
           <p:cNvSpPr>
             <a:spLocks noGrp="1"/>
           </p:cNvSpPr>
@@ -910,7 +4810,7 @@
           <a:bodyPr/>
           <a:lstStyle/>
           <a:p>
-            <a:fld id="{E31EC408-072F-4346-BD0A-D6AA5788A305}" type="slidenum">
+            <a:fld id="{C7B66E1F-E0F2-4CE0-80BB-B0CD885DF2C2}" type="slidenum">
               <a:rPr lang="zh-TW" altLang="en-US" smtClean="0"/>
               <a:t>‹#›</a:t>
             </a:fld>
@@ -921,7 +4821,7 @@
     </p:spTree>
     <p:extLst>
       <p:ext uri="{BB962C8B-B14F-4D97-AF65-F5344CB8AC3E}">
-        <p14:creationId xmlns:p14="http://schemas.microsoft.com/office/powerpoint/2010/main" val="4198509733"/>
+        <p14:creationId xmlns:p14="http://schemas.microsoft.com/office/powerpoint/2010/main" val="1585216022"/>
       </p:ext>
     </p:extLst>
   </p:cSld>
@@ -948,15 +4848,39 @@
           <a:chExt cx="0" cy="0"/>
         </a:xfrm>
       </p:grpSpPr>
-      <p:sp>
-        <p:nvSpPr>
-          <p:cNvPr id="2" name="標題 1">
+      <p:pic>
+        <p:nvPicPr>
+          <p:cNvPr id="9" name="Picture 8" descr="Droplets-HD-Content-R1d.png"/>
+          <p:cNvPicPr>
+            <a:picLocks noChangeAspect="1"/>
+          </p:cNvPicPr>
+          <p:nvPr/>
+        </p:nvPicPr>
+        <p:blipFill>
+          <a:blip r:embed="rId2">
             <a:extLst>
-              <a:ext uri="{FF2B5EF4-FFF2-40B4-BE49-F238E27FC236}">
-                <a16:creationId xmlns:a16="http://schemas.microsoft.com/office/drawing/2014/main" id="{5986B870-2B24-4658-9AEB-3C92E8E40B41}"/>
+              <a:ext uri="{28A0092B-C50C-407E-A947-70E740481C1C}">
+                <a14:useLocalDpi xmlns:a14="http://schemas.microsoft.com/office/drawing/2010/main" val="0"/>
               </a:ext>
             </a:extLst>
-          </p:cNvPr>
+          </a:blip>
+          <a:stretch>
+            <a:fillRect/>
+          </a:stretch>
+        </p:blipFill>
+        <p:spPr>
+          <a:xfrm>
+            <a:off x="0" y="0"/>
+            <a:ext cx="12192000" cy="6858000"/>
+          </a:xfrm>
+          <a:prstGeom prst="rect">
+            <a:avLst/>
+          </a:prstGeom>
+        </p:spPr>
+      </p:pic>
+      <p:sp>
+        <p:nvSpPr>
+          <p:cNvPr id="2" name="Title 1"/>
           <p:cNvSpPr>
             <a:spLocks noGrp="1"/>
           </p:cNvSpPr>
@@ -966,15 +4890,17 @@
         </p:nvSpPr>
         <p:spPr>
           <a:xfrm>
-            <a:off x="831850" y="1709738"/>
-            <a:ext cx="10515600" cy="2852737"/>
-          </a:xfrm>
-        </p:spPr>
-        <p:txBody>
-          <a:bodyPr anchor="b"/>
+            <a:off x="913774" y="828563"/>
+            <a:ext cx="10351752" cy="2736819"/>
+          </a:xfrm>
+        </p:spPr>
+        <p:txBody>
+          <a:bodyPr anchor="b">
+            <a:normAutofit/>
+          </a:bodyPr>
           <a:lstStyle>
             <a:lvl1pPr>
-              <a:defRPr sz="6000"/>
+              <a:defRPr sz="4000"/>
             </a:lvl1pPr>
           </a:lstStyle>
           <a:p>
@@ -982,18 +4908,13 @@
               <a:rPr lang="zh-TW" altLang="en-US"/>
               <a:t>按一下以編輯母片標題樣式</a:t>
             </a:r>
-          </a:p>
-        </p:txBody>
-      </p:sp>
-      <p:sp>
-        <p:nvSpPr>
-          <p:cNvPr id="3" name="文字版面配置區 2">
-            <a:extLst>
-              <a:ext uri="{FF2B5EF4-FFF2-40B4-BE49-F238E27FC236}">
-                <a16:creationId xmlns:a16="http://schemas.microsoft.com/office/drawing/2014/main" id="{90235018-E757-4630-8511-F466B919268F}"/>
-              </a:ext>
-            </a:extLst>
-          </p:cNvPr>
+            <a:endParaRPr lang="en-US" dirty="0"/>
+          </a:p>
+        </p:txBody>
+      </p:sp>
+      <p:sp>
+        <p:nvSpPr>
+          <p:cNvPr id="3" name="Text Placeholder 2"/>
           <p:cNvSpPr>
             <a:spLocks noGrp="1"/>
           </p:cNvSpPr>
@@ -1003,19 +4924,21 @@
         </p:nvSpPr>
         <p:spPr>
           <a:xfrm>
-            <a:off x="831850" y="4589463"/>
-            <a:ext cx="10515600" cy="1500187"/>
-          </a:xfrm>
-        </p:spPr>
-        <p:txBody>
-          <a:bodyPr/>
+            <a:off x="913774" y="3657457"/>
+            <a:ext cx="10351752" cy="1368183"/>
+          </a:xfrm>
+        </p:spPr>
+        <p:txBody>
+          <a:bodyPr>
+            <a:normAutofit/>
+          </a:bodyPr>
           <a:lstStyle>
-            <a:lvl1pPr marL="0" indent="0">
-              <a:buNone/>
-              <a:defRPr sz="2400">
+            <a:lvl1pPr marL="0" indent="0" algn="ctr">
+              <a:buNone/>
+              <a:defRPr sz="2000">
                 <a:solidFill>
-                  <a:schemeClr val="tx1">
-                    <a:tint val="75000"/>
+                  <a:schemeClr val="bg1">
+                    <a:lumMod val="50000"/>
                   </a:schemeClr>
                 </a:solidFill>
               </a:defRPr>
@@ -1112,13 +5035,7 @@
       </p:sp>
       <p:sp>
         <p:nvSpPr>
-          <p:cNvPr id="4" name="日期版面配置區 3">
-            <a:extLst>
-              <a:ext uri="{FF2B5EF4-FFF2-40B4-BE49-F238E27FC236}">
-                <a16:creationId xmlns:a16="http://schemas.microsoft.com/office/drawing/2014/main" id="{37546C76-CF19-433D-9070-0A54A149F1B2}"/>
-              </a:ext>
-            </a:extLst>
-          </p:cNvPr>
+          <p:cNvPr id="4" name="Date Placeholder 3"/>
           <p:cNvSpPr>
             <a:spLocks noGrp="1"/>
           </p:cNvSpPr>
@@ -1131,9 +5048,9 @@
           <a:bodyPr/>
           <a:lstStyle/>
           <a:p>
-            <a:fld id="{C3C90D7E-32D6-4894-AE08-7BBB3E610FC9}" type="datetimeFigureOut">
+            <a:fld id="{4B79CABA-914F-43AC-AE68-5F197FBCE171}" type="datetimeFigureOut">
               <a:rPr lang="zh-TW" altLang="en-US" smtClean="0"/>
-              <a:t>2024/9/16</a:t>
+              <a:t>2024/10/20</a:t>
             </a:fld>
             <a:endParaRPr lang="zh-TW" altLang="en-US"/>
           </a:p>
@@ -1141,13 +5058,7 @@
       </p:sp>
       <p:sp>
         <p:nvSpPr>
-          <p:cNvPr id="5" name="頁尾版面配置區 4">
-            <a:extLst>
-              <a:ext uri="{FF2B5EF4-FFF2-40B4-BE49-F238E27FC236}">
-                <a16:creationId xmlns:a16="http://schemas.microsoft.com/office/drawing/2014/main" id="{9C9DC25F-827C-4564-AD0E-7FD815D53AF7}"/>
-              </a:ext>
-            </a:extLst>
-          </p:cNvPr>
+          <p:cNvPr id="5" name="Footer Placeholder 4"/>
           <p:cNvSpPr>
             <a:spLocks noGrp="1"/>
           </p:cNvSpPr>
@@ -1166,13 +5077,7 @@
       </p:sp>
       <p:sp>
         <p:nvSpPr>
-          <p:cNvPr id="6" name="投影片編號版面配置區 5">
-            <a:extLst>
-              <a:ext uri="{FF2B5EF4-FFF2-40B4-BE49-F238E27FC236}">
-                <a16:creationId xmlns:a16="http://schemas.microsoft.com/office/drawing/2014/main" id="{8C0653A6-68AA-4213-8D62-EAF9243D6998}"/>
-              </a:ext>
-            </a:extLst>
-          </p:cNvPr>
+          <p:cNvPr id="6" name="Slide Number Placeholder 5"/>
           <p:cNvSpPr>
             <a:spLocks noGrp="1"/>
           </p:cNvSpPr>
@@ -1185,7 +5090,7 @@
           <a:bodyPr/>
           <a:lstStyle/>
           <a:p>
-            <a:fld id="{E31EC408-072F-4346-BD0A-D6AA5788A305}" type="slidenum">
+            <a:fld id="{C7B66E1F-E0F2-4CE0-80BB-B0CD885DF2C2}" type="slidenum">
               <a:rPr lang="zh-TW" altLang="en-US" smtClean="0"/>
               <a:t>‹#›</a:t>
             </a:fld>
@@ -1196,7 +5101,7 @@
     </p:spTree>
     <p:extLst>
       <p:ext uri="{BB962C8B-B14F-4D97-AF65-F5344CB8AC3E}">
-        <p14:creationId xmlns:p14="http://schemas.microsoft.com/office/powerpoint/2010/main" val="3126775509"/>
+        <p14:creationId xmlns:p14="http://schemas.microsoft.com/office/powerpoint/2010/main" val="687910592"/>
       </p:ext>
     </p:extLst>
   </p:cSld>
@@ -1223,15 +5128,39 @@
           <a:chExt cx="0" cy="0"/>
         </a:xfrm>
       </p:grpSpPr>
-      <p:sp>
-        <p:nvSpPr>
-          <p:cNvPr id="2" name="標題 1">
+      <p:pic>
+        <p:nvPicPr>
+          <p:cNvPr id="10" name="Picture 9" descr="Droplets-HD-Content-R1d.png"/>
+          <p:cNvPicPr>
+            <a:picLocks noChangeAspect="1"/>
+          </p:cNvPicPr>
+          <p:nvPr/>
+        </p:nvPicPr>
+        <p:blipFill>
+          <a:blip r:embed="rId2">
             <a:extLst>
-              <a:ext uri="{FF2B5EF4-FFF2-40B4-BE49-F238E27FC236}">
-                <a16:creationId xmlns:a16="http://schemas.microsoft.com/office/drawing/2014/main" id="{F8A74D77-9E6E-4FD1-97AD-0ADC1228B6AF}"/>
+              <a:ext uri="{28A0092B-C50C-407E-A947-70E740481C1C}">
+                <a14:useLocalDpi xmlns:a14="http://schemas.microsoft.com/office/drawing/2010/main" val="0"/>
               </a:ext>
             </a:extLst>
-          </p:cNvPr>
+          </a:blip>
+          <a:stretch>
+            <a:fillRect/>
+          </a:stretch>
+        </p:blipFill>
+        <p:spPr>
+          <a:xfrm>
+            <a:off x="0" y="0"/>
+            <a:ext cx="12192000" cy="6858000"/>
+          </a:xfrm>
+          <a:prstGeom prst="rect">
+            <a:avLst/>
+          </a:prstGeom>
+        </p:spPr>
+      </p:pic>
+      <p:sp>
+        <p:nvSpPr>
+          <p:cNvPr id="14" name="Title 1"/>
           <p:cNvSpPr>
             <a:spLocks noGrp="1"/>
           </p:cNvSpPr>
@@ -1239,166 +5168,156 @@
             <p:ph type="title"/>
           </p:nvPr>
         </p:nvSpPr>
+        <p:spPr>
+          <a:xfrm>
+            <a:off x="913775" y="618517"/>
+            <a:ext cx="10364451" cy="1596177"/>
+          </a:xfrm>
+        </p:spPr>
+        <p:txBody>
+          <a:bodyPr/>
+          <a:lstStyle/>
+          <a:p>
+            <a:r>
+              <a:rPr lang="zh-TW" altLang="en-US"/>
+              <a:t>按一下以編輯母片標題樣式</a:t>
+            </a:r>
+            <a:endParaRPr lang="en-US" dirty="0"/>
+          </a:p>
+        </p:txBody>
+      </p:sp>
+      <p:sp>
+        <p:nvSpPr>
+          <p:cNvPr id="12" name="Content Placeholder 2"/>
+          <p:cNvSpPr>
+            <a:spLocks noGrp="1"/>
+          </p:cNvSpPr>
+          <p:nvPr>
+            <p:ph sz="quarter" idx="13"/>
+          </p:nvPr>
+        </p:nvSpPr>
+        <p:spPr>
+          <a:xfrm>
+            <a:off x="913774" y="2367092"/>
+            <a:ext cx="5106026" cy="3424107"/>
+          </a:xfrm>
+        </p:spPr>
+        <p:txBody>
+          <a:bodyPr/>
+          <a:lstStyle/>
+          <a:p>
+            <a:pPr lvl="0"/>
+            <a:r>
+              <a:rPr lang="zh-TW" altLang="en-US"/>
+              <a:t>按一下以編輯母片文字樣式</a:t>
+            </a:r>
+          </a:p>
+          <a:p>
+            <a:pPr lvl="1"/>
+            <a:r>
+              <a:rPr lang="zh-TW" altLang="en-US"/>
+              <a:t>第二層</a:t>
+            </a:r>
+          </a:p>
+          <a:p>
+            <a:pPr lvl="2"/>
+            <a:r>
+              <a:rPr lang="zh-TW" altLang="en-US"/>
+              <a:t>第三層</a:t>
+            </a:r>
+          </a:p>
+          <a:p>
+            <a:pPr lvl="3"/>
+            <a:r>
+              <a:rPr lang="zh-TW" altLang="en-US"/>
+              <a:t>第四層</a:t>
+            </a:r>
+          </a:p>
+          <a:p>
+            <a:pPr lvl="4"/>
+            <a:r>
+              <a:rPr lang="zh-TW" altLang="en-US"/>
+              <a:t>第五層</a:t>
+            </a:r>
+            <a:endParaRPr lang="en-US" dirty="0"/>
+          </a:p>
+        </p:txBody>
+      </p:sp>
+      <p:sp>
+        <p:nvSpPr>
+          <p:cNvPr id="13" name="Content Placeholder 3"/>
+          <p:cNvSpPr>
+            <a:spLocks noGrp="1"/>
+          </p:cNvSpPr>
+          <p:nvPr>
+            <p:ph sz="quarter" idx="14"/>
+          </p:nvPr>
+        </p:nvSpPr>
+        <p:spPr>
+          <a:xfrm>
+            <a:off x="6172200" y="2367092"/>
+            <a:ext cx="5105400" cy="3424107"/>
+          </a:xfrm>
+        </p:spPr>
+        <p:txBody>
+          <a:bodyPr/>
+          <a:lstStyle/>
+          <a:p>
+            <a:pPr lvl="0"/>
+            <a:r>
+              <a:rPr lang="zh-TW" altLang="en-US"/>
+              <a:t>按一下以編輯母片文字樣式</a:t>
+            </a:r>
+          </a:p>
+          <a:p>
+            <a:pPr lvl="1"/>
+            <a:r>
+              <a:rPr lang="zh-TW" altLang="en-US"/>
+              <a:t>第二層</a:t>
+            </a:r>
+          </a:p>
+          <a:p>
+            <a:pPr lvl="2"/>
+            <a:r>
+              <a:rPr lang="zh-TW" altLang="en-US"/>
+              <a:t>第三層</a:t>
+            </a:r>
+          </a:p>
+          <a:p>
+            <a:pPr lvl="3"/>
+            <a:r>
+              <a:rPr lang="zh-TW" altLang="en-US"/>
+              <a:t>第四層</a:t>
+            </a:r>
+          </a:p>
+          <a:p>
+            <a:pPr lvl="4"/>
+            <a:r>
+              <a:rPr lang="zh-TW" altLang="en-US"/>
+              <a:t>第五層</a:t>
+            </a:r>
+            <a:endParaRPr lang="en-US" dirty="0"/>
+          </a:p>
+        </p:txBody>
+      </p:sp>
+      <p:sp>
+        <p:nvSpPr>
+          <p:cNvPr id="5" name="Date Placeholder 4"/>
+          <p:cNvSpPr>
+            <a:spLocks noGrp="1"/>
+          </p:cNvSpPr>
+          <p:nvPr>
+            <p:ph type="dt" sz="half" idx="10"/>
+          </p:nvPr>
+        </p:nvSpPr>
         <p:spPr/>
         <p:txBody>
           <a:bodyPr/>
           <a:lstStyle/>
           <a:p>
-            <a:r>
-              <a:rPr lang="zh-TW" altLang="en-US"/>
-              <a:t>按一下以編輯母片標題樣式</a:t>
-            </a:r>
-          </a:p>
-        </p:txBody>
-      </p:sp>
-      <p:sp>
-        <p:nvSpPr>
-          <p:cNvPr id="3" name="內容版面配置區 2">
-            <a:extLst>
-              <a:ext uri="{FF2B5EF4-FFF2-40B4-BE49-F238E27FC236}">
-                <a16:creationId xmlns:a16="http://schemas.microsoft.com/office/drawing/2014/main" id="{9FDE4E9B-689C-4373-B281-9636BE211982}"/>
-              </a:ext>
-            </a:extLst>
-          </p:cNvPr>
-          <p:cNvSpPr>
-            <a:spLocks noGrp="1"/>
-          </p:cNvSpPr>
-          <p:nvPr>
-            <p:ph sz="half" idx="1"/>
-          </p:nvPr>
-        </p:nvSpPr>
-        <p:spPr>
-          <a:xfrm>
-            <a:off x="838200" y="1825625"/>
-            <a:ext cx="5181600" cy="4351338"/>
-          </a:xfrm>
-        </p:spPr>
-        <p:txBody>
-          <a:bodyPr/>
-          <a:lstStyle/>
-          <a:p>
-            <a:pPr lvl="0"/>
-            <a:r>
-              <a:rPr lang="zh-TW" altLang="en-US"/>
-              <a:t>按一下以編輯母片文字樣式</a:t>
-            </a:r>
-          </a:p>
-          <a:p>
-            <a:pPr lvl="1"/>
-            <a:r>
-              <a:rPr lang="zh-TW" altLang="en-US"/>
-              <a:t>第二層</a:t>
-            </a:r>
-          </a:p>
-          <a:p>
-            <a:pPr lvl="2"/>
-            <a:r>
-              <a:rPr lang="zh-TW" altLang="en-US"/>
-              <a:t>第三層</a:t>
-            </a:r>
-          </a:p>
-          <a:p>
-            <a:pPr lvl="3"/>
-            <a:r>
-              <a:rPr lang="zh-TW" altLang="en-US"/>
-              <a:t>第四層</a:t>
-            </a:r>
-          </a:p>
-          <a:p>
-            <a:pPr lvl="4"/>
-            <a:r>
-              <a:rPr lang="zh-TW" altLang="en-US"/>
-              <a:t>第五層</a:t>
-            </a:r>
-          </a:p>
-        </p:txBody>
-      </p:sp>
-      <p:sp>
-        <p:nvSpPr>
-          <p:cNvPr id="4" name="內容版面配置區 3">
-            <a:extLst>
-              <a:ext uri="{FF2B5EF4-FFF2-40B4-BE49-F238E27FC236}">
-                <a16:creationId xmlns:a16="http://schemas.microsoft.com/office/drawing/2014/main" id="{CD25EC10-0BDA-4ECA-AB8E-059AC3378E22}"/>
-              </a:ext>
-            </a:extLst>
-          </p:cNvPr>
-          <p:cNvSpPr>
-            <a:spLocks noGrp="1"/>
-          </p:cNvSpPr>
-          <p:nvPr>
-            <p:ph sz="half" idx="2"/>
-          </p:nvPr>
-        </p:nvSpPr>
-        <p:spPr>
-          <a:xfrm>
-            <a:off x="6172200" y="1825625"/>
-            <a:ext cx="5181600" cy="4351338"/>
-          </a:xfrm>
-        </p:spPr>
-        <p:txBody>
-          <a:bodyPr/>
-          <a:lstStyle/>
-          <a:p>
-            <a:pPr lvl="0"/>
-            <a:r>
-              <a:rPr lang="zh-TW" altLang="en-US"/>
-              <a:t>按一下以編輯母片文字樣式</a:t>
-            </a:r>
-          </a:p>
-          <a:p>
-            <a:pPr lvl="1"/>
-            <a:r>
-              <a:rPr lang="zh-TW" altLang="en-US"/>
-              <a:t>第二層</a:t>
-            </a:r>
-          </a:p>
-          <a:p>
-            <a:pPr lvl="2"/>
-            <a:r>
-              <a:rPr lang="zh-TW" altLang="en-US"/>
-              <a:t>第三層</a:t>
-            </a:r>
-          </a:p>
-          <a:p>
-            <a:pPr lvl="3"/>
-            <a:r>
-              <a:rPr lang="zh-TW" altLang="en-US"/>
-              <a:t>第四層</a:t>
-            </a:r>
-          </a:p>
-          <a:p>
-            <a:pPr lvl="4"/>
-            <a:r>
-              <a:rPr lang="zh-TW" altLang="en-US"/>
-              <a:t>第五層</a:t>
-            </a:r>
-          </a:p>
-        </p:txBody>
-      </p:sp>
-      <p:sp>
-        <p:nvSpPr>
-          <p:cNvPr id="5" name="日期版面配置區 4">
-            <a:extLst>
-              <a:ext uri="{FF2B5EF4-FFF2-40B4-BE49-F238E27FC236}">
-                <a16:creationId xmlns:a16="http://schemas.microsoft.com/office/drawing/2014/main" id="{63DAF127-0983-4C38-869C-C0A513FA9147}"/>
-              </a:ext>
-            </a:extLst>
-          </p:cNvPr>
-          <p:cNvSpPr>
-            <a:spLocks noGrp="1"/>
-          </p:cNvSpPr>
-          <p:nvPr>
-            <p:ph type="dt" sz="half" idx="10"/>
-          </p:nvPr>
-        </p:nvSpPr>
-        <p:spPr/>
-        <p:txBody>
-          <a:bodyPr/>
-          <a:lstStyle/>
-          <a:p>
-            <a:fld id="{C3C90D7E-32D6-4894-AE08-7BBB3E610FC9}" type="datetimeFigureOut">
+            <a:fld id="{4B79CABA-914F-43AC-AE68-5F197FBCE171}" type="datetimeFigureOut">
               <a:rPr lang="zh-TW" altLang="en-US" smtClean="0"/>
-              <a:t>2024/9/16</a:t>
+              <a:t>2024/10/20</a:t>
             </a:fld>
             <a:endParaRPr lang="zh-TW" altLang="en-US"/>
           </a:p>
@@ -1406,13 +5325,7 @@
       </p:sp>
       <p:sp>
         <p:nvSpPr>
-          <p:cNvPr id="6" name="頁尾版面配置區 5">
-            <a:extLst>
-              <a:ext uri="{FF2B5EF4-FFF2-40B4-BE49-F238E27FC236}">
-                <a16:creationId xmlns:a16="http://schemas.microsoft.com/office/drawing/2014/main" id="{E014CBA6-CCE3-4CF4-8E13-D895EDBD8F25}"/>
-              </a:ext>
-            </a:extLst>
-          </p:cNvPr>
+          <p:cNvPr id="6" name="Footer Placeholder 5"/>
           <p:cNvSpPr>
             <a:spLocks noGrp="1"/>
           </p:cNvSpPr>
@@ -1431,13 +5344,7 @@
       </p:sp>
       <p:sp>
         <p:nvSpPr>
-          <p:cNvPr id="7" name="投影片編號版面配置區 6">
-            <a:extLst>
-              <a:ext uri="{FF2B5EF4-FFF2-40B4-BE49-F238E27FC236}">
-                <a16:creationId xmlns:a16="http://schemas.microsoft.com/office/drawing/2014/main" id="{5CEAA8E5-79B3-445E-B8C3-29BD56CE6D7A}"/>
-              </a:ext>
-            </a:extLst>
-          </p:cNvPr>
+          <p:cNvPr id="7" name="Slide Number Placeholder 6"/>
           <p:cNvSpPr>
             <a:spLocks noGrp="1"/>
           </p:cNvSpPr>
@@ -1450,7 +5357,7 @@
           <a:bodyPr/>
           <a:lstStyle/>
           <a:p>
-            <a:fld id="{E31EC408-072F-4346-BD0A-D6AA5788A305}" type="slidenum">
+            <a:fld id="{C7B66E1F-E0F2-4CE0-80BB-B0CD885DF2C2}" type="slidenum">
               <a:rPr lang="zh-TW" altLang="en-US" smtClean="0"/>
               <a:t>‹#›</a:t>
             </a:fld>
@@ -1461,7 +5368,7 @@
     </p:spTree>
     <p:extLst>
       <p:ext uri="{BB962C8B-B14F-4D97-AF65-F5344CB8AC3E}">
-        <p14:creationId xmlns:p14="http://schemas.microsoft.com/office/powerpoint/2010/main" val="3858213488"/>
+        <p14:creationId xmlns:p14="http://schemas.microsoft.com/office/powerpoint/2010/main" val="2171637986"/>
       </p:ext>
     </p:extLst>
   </p:cSld>
@@ -1488,15 +5395,39 @@
           <a:chExt cx="0" cy="0"/>
         </a:xfrm>
       </p:grpSpPr>
-      <p:sp>
-        <p:nvSpPr>
-          <p:cNvPr id="2" name="標題 1">
+      <p:pic>
+        <p:nvPicPr>
+          <p:cNvPr id="15" name="Picture 14" descr="Droplets-HD-Content-R1d.png"/>
+          <p:cNvPicPr>
+            <a:picLocks noChangeAspect="1"/>
+          </p:cNvPicPr>
+          <p:nvPr/>
+        </p:nvPicPr>
+        <p:blipFill>
+          <a:blip r:embed="rId2">
             <a:extLst>
-              <a:ext uri="{FF2B5EF4-FFF2-40B4-BE49-F238E27FC236}">
-                <a16:creationId xmlns:a16="http://schemas.microsoft.com/office/drawing/2014/main" id="{A00F76B6-8DEC-4A74-A06A-BA0146321CD8}"/>
+              <a:ext uri="{28A0092B-C50C-407E-A947-70E740481C1C}">
+                <a14:useLocalDpi xmlns:a14="http://schemas.microsoft.com/office/drawing/2010/main" val="0"/>
               </a:ext>
             </a:extLst>
-          </p:cNvPr>
+          </a:blip>
+          <a:stretch>
+            <a:fillRect/>
+          </a:stretch>
+        </p:blipFill>
+        <p:spPr>
+          <a:xfrm>
+            <a:off x="0" y="0"/>
+            <a:ext cx="12192000" cy="6858000"/>
+          </a:xfrm>
+          <a:prstGeom prst="rect">
+            <a:avLst/>
+          </a:prstGeom>
+        </p:spPr>
+      </p:pic>
+      <p:sp>
+        <p:nvSpPr>
+          <p:cNvPr id="14" name="Title 1"/>
           <p:cNvSpPr>
             <a:spLocks noGrp="1"/>
           </p:cNvSpPr>
@@ -1506,8 +5437,8 @@
         </p:nvSpPr>
         <p:spPr>
           <a:xfrm>
-            <a:off x="839788" y="365125"/>
-            <a:ext cx="10515600" cy="1325563"/>
+            <a:off x="913775" y="618517"/>
+            <a:ext cx="10364451" cy="1596177"/>
           </a:xfrm>
         </p:spPr>
         <p:txBody>
@@ -1518,18 +5449,13 @@
               <a:rPr lang="zh-TW" altLang="en-US"/>
               <a:t>按一下以編輯母片標題樣式</a:t>
             </a:r>
-          </a:p>
-        </p:txBody>
-      </p:sp>
-      <p:sp>
-        <p:nvSpPr>
-          <p:cNvPr id="3" name="文字版面配置區 2">
-            <a:extLst>
-              <a:ext uri="{FF2B5EF4-FFF2-40B4-BE49-F238E27FC236}">
-                <a16:creationId xmlns:a16="http://schemas.microsoft.com/office/drawing/2014/main" id="{EF00F5C5-99A7-4F16-855A-F170362659F7}"/>
-              </a:ext>
-            </a:extLst>
-          </p:cNvPr>
+            <a:endParaRPr lang="en-US" dirty="0"/>
+          </a:p>
+        </p:txBody>
+      </p:sp>
+      <p:sp>
+        <p:nvSpPr>
+          <p:cNvPr id="3" name="Text Placeholder 2"/>
           <p:cNvSpPr>
             <a:spLocks noGrp="1"/>
           </p:cNvSpPr>
@@ -1539,16 +5465,25 @@
         </p:nvSpPr>
         <p:spPr>
           <a:xfrm>
-            <a:off x="839788" y="1681163"/>
-            <a:ext cx="5157787" cy="823912"/>
-          </a:xfrm>
-        </p:spPr>
-        <p:txBody>
-          <a:bodyPr anchor="b"/>
+            <a:off x="1146328" y="2371018"/>
+            <a:ext cx="4873474" cy="679994"/>
+          </a:xfrm>
+        </p:spPr>
+        <p:txBody>
+          <a:bodyPr anchor="b">
+            <a:noAutofit/>
+          </a:bodyPr>
           <a:lstStyle>
             <a:lvl1pPr marL="0" indent="0">
-              <a:buNone/>
-              <a:defRPr sz="2400" b="1"/>
+              <a:lnSpc>
+                <a:spcPct val="85000"/>
+              </a:lnSpc>
+              <a:buNone/>
+              <a:defRPr sz="2600" b="0">
+                <a:solidFill>
+                  <a:schemeClr val="tx1"/>
+                </a:solidFill>
+              </a:defRPr>
             </a:lvl1pPr>
             <a:lvl2pPr marL="457200" indent="0">
               <a:buNone/>
@@ -1594,24 +5529,18 @@
       </p:sp>
       <p:sp>
         <p:nvSpPr>
-          <p:cNvPr id="4" name="內容版面配置區 3">
-            <a:extLst>
-              <a:ext uri="{FF2B5EF4-FFF2-40B4-BE49-F238E27FC236}">
-                <a16:creationId xmlns:a16="http://schemas.microsoft.com/office/drawing/2014/main" id="{6722BEB2-C9B4-4C14-8234-D17E84349984}"/>
-              </a:ext>
-            </a:extLst>
-          </p:cNvPr>
-          <p:cNvSpPr>
-            <a:spLocks noGrp="1"/>
-          </p:cNvSpPr>
-          <p:nvPr>
-            <p:ph sz="half" idx="2"/>
+          <p:cNvPr id="12" name="Content Placeholder 3"/>
+          <p:cNvSpPr>
+            <a:spLocks noGrp="1"/>
+          </p:cNvSpPr>
+          <p:nvPr>
+            <p:ph sz="quarter" idx="13"/>
           </p:nvPr>
         </p:nvSpPr>
         <p:spPr>
           <a:xfrm>
-            <a:off x="839788" y="2505075"/>
-            <a:ext cx="5157787" cy="3684588"/>
+            <a:off x="913774" y="3051012"/>
+            <a:ext cx="5106027" cy="2740187"/>
           </a:xfrm>
         </p:spPr>
         <p:txBody>
@@ -1651,18 +5580,13 @@
               <a:rPr lang="zh-TW" altLang="en-US"/>
               <a:t>第五層</a:t>
             </a:r>
-          </a:p>
-        </p:txBody>
-      </p:sp>
-      <p:sp>
-        <p:nvSpPr>
-          <p:cNvPr id="5" name="文字版面配置區 4">
-            <a:extLst>
-              <a:ext uri="{FF2B5EF4-FFF2-40B4-BE49-F238E27FC236}">
-                <a16:creationId xmlns:a16="http://schemas.microsoft.com/office/drawing/2014/main" id="{E4A41162-A0AC-4211-940F-4B92208F9B0E}"/>
-              </a:ext>
-            </a:extLst>
-          </p:cNvPr>
+            <a:endParaRPr lang="en-US" dirty="0"/>
+          </a:p>
+        </p:txBody>
+      </p:sp>
+      <p:sp>
+        <p:nvSpPr>
+          <p:cNvPr id="5" name="Text Placeholder 4"/>
           <p:cNvSpPr>
             <a:spLocks noGrp="1"/>
           </p:cNvSpPr>
@@ -1672,16 +5596,25 @@
         </p:nvSpPr>
         <p:spPr>
           <a:xfrm>
-            <a:off x="6172200" y="1681163"/>
-            <a:ext cx="5183188" cy="823912"/>
-          </a:xfrm>
-        </p:spPr>
-        <p:txBody>
-          <a:bodyPr anchor="b"/>
+            <a:off x="6396423" y="2371018"/>
+            <a:ext cx="4881804" cy="679994"/>
+          </a:xfrm>
+        </p:spPr>
+        <p:txBody>
+          <a:bodyPr anchor="b">
+            <a:noAutofit/>
+          </a:bodyPr>
           <a:lstStyle>
             <a:lvl1pPr marL="0" indent="0">
-              <a:buNone/>
-              <a:defRPr sz="2400" b="1"/>
+              <a:lnSpc>
+                <a:spcPct val="85000"/>
+              </a:lnSpc>
+              <a:buNone/>
+              <a:defRPr sz="2600" b="0">
+                <a:solidFill>
+                  <a:schemeClr val="tx1"/>
+                </a:solidFill>
+              </a:defRPr>
             </a:lvl1pPr>
             <a:lvl2pPr marL="457200" indent="0">
               <a:buNone/>
@@ -1727,24 +5660,18 @@
       </p:sp>
       <p:sp>
         <p:nvSpPr>
-          <p:cNvPr id="6" name="內容版面配置區 5">
-            <a:extLst>
-              <a:ext uri="{FF2B5EF4-FFF2-40B4-BE49-F238E27FC236}">
-                <a16:creationId xmlns:a16="http://schemas.microsoft.com/office/drawing/2014/main" id="{E8EA159A-F9D7-4F58-A7C3-6E5B65E42266}"/>
-              </a:ext>
-            </a:extLst>
-          </p:cNvPr>
-          <p:cNvSpPr>
-            <a:spLocks noGrp="1"/>
-          </p:cNvSpPr>
-          <p:nvPr>
-            <p:ph sz="quarter" idx="4"/>
+          <p:cNvPr id="13" name="Content Placeholder 5"/>
+          <p:cNvSpPr>
+            <a:spLocks noGrp="1"/>
+          </p:cNvSpPr>
+          <p:nvPr>
+            <p:ph sz="quarter" idx="14"/>
           </p:nvPr>
         </p:nvSpPr>
         <p:spPr>
           <a:xfrm>
-            <a:off x="6172200" y="2505075"/>
-            <a:ext cx="5183188" cy="3684588"/>
+            <a:off x="6172200" y="3051012"/>
+            <a:ext cx="5105401" cy="2740187"/>
           </a:xfrm>
         </p:spPr>
         <p:txBody>
@@ -1784,18 +5711,13 @@
               <a:rPr lang="zh-TW" altLang="en-US"/>
               <a:t>第五層</a:t>
             </a:r>
-          </a:p>
-        </p:txBody>
-      </p:sp>
-      <p:sp>
-        <p:nvSpPr>
-          <p:cNvPr id="7" name="日期版面配置區 6">
-            <a:extLst>
-              <a:ext uri="{FF2B5EF4-FFF2-40B4-BE49-F238E27FC236}">
-                <a16:creationId xmlns:a16="http://schemas.microsoft.com/office/drawing/2014/main" id="{AE973E80-9141-48B7-A9D7-605A4541768F}"/>
-              </a:ext>
-            </a:extLst>
-          </p:cNvPr>
+            <a:endParaRPr lang="en-US" dirty="0"/>
+          </a:p>
+        </p:txBody>
+      </p:sp>
+      <p:sp>
+        <p:nvSpPr>
+          <p:cNvPr id="7" name="Date Placeholder 6"/>
           <p:cNvSpPr>
             <a:spLocks noGrp="1"/>
           </p:cNvSpPr>
@@ -1808,9 +5730,9 @@
           <a:bodyPr/>
           <a:lstStyle/>
           <a:p>
-            <a:fld id="{C3C90D7E-32D6-4894-AE08-7BBB3E610FC9}" type="datetimeFigureOut">
+            <a:fld id="{4B79CABA-914F-43AC-AE68-5F197FBCE171}" type="datetimeFigureOut">
               <a:rPr lang="zh-TW" altLang="en-US" smtClean="0"/>
-              <a:t>2024/9/16</a:t>
+              <a:t>2024/10/20</a:t>
             </a:fld>
             <a:endParaRPr lang="zh-TW" altLang="en-US"/>
           </a:p>
@@ -1818,13 +5740,7 @@
       </p:sp>
       <p:sp>
         <p:nvSpPr>
-          <p:cNvPr id="8" name="頁尾版面配置區 7">
-            <a:extLst>
-              <a:ext uri="{FF2B5EF4-FFF2-40B4-BE49-F238E27FC236}">
-                <a16:creationId xmlns:a16="http://schemas.microsoft.com/office/drawing/2014/main" id="{6520B07A-79F8-43E7-8013-632DD2AED223}"/>
-              </a:ext>
-            </a:extLst>
-          </p:cNvPr>
+          <p:cNvPr id="8" name="Footer Placeholder 7"/>
           <p:cNvSpPr>
             <a:spLocks noGrp="1"/>
           </p:cNvSpPr>
@@ -1843,13 +5759,7 @@
       </p:sp>
       <p:sp>
         <p:nvSpPr>
-          <p:cNvPr id="9" name="投影片編號版面配置區 8">
-            <a:extLst>
-              <a:ext uri="{FF2B5EF4-FFF2-40B4-BE49-F238E27FC236}">
-                <a16:creationId xmlns:a16="http://schemas.microsoft.com/office/drawing/2014/main" id="{3B997D8F-4F1C-4DE6-A82C-3E0C38ACAE96}"/>
-              </a:ext>
-            </a:extLst>
-          </p:cNvPr>
+          <p:cNvPr id="9" name="Slide Number Placeholder 8"/>
           <p:cNvSpPr>
             <a:spLocks noGrp="1"/>
           </p:cNvSpPr>
@@ -1862,7 +5772,7 @@
           <a:bodyPr/>
           <a:lstStyle/>
           <a:p>
-            <a:fld id="{E31EC408-072F-4346-BD0A-D6AA5788A305}" type="slidenum">
+            <a:fld id="{C7B66E1F-E0F2-4CE0-80BB-B0CD885DF2C2}" type="slidenum">
               <a:rPr lang="zh-TW" altLang="en-US" smtClean="0"/>
               <a:t>‹#›</a:t>
             </a:fld>
@@ -1873,7 +5783,7 @@
     </p:spTree>
     <p:extLst>
       <p:ext uri="{BB962C8B-B14F-4D97-AF65-F5344CB8AC3E}">
-        <p14:creationId xmlns:p14="http://schemas.microsoft.com/office/powerpoint/2010/main" val="3379995638"/>
+        <p14:creationId xmlns:p14="http://schemas.microsoft.com/office/powerpoint/2010/main" val="1906816862"/>
       </p:ext>
     </p:extLst>
   </p:cSld>
@@ -1900,15 +5810,39 @@
           <a:chExt cx="0" cy="0"/>
         </a:xfrm>
       </p:grpSpPr>
-      <p:sp>
-        <p:nvSpPr>
-          <p:cNvPr id="2" name="標題 1">
+      <p:pic>
+        <p:nvPicPr>
+          <p:cNvPr id="8" name="Picture 7" descr="Droplets-HD-Content-R1d.png"/>
+          <p:cNvPicPr>
+            <a:picLocks noChangeAspect="1"/>
+          </p:cNvPicPr>
+          <p:nvPr/>
+        </p:nvPicPr>
+        <p:blipFill>
+          <a:blip r:embed="rId2">
             <a:extLst>
-              <a:ext uri="{FF2B5EF4-FFF2-40B4-BE49-F238E27FC236}">
-                <a16:creationId xmlns:a16="http://schemas.microsoft.com/office/drawing/2014/main" id="{6CE04611-FD10-429D-89AA-73C259B64293}"/>
+              <a:ext uri="{28A0092B-C50C-407E-A947-70E740481C1C}">
+                <a14:useLocalDpi xmlns:a14="http://schemas.microsoft.com/office/drawing/2010/main" val="0"/>
               </a:ext>
             </a:extLst>
-          </p:cNvPr>
+          </a:blip>
+          <a:stretch>
+            <a:fillRect/>
+          </a:stretch>
+        </p:blipFill>
+        <p:spPr>
+          <a:xfrm>
+            <a:off x="0" y="0"/>
+            <a:ext cx="12192000" cy="6858000"/>
+          </a:xfrm>
+          <a:prstGeom prst="rect">
+            <a:avLst/>
+          </a:prstGeom>
+        </p:spPr>
+      </p:pic>
+      <p:sp>
+        <p:nvSpPr>
+          <p:cNvPr id="2" name="Title 1"/>
           <p:cNvSpPr>
             <a:spLocks noGrp="1"/>
           </p:cNvSpPr>
@@ -1925,18 +5859,13 @@
               <a:rPr lang="zh-TW" altLang="en-US"/>
               <a:t>按一下以編輯母片標題樣式</a:t>
             </a:r>
-          </a:p>
-        </p:txBody>
-      </p:sp>
-      <p:sp>
-        <p:nvSpPr>
-          <p:cNvPr id="3" name="日期版面配置區 2">
-            <a:extLst>
-              <a:ext uri="{FF2B5EF4-FFF2-40B4-BE49-F238E27FC236}">
-                <a16:creationId xmlns:a16="http://schemas.microsoft.com/office/drawing/2014/main" id="{2D9009F3-A280-4DA8-ACC4-187DE2172BCA}"/>
-              </a:ext>
-            </a:extLst>
-          </p:cNvPr>
+            <a:endParaRPr lang="en-US" dirty="0"/>
+          </a:p>
+        </p:txBody>
+      </p:sp>
+      <p:sp>
+        <p:nvSpPr>
+          <p:cNvPr id="3" name="Date Placeholder 2"/>
           <p:cNvSpPr>
             <a:spLocks noGrp="1"/>
           </p:cNvSpPr>
@@ -1949,9 +5878,9 @@
           <a:bodyPr/>
           <a:lstStyle/>
           <a:p>
-            <a:fld id="{C3C90D7E-32D6-4894-AE08-7BBB3E610FC9}" type="datetimeFigureOut">
+            <a:fld id="{4B79CABA-914F-43AC-AE68-5F197FBCE171}" type="datetimeFigureOut">
               <a:rPr lang="zh-TW" altLang="en-US" smtClean="0"/>
-              <a:t>2024/9/16</a:t>
+              <a:t>2024/10/20</a:t>
             </a:fld>
             <a:endParaRPr lang="zh-TW" altLang="en-US"/>
           </a:p>
@@ -1959,13 +5888,7 @@
       </p:sp>
       <p:sp>
         <p:nvSpPr>
-          <p:cNvPr id="4" name="頁尾版面配置區 3">
-            <a:extLst>
-              <a:ext uri="{FF2B5EF4-FFF2-40B4-BE49-F238E27FC236}">
-                <a16:creationId xmlns:a16="http://schemas.microsoft.com/office/drawing/2014/main" id="{F8FD791E-F627-4DDB-AD69-F7639FDD1767}"/>
-              </a:ext>
-            </a:extLst>
-          </p:cNvPr>
+          <p:cNvPr id="4" name="Footer Placeholder 3"/>
           <p:cNvSpPr>
             <a:spLocks noGrp="1"/>
           </p:cNvSpPr>
@@ -1984,13 +5907,7 @@
       </p:sp>
       <p:sp>
         <p:nvSpPr>
-          <p:cNvPr id="5" name="投影片編號版面配置區 4">
-            <a:extLst>
-              <a:ext uri="{FF2B5EF4-FFF2-40B4-BE49-F238E27FC236}">
-                <a16:creationId xmlns:a16="http://schemas.microsoft.com/office/drawing/2014/main" id="{CE9C3C73-9A1B-4A20-B40C-BF8E0726E9AE}"/>
-              </a:ext>
-            </a:extLst>
-          </p:cNvPr>
+          <p:cNvPr id="5" name="Slide Number Placeholder 4"/>
           <p:cNvSpPr>
             <a:spLocks noGrp="1"/>
           </p:cNvSpPr>
@@ -2003,7 +5920,7 @@
           <a:bodyPr/>
           <a:lstStyle/>
           <a:p>
-            <a:fld id="{E31EC408-072F-4346-BD0A-D6AA5788A305}" type="slidenum">
+            <a:fld id="{C7B66E1F-E0F2-4CE0-80BB-B0CD885DF2C2}" type="slidenum">
               <a:rPr lang="zh-TW" altLang="en-US" smtClean="0"/>
               <a:t>‹#›</a:t>
             </a:fld>
@@ -2014,7 +5931,7 @@
     </p:spTree>
     <p:extLst>
       <p:ext uri="{BB962C8B-B14F-4D97-AF65-F5344CB8AC3E}">
-        <p14:creationId xmlns:p14="http://schemas.microsoft.com/office/powerpoint/2010/main" val="3116621787"/>
+        <p14:creationId xmlns:p14="http://schemas.microsoft.com/office/powerpoint/2010/main" val="1661246236"/>
       </p:ext>
     </p:extLst>
   </p:cSld>
@@ -2041,15 +5958,39 @@
           <a:chExt cx="0" cy="0"/>
         </a:xfrm>
       </p:grpSpPr>
-      <p:sp>
-        <p:nvSpPr>
-          <p:cNvPr id="2" name="日期版面配置區 1">
+      <p:pic>
+        <p:nvPicPr>
+          <p:cNvPr id="7" name="Picture 6" descr="Droplets-HD-Content-R1d.png"/>
+          <p:cNvPicPr>
+            <a:picLocks noChangeAspect="1"/>
+          </p:cNvPicPr>
+          <p:nvPr/>
+        </p:nvPicPr>
+        <p:blipFill>
+          <a:blip r:embed="rId2">
             <a:extLst>
-              <a:ext uri="{FF2B5EF4-FFF2-40B4-BE49-F238E27FC236}">
-                <a16:creationId xmlns:a16="http://schemas.microsoft.com/office/drawing/2014/main" id="{1E1D8EED-F2A7-4221-9887-0DBB62EB3F80}"/>
+              <a:ext uri="{28A0092B-C50C-407E-A947-70E740481C1C}">
+                <a14:useLocalDpi xmlns:a14="http://schemas.microsoft.com/office/drawing/2010/main" val="0"/>
               </a:ext>
             </a:extLst>
-          </p:cNvPr>
+          </a:blip>
+          <a:stretch>
+            <a:fillRect/>
+          </a:stretch>
+        </p:blipFill>
+        <p:spPr>
+          <a:xfrm>
+            <a:off x="0" y="0"/>
+            <a:ext cx="12192000" cy="6858000"/>
+          </a:xfrm>
+          <a:prstGeom prst="rect">
+            <a:avLst/>
+          </a:prstGeom>
+        </p:spPr>
+      </p:pic>
+      <p:sp>
+        <p:nvSpPr>
+          <p:cNvPr id="2" name="Date Placeholder 1"/>
           <p:cNvSpPr>
             <a:spLocks noGrp="1"/>
           </p:cNvSpPr>
@@ -2062,9 +6003,9 @@
           <a:bodyPr/>
           <a:lstStyle/>
           <a:p>
-            <a:fld id="{C3C90D7E-32D6-4894-AE08-7BBB3E610FC9}" type="datetimeFigureOut">
+            <a:fld id="{4B79CABA-914F-43AC-AE68-5F197FBCE171}" type="datetimeFigureOut">
               <a:rPr lang="zh-TW" altLang="en-US" smtClean="0"/>
-              <a:t>2024/9/16</a:t>
+              <a:t>2024/10/20</a:t>
             </a:fld>
             <a:endParaRPr lang="zh-TW" altLang="en-US"/>
           </a:p>
@@ -2072,13 +6013,7 @@
       </p:sp>
       <p:sp>
         <p:nvSpPr>
-          <p:cNvPr id="3" name="頁尾版面配置區 2">
-            <a:extLst>
-              <a:ext uri="{FF2B5EF4-FFF2-40B4-BE49-F238E27FC236}">
-                <a16:creationId xmlns:a16="http://schemas.microsoft.com/office/drawing/2014/main" id="{10593B39-DC86-45A7-85EF-B4DB9C28DC80}"/>
-              </a:ext>
-            </a:extLst>
-          </p:cNvPr>
+          <p:cNvPr id="3" name="Footer Placeholder 2"/>
           <p:cNvSpPr>
             <a:spLocks noGrp="1"/>
           </p:cNvSpPr>
@@ -2097,13 +6032,7 @@
       </p:sp>
       <p:sp>
         <p:nvSpPr>
-          <p:cNvPr id="4" name="投影片編號版面配置區 3">
-            <a:extLst>
-              <a:ext uri="{FF2B5EF4-FFF2-40B4-BE49-F238E27FC236}">
-                <a16:creationId xmlns:a16="http://schemas.microsoft.com/office/drawing/2014/main" id="{3D9056B2-6966-4CAF-94D1-2295A737E168}"/>
-              </a:ext>
-            </a:extLst>
-          </p:cNvPr>
+          <p:cNvPr id="4" name="Slide Number Placeholder 3"/>
           <p:cNvSpPr>
             <a:spLocks noGrp="1"/>
           </p:cNvSpPr>
@@ -2116,7 +6045,7 @@
           <a:bodyPr/>
           <a:lstStyle/>
           <a:p>
-            <a:fld id="{E31EC408-072F-4346-BD0A-D6AA5788A305}" type="slidenum">
+            <a:fld id="{C7B66E1F-E0F2-4CE0-80BB-B0CD885DF2C2}" type="slidenum">
               <a:rPr lang="zh-TW" altLang="en-US" smtClean="0"/>
               <a:t>‹#›</a:t>
             </a:fld>
@@ -2127,7 +6056,7 @@
     </p:spTree>
     <p:extLst>
       <p:ext uri="{BB962C8B-B14F-4D97-AF65-F5344CB8AC3E}">
-        <p14:creationId xmlns:p14="http://schemas.microsoft.com/office/powerpoint/2010/main" val="3887241942"/>
+        <p14:creationId xmlns:p14="http://schemas.microsoft.com/office/powerpoint/2010/main" val="3427144119"/>
       </p:ext>
     </p:extLst>
   </p:cSld>
@@ -2154,15 +6083,39 @@
           <a:chExt cx="0" cy="0"/>
         </a:xfrm>
       </p:grpSpPr>
-      <p:sp>
-        <p:nvSpPr>
-          <p:cNvPr id="2" name="標題 1">
+      <p:pic>
+        <p:nvPicPr>
+          <p:cNvPr id="11" name="Picture 10" descr="Droplets-HD-Content-R1d.png"/>
+          <p:cNvPicPr>
+            <a:picLocks noChangeAspect="1"/>
+          </p:cNvPicPr>
+          <p:nvPr/>
+        </p:nvPicPr>
+        <p:blipFill>
+          <a:blip r:embed="rId2">
             <a:extLst>
-              <a:ext uri="{FF2B5EF4-FFF2-40B4-BE49-F238E27FC236}">
-                <a16:creationId xmlns:a16="http://schemas.microsoft.com/office/drawing/2014/main" id="{5C3076DF-D16B-4600-9550-96C6A8DD7F1A}"/>
+              <a:ext uri="{28A0092B-C50C-407E-A947-70E740481C1C}">
+                <a14:useLocalDpi xmlns:a14="http://schemas.microsoft.com/office/drawing/2010/main" val="0"/>
               </a:ext>
             </a:extLst>
-          </p:cNvPr>
+          </a:blip>
+          <a:stretch>
+            <a:fillRect/>
+          </a:stretch>
+        </p:blipFill>
+        <p:spPr>
+          <a:xfrm>
+            <a:off x="0" y="0"/>
+            <a:ext cx="12192000" cy="6858000"/>
+          </a:xfrm>
+          <a:prstGeom prst="rect">
+            <a:avLst/>
+          </a:prstGeom>
+        </p:spPr>
+      </p:pic>
+      <p:sp>
+        <p:nvSpPr>
+          <p:cNvPr id="2" name="Title 1"/>
           <p:cNvSpPr>
             <a:spLocks noGrp="1"/>
           </p:cNvSpPr>
@@ -2172,14 +6125,14 @@
         </p:nvSpPr>
         <p:spPr>
           <a:xfrm>
-            <a:off x="839788" y="457200"/>
-            <a:ext cx="3932237" cy="1600200"/>
+            <a:off x="913775" y="609600"/>
+            <a:ext cx="3935688" cy="2023252"/>
           </a:xfrm>
         </p:spPr>
         <p:txBody>
           <a:bodyPr anchor="b"/>
           <a:lstStyle>
-            <a:lvl1pPr>
+            <a:lvl1pPr algn="ctr">
               <a:defRPr sz="3200"/>
             </a:lvl1pPr>
           </a:lstStyle>
@@ -2188,125 +6141,87 @@
               <a:rPr lang="zh-TW" altLang="en-US"/>
               <a:t>按一下以編輯母片標題樣式</a:t>
             </a:r>
-          </a:p>
-        </p:txBody>
-      </p:sp>
-      <p:sp>
-        <p:nvSpPr>
-          <p:cNvPr id="3" name="內容版面配置區 2">
-            <a:extLst>
-              <a:ext uri="{FF2B5EF4-FFF2-40B4-BE49-F238E27FC236}">
-                <a16:creationId xmlns:a16="http://schemas.microsoft.com/office/drawing/2014/main" id="{9CD3D667-FDE5-4F5D-9495-588EC18912CE}"/>
-              </a:ext>
-            </a:extLst>
-          </p:cNvPr>
-          <p:cNvSpPr>
-            <a:spLocks noGrp="1"/>
-          </p:cNvSpPr>
-          <p:nvPr>
-            <p:ph idx="1"/>
+            <a:endParaRPr lang="en-US" dirty="0"/>
+          </a:p>
+        </p:txBody>
+      </p:sp>
+      <p:sp>
+        <p:nvSpPr>
+          <p:cNvPr id="10" name="Content Placeholder 2"/>
+          <p:cNvSpPr>
+            <a:spLocks noGrp="1"/>
+          </p:cNvSpPr>
+          <p:nvPr>
+            <p:ph sz="quarter" idx="13"/>
           </p:nvPr>
         </p:nvSpPr>
         <p:spPr>
           <a:xfrm>
-            <a:off x="5183188" y="987425"/>
-            <a:ext cx="6172200" cy="4873625"/>
+            <a:off x="5078062" y="609600"/>
+            <a:ext cx="6200163" cy="5181599"/>
+          </a:xfrm>
+        </p:spPr>
+        <p:txBody>
+          <a:bodyPr/>
+          <a:lstStyle/>
+          <a:p>
+            <a:pPr lvl="0"/>
+            <a:r>
+              <a:rPr lang="zh-TW" altLang="en-US"/>
+              <a:t>按一下以編輯母片文字樣式</a:t>
+            </a:r>
+          </a:p>
+          <a:p>
+            <a:pPr lvl="1"/>
+            <a:r>
+              <a:rPr lang="zh-TW" altLang="en-US"/>
+              <a:t>第二層</a:t>
+            </a:r>
+          </a:p>
+          <a:p>
+            <a:pPr lvl="2"/>
+            <a:r>
+              <a:rPr lang="zh-TW" altLang="en-US"/>
+              <a:t>第三層</a:t>
+            </a:r>
+          </a:p>
+          <a:p>
+            <a:pPr lvl="3"/>
+            <a:r>
+              <a:rPr lang="zh-TW" altLang="en-US"/>
+              <a:t>第四層</a:t>
+            </a:r>
+          </a:p>
+          <a:p>
+            <a:pPr lvl="4"/>
+            <a:r>
+              <a:rPr lang="zh-TW" altLang="en-US"/>
+              <a:t>第五層</a:t>
+            </a:r>
+            <a:endParaRPr lang="en-US" dirty="0"/>
+          </a:p>
+        </p:txBody>
+      </p:sp>
+      <p:sp>
+        <p:nvSpPr>
+          <p:cNvPr id="4" name="Text Placeholder 3"/>
+          <p:cNvSpPr>
+            <a:spLocks noGrp="1"/>
+          </p:cNvSpPr>
+          <p:nvPr>
+            <p:ph type="body" sz="half" idx="2"/>
+          </p:nvPr>
+        </p:nvSpPr>
+        <p:spPr>
+          <a:xfrm>
+            <a:off x="913774" y="2632852"/>
+            <a:ext cx="3935689" cy="3158348"/>
           </a:xfrm>
         </p:spPr>
         <p:txBody>
           <a:bodyPr/>
           <a:lstStyle>
-            <a:lvl1pPr>
-              <a:defRPr sz="3200"/>
-            </a:lvl1pPr>
-            <a:lvl2pPr>
-              <a:defRPr sz="2800"/>
-            </a:lvl2pPr>
-            <a:lvl3pPr>
-              <a:defRPr sz="2400"/>
-            </a:lvl3pPr>
-            <a:lvl4pPr>
-              <a:defRPr sz="2000"/>
-            </a:lvl4pPr>
-            <a:lvl5pPr>
-              <a:defRPr sz="2000"/>
-            </a:lvl5pPr>
-            <a:lvl6pPr>
-              <a:defRPr sz="2000"/>
-            </a:lvl6pPr>
-            <a:lvl7pPr>
-              <a:defRPr sz="2000"/>
-            </a:lvl7pPr>
-            <a:lvl8pPr>
-              <a:defRPr sz="2000"/>
-            </a:lvl8pPr>
-            <a:lvl9pPr>
-              <a:defRPr sz="2000"/>
-            </a:lvl9pPr>
-          </a:lstStyle>
-          <a:p>
-            <a:pPr lvl="0"/>
-            <a:r>
-              <a:rPr lang="zh-TW" altLang="en-US"/>
-              <a:t>按一下以編輯母片文字樣式</a:t>
-            </a:r>
-          </a:p>
-          <a:p>
-            <a:pPr lvl="1"/>
-            <a:r>
-              <a:rPr lang="zh-TW" altLang="en-US"/>
-              <a:t>第二層</a:t>
-            </a:r>
-          </a:p>
-          <a:p>
-            <a:pPr lvl="2"/>
-            <a:r>
-              <a:rPr lang="zh-TW" altLang="en-US"/>
-              <a:t>第三層</a:t>
-            </a:r>
-          </a:p>
-          <a:p>
-            <a:pPr lvl="3"/>
-            <a:r>
-              <a:rPr lang="zh-TW" altLang="en-US"/>
-              <a:t>第四層</a:t>
-            </a:r>
-          </a:p>
-          <a:p>
-            <a:pPr lvl="4"/>
-            <a:r>
-              <a:rPr lang="zh-TW" altLang="en-US"/>
-              <a:t>第五層</a:t>
-            </a:r>
-          </a:p>
-        </p:txBody>
-      </p:sp>
-      <p:sp>
-        <p:nvSpPr>
-          <p:cNvPr id="4" name="文字版面配置區 3">
-            <a:extLst>
-              <a:ext uri="{FF2B5EF4-FFF2-40B4-BE49-F238E27FC236}">
-                <a16:creationId xmlns:a16="http://schemas.microsoft.com/office/drawing/2014/main" id="{22F511E7-BEEF-4F51-BA0E-52C1908D5608}"/>
-              </a:ext>
-            </a:extLst>
-          </p:cNvPr>
-          <p:cNvSpPr>
-            <a:spLocks noGrp="1"/>
-          </p:cNvSpPr>
-          <p:nvPr>
-            <p:ph type="body" sz="half" idx="2"/>
-          </p:nvPr>
-        </p:nvSpPr>
-        <p:spPr>
-          <a:xfrm>
-            <a:off x="839788" y="2057400"/>
-            <a:ext cx="3932237" cy="3811588"/>
-          </a:xfrm>
-        </p:spPr>
-        <p:txBody>
-          <a:bodyPr/>
-          <a:lstStyle>
-            <a:lvl1pPr marL="0" indent="0">
+            <a:lvl1pPr marL="0" indent="0" algn="ctr">
               <a:buNone/>
               <a:defRPr sz="1600"/>
             </a:lvl1pPr>
@@ -2354,13 +6269,7 @@
       </p:sp>
       <p:sp>
         <p:nvSpPr>
-          <p:cNvPr id="5" name="日期版面配置區 4">
-            <a:extLst>
-              <a:ext uri="{FF2B5EF4-FFF2-40B4-BE49-F238E27FC236}">
-                <a16:creationId xmlns:a16="http://schemas.microsoft.com/office/drawing/2014/main" id="{88060697-A92E-4178-A790-FCBB90D70573}"/>
-              </a:ext>
-            </a:extLst>
-          </p:cNvPr>
+          <p:cNvPr id="5" name="Date Placeholder 4"/>
           <p:cNvSpPr>
             <a:spLocks noGrp="1"/>
           </p:cNvSpPr>
@@ -2373,9 +6282,9 @@
           <a:bodyPr/>
           <a:lstStyle/>
           <a:p>
-            <a:fld id="{C3C90D7E-32D6-4894-AE08-7BBB3E610FC9}" type="datetimeFigureOut">
+            <a:fld id="{4B79CABA-914F-43AC-AE68-5F197FBCE171}" type="datetimeFigureOut">
               <a:rPr lang="zh-TW" altLang="en-US" smtClean="0"/>
-              <a:t>2024/9/16</a:t>
+              <a:t>2024/10/20</a:t>
             </a:fld>
             <a:endParaRPr lang="zh-TW" altLang="en-US"/>
           </a:p>
@@ -2383,13 +6292,7 @@
       </p:sp>
       <p:sp>
         <p:nvSpPr>
-          <p:cNvPr id="6" name="頁尾版面配置區 5">
-            <a:extLst>
-              <a:ext uri="{FF2B5EF4-FFF2-40B4-BE49-F238E27FC236}">
-                <a16:creationId xmlns:a16="http://schemas.microsoft.com/office/drawing/2014/main" id="{2A8E3F57-A99A-4C4C-BF14-EE42AB99CE78}"/>
-              </a:ext>
-            </a:extLst>
-          </p:cNvPr>
+          <p:cNvPr id="6" name="Footer Placeholder 5"/>
           <p:cNvSpPr>
             <a:spLocks noGrp="1"/>
           </p:cNvSpPr>
@@ -2408,13 +6311,7 @@
       </p:sp>
       <p:sp>
         <p:nvSpPr>
-          <p:cNvPr id="7" name="投影片編號版面配置區 6">
-            <a:extLst>
-              <a:ext uri="{FF2B5EF4-FFF2-40B4-BE49-F238E27FC236}">
-                <a16:creationId xmlns:a16="http://schemas.microsoft.com/office/drawing/2014/main" id="{39234440-6924-48D7-AC1A-200D5946BCA9}"/>
-              </a:ext>
-            </a:extLst>
-          </p:cNvPr>
+          <p:cNvPr id="7" name="Slide Number Placeholder 6"/>
           <p:cNvSpPr>
             <a:spLocks noGrp="1"/>
           </p:cNvSpPr>
@@ -2427,7 +6324,7 @@
           <a:bodyPr/>
           <a:lstStyle/>
           <a:p>
-            <a:fld id="{E31EC408-072F-4346-BD0A-D6AA5788A305}" type="slidenum">
+            <a:fld id="{C7B66E1F-E0F2-4CE0-80BB-B0CD885DF2C2}" type="slidenum">
               <a:rPr lang="zh-TW" altLang="en-US" smtClean="0"/>
               <a:t>‹#›</a:t>
             </a:fld>
@@ -2438,7 +6335,7 @@
     </p:spTree>
     <p:extLst>
       <p:ext uri="{BB962C8B-B14F-4D97-AF65-F5344CB8AC3E}">
-        <p14:creationId xmlns:p14="http://schemas.microsoft.com/office/powerpoint/2010/main" val="2036183199"/>
+        <p14:creationId xmlns:p14="http://schemas.microsoft.com/office/powerpoint/2010/main" val="2671541771"/>
       </p:ext>
     </p:extLst>
   </p:cSld>
@@ -2465,15 +6362,39 @@
           <a:chExt cx="0" cy="0"/>
         </a:xfrm>
       </p:grpSpPr>
-      <p:sp>
-        <p:nvSpPr>
-          <p:cNvPr id="2" name="標題 1">
+      <p:pic>
+        <p:nvPicPr>
+          <p:cNvPr id="10" name="Picture 9" descr="Droplets-HD-Content-R1d.png"/>
+          <p:cNvPicPr>
+            <a:picLocks noChangeAspect="1"/>
+          </p:cNvPicPr>
+          <p:nvPr/>
+        </p:nvPicPr>
+        <p:blipFill>
+          <a:blip r:embed="rId2">
             <a:extLst>
-              <a:ext uri="{FF2B5EF4-FFF2-40B4-BE49-F238E27FC236}">
-                <a16:creationId xmlns:a16="http://schemas.microsoft.com/office/drawing/2014/main" id="{B2E81694-0B93-4D65-9DA3-21597478A96C}"/>
+              <a:ext uri="{28A0092B-C50C-407E-A947-70E740481C1C}">
+                <a14:useLocalDpi xmlns:a14="http://schemas.microsoft.com/office/drawing/2010/main" val="0"/>
               </a:ext>
             </a:extLst>
-          </p:cNvPr>
+          </a:blip>
+          <a:stretch>
+            <a:fillRect/>
+          </a:stretch>
+        </p:blipFill>
+        <p:spPr>
+          <a:xfrm>
+            <a:off x="0" y="0"/>
+            <a:ext cx="12192000" cy="6858000"/>
+          </a:xfrm>
+          <a:prstGeom prst="rect">
+            <a:avLst/>
+          </a:prstGeom>
+        </p:spPr>
+      </p:pic>
+      <p:sp>
+        <p:nvSpPr>
+          <p:cNvPr id="2" name="Title 1"/>
           <p:cNvSpPr>
             <a:spLocks noGrp="1"/>
           </p:cNvSpPr>
@@ -2483,14 +6404,14 @@
         </p:nvSpPr>
         <p:spPr>
           <a:xfrm>
-            <a:off x="839788" y="457200"/>
-            <a:ext cx="3932237" cy="1600200"/>
+            <a:off x="913774" y="609600"/>
+            <a:ext cx="5934969" cy="2023254"/>
           </a:xfrm>
         </p:spPr>
         <p:txBody>
           <a:bodyPr anchor="b"/>
           <a:lstStyle>
-            <a:lvl1pPr>
+            <a:lvl1pPr algn="ctr">
               <a:defRPr sz="3200"/>
             </a:lvl1pPr>
           </a:lstStyle>
@@ -2499,20 +6420,15 @@
               <a:rPr lang="zh-TW" altLang="en-US"/>
               <a:t>按一下以編輯母片標題樣式</a:t>
             </a:r>
-          </a:p>
-        </p:txBody>
-      </p:sp>
-      <p:sp>
-        <p:nvSpPr>
-          <p:cNvPr id="3" name="圖片版面配置區 2">
-            <a:extLst>
-              <a:ext uri="{FF2B5EF4-FFF2-40B4-BE49-F238E27FC236}">
-                <a16:creationId xmlns:a16="http://schemas.microsoft.com/office/drawing/2014/main" id="{23E4D718-8CB0-4334-BB8A-FB8B57D7CDC6}"/>
-              </a:ext>
-            </a:extLst>
-          </p:cNvPr>
-          <p:cNvSpPr>
-            <a:spLocks noGrp="1"/>
+            <a:endParaRPr lang="en-US" dirty="0"/>
+          </a:p>
+        </p:txBody>
+      </p:sp>
+      <p:sp>
+        <p:nvSpPr>
+          <p:cNvPr id="3" name="Picture Placeholder 2"/>
+          <p:cNvSpPr>
+            <a:spLocks noGrp="1" noChangeAspect="1"/>
           </p:cNvSpPr>
           <p:nvPr>
             <p:ph type="pic" idx="1"/>
@@ -2520,12 +6436,37 @@
         </p:nvSpPr>
         <p:spPr>
           <a:xfrm>
-            <a:off x="5183188" y="987425"/>
-            <a:ext cx="6172200" cy="4873625"/>
-          </a:xfrm>
-        </p:spPr>
-        <p:txBody>
-          <a:bodyPr/>
+            <a:off x="7424803" y="609601"/>
+            <a:ext cx="3255358" cy="5181600"/>
+          </a:xfrm>
+          <a:prstGeom prst="roundRect">
+            <a:avLst>
+              <a:gd name="adj" fmla="val 4943"/>
+            </a:avLst>
+          </a:prstGeom>
+          <a:noFill/>
+          <a:ln w="82550" cap="sq">
+            <a:solidFill>
+              <a:srgbClr val="EAEAEA"/>
+            </a:solidFill>
+            <a:miter lim="800000"/>
+          </a:ln>
+          <a:effectLst/>
+          <a:scene3d>
+            <a:camera prst="orthographicFront"/>
+            <a:lightRig rig="threePt" dir="t">
+              <a:rot lat="0" lon="0" rev="2700000"/>
+            </a:lightRig>
+          </a:scene3d>
+          <a:sp3d contourW="6350">
+            <a:bevelT h="38100"/>
+            <a:contourClr>
+              <a:srgbClr val="C0C0C0"/>
+            </a:contourClr>
+          </a:sp3d>
+        </p:spPr>
+        <p:txBody>
+          <a:bodyPr anchor="t"/>
           <a:lstStyle>
             <a:lvl1pPr marL="0" indent="0">
               <a:buNone/>
@@ -2565,19 +6506,17 @@
             </a:lvl9pPr>
           </a:lstStyle>
           <a:p>
-            <a:endParaRPr lang="zh-TW" altLang="en-US"/>
-          </a:p>
-        </p:txBody>
-      </p:sp>
-      <p:sp>
-        <p:nvSpPr>
-          <p:cNvPr id="4" name="文字版面配置區 3">
-            <a:extLst>
-              <a:ext uri="{FF2B5EF4-FFF2-40B4-BE49-F238E27FC236}">
-                <a16:creationId xmlns:a16="http://schemas.microsoft.com/office/drawing/2014/main" id="{0DC47463-53E7-4FE3-B60B-1657D11127BD}"/>
-              </a:ext>
-            </a:extLst>
-          </p:cNvPr>
+            <a:r>
+              <a:rPr lang="zh-TW" altLang="en-US"/>
+              <a:t>按一下圖示以新增圖片</a:t>
+            </a:r>
+            <a:endParaRPr lang="en-US" dirty="0"/>
+          </a:p>
+        </p:txBody>
+      </p:sp>
+      <p:sp>
+        <p:nvSpPr>
+          <p:cNvPr id="4" name="Text Placeholder 3"/>
           <p:cNvSpPr>
             <a:spLocks noGrp="1"/>
           </p:cNvSpPr>
@@ -2587,14 +6526,14 @@
         </p:nvSpPr>
         <p:spPr>
           <a:xfrm>
-            <a:off x="839788" y="2057400"/>
-            <a:ext cx="3932237" cy="3811588"/>
+            <a:off x="913794" y="2632852"/>
+            <a:ext cx="5934949" cy="3158347"/>
           </a:xfrm>
         </p:spPr>
         <p:txBody>
           <a:bodyPr/>
           <a:lstStyle>
-            <a:lvl1pPr marL="0" indent="0">
+            <a:lvl1pPr marL="0" indent="0" algn="ctr">
               <a:buNone/>
               <a:defRPr sz="1600"/>
             </a:lvl1pPr>
@@ -2642,13 +6581,7 @@
       </p:sp>
       <p:sp>
         <p:nvSpPr>
-          <p:cNvPr id="5" name="日期版面配置區 4">
-            <a:extLst>
-              <a:ext uri="{FF2B5EF4-FFF2-40B4-BE49-F238E27FC236}">
-                <a16:creationId xmlns:a16="http://schemas.microsoft.com/office/drawing/2014/main" id="{28875DC5-6AFF-40C0-8C77-F81A0A3E1B0F}"/>
-              </a:ext>
-            </a:extLst>
-          </p:cNvPr>
+          <p:cNvPr id="5" name="Date Placeholder 4"/>
           <p:cNvSpPr>
             <a:spLocks noGrp="1"/>
           </p:cNvSpPr>
@@ -2661,9 +6594,9 @@
           <a:bodyPr/>
           <a:lstStyle/>
           <a:p>
-            <a:fld id="{C3C90D7E-32D6-4894-AE08-7BBB3E610FC9}" type="datetimeFigureOut">
+            <a:fld id="{4B79CABA-914F-43AC-AE68-5F197FBCE171}" type="datetimeFigureOut">
               <a:rPr lang="zh-TW" altLang="en-US" smtClean="0"/>
-              <a:t>2024/9/16</a:t>
+              <a:t>2024/10/20</a:t>
             </a:fld>
             <a:endParaRPr lang="zh-TW" altLang="en-US"/>
           </a:p>
@@ -2671,13 +6604,7 @@
       </p:sp>
       <p:sp>
         <p:nvSpPr>
-          <p:cNvPr id="6" name="頁尾版面配置區 5">
-            <a:extLst>
-              <a:ext uri="{FF2B5EF4-FFF2-40B4-BE49-F238E27FC236}">
-                <a16:creationId xmlns:a16="http://schemas.microsoft.com/office/drawing/2014/main" id="{24F8A973-6D07-4F0C-97A0-280FEFC238E0}"/>
-              </a:ext>
-            </a:extLst>
-          </p:cNvPr>
+          <p:cNvPr id="6" name="Footer Placeholder 5"/>
           <p:cNvSpPr>
             <a:spLocks noGrp="1"/>
           </p:cNvSpPr>
@@ -2696,13 +6623,7 @@
       </p:sp>
       <p:sp>
         <p:nvSpPr>
-          <p:cNvPr id="7" name="投影片編號版面配置區 6">
-            <a:extLst>
-              <a:ext uri="{FF2B5EF4-FFF2-40B4-BE49-F238E27FC236}">
-                <a16:creationId xmlns:a16="http://schemas.microsoft.com/office/drawing/2014/main" id="{DB60BB1E-F41B-40F0-929B-5208374980BF}"/>
-              </a:ext>
-            </a:extLst>
-          </p:cNvPr>
+          <p:cNvPr id="7" name="Slide Number Placeholder 6"/>
           <p:cNvSpPr>
             <a:spLocks noGrp="1"/>
           </p:cNvSpPr>
@@ -2715,7 +6636,7 @@
           <a:bodyPr/>
           <a:lstStyle/>
           <a:p>
-            <a:fld id="{E31EC408-072F-4346-BD0A-D6AA5788A305}" type="slidenum">
+            <a:fld id="{C7B66E1F-E0F2-4CE0-80BB-B0CD885DF2C2}" type="slidenum">
               <a:rPr lang="zh-TW" altLang="en-US" smtClean="0"/>
               <a:t>‹#›</a:t>
             </a:fld>
@@ -2726,7 +6647,7 @@
     </p:spTree>
     <p:extLst>
       <p:ext uri="{BB962C8B-B14F-4D97-AF65-F5344CB8AC3E}">
-        <p14:creationId xmlns:p14="http://schemas.microsoft.com/office/powerpoint/2010/main" val="3148270851"/>
+        <p14:creationId xmlns:p14="http://schemas.microsoft.com/office/powerpoint/2010/main" val="2595100763"/>
       </p:ext>
     </p:extLst>
   </p:cSld>
@@ -2740,7 +6661,7 @@
 <p:sldMaster xmlns:a="http://schemas.openxmlformats.org/drawingml/2006/main" xmlns:r="http://schemas.openxmlformats.org/officeDocument/2006/relationships" xmlns:p="http://schemas.openxmlformats.org/presentationml/2006/main">
   <p:cSld>
     <p:bg>
-      <p:bgRef idx="1001">
+      <p:bgRef idx="1002">
         <a:schemeClr val="bg1"/>
       </p:bgRef>
     </p:bg>
@@ -2758,30 +6679,66 @@
           <a:chExt cx="0" cy="0"/>
         </a:xfrm>
       </p:grpSpPr>
-      <p:sp>
-        <p:nvSpPr>
-          <p:cNvPr id="2" name="標題版面配置區 1">
+      <p:pic>
+        <p:nvPicPr>
+          <p:cNvPr id="1026" name="Picture 2" descr="\\DROBO-FS\QuickDrops\JB\PPTX NG\Droplets\LightingOverlay.png"/>
+          <p:cNvPicPr>
+            <a:picLocks noChangeAspect="1" noChangeArrowheads="1"/>
+          </p:cNvPicPr>
+          <p:nvPr/>
+        </p:nvPicPr>
+        <p:blipFill>
+          <a:blip r:embed="rId19">
+            <a:alphaModFix/>
             <a:extLst>
-              <a:ext uri="{FF2B5EF4-FFF2-40B4-BE49-F238E27FC236}">
-                <a16:creationId xmlns:a16="http://schemas.microsoft.com/office/drawing/2014/main" id="{B8575AAC-624C-4B52-ABD4-699B1E35D2CF}"/>
+              <a:ext uri="{28A0092B-C50C-407E-A947-70E740481C1C}">
+                <a14:useLocalDpi xmlns:a14="http://schemas.microsoft.com/office/drawing/2010/main" val="0"/>
               </a:ext>
             </a:extLst>
-          </p:cNvPr>
-          <p:cNvSpPr>
-            <a:spLocks noGrp="1"/>
-          </p:cNvSpPr>
-          <p:nvPr>
-            <p:ph type="title"/>
-          </p:nvPr>
-        </p:nvSpPr>
-        <p:spPr>
-          <a:xfrm>
-            <a:off x="838200" y="365125"/>
-            <a:ext cx="10515600" cy="1325563"/>
+          </a:blip>
+          <a:srcRect/>
+          <a:stretch>
+            <a:fillRect/>
+          </a:stretch>
+        </p:blipFill>
+        <p:spPr bwMode="auto">
+          <a:xfrm>
+            <a:off x="0" y="-1"/>
+            <a:ext cx="12192003" cy="6858001"/>
           </a:xfrm>
           <a:prstGeom prst="rect">
             <a:avLst/>
           </a:prstGeom>
+          <a:noFill/>
+          <a:extLst>
+            <a:ext uri="{909E8E84-426E-40DD-AFC4-6F175D3DCCD1}">
+              <a14:hiddenFill xmlns:a14="http://schemas.microsoft.com/office/drawing/2010/main">
+                <a:solidFill>
+                  <a:srgbClr val="FFFFFF"/>
+                </a:solidFill>
+              </a14:hiddenFill>
+            </a:ext>
+          </a:extLst>
+        </p:spPr>
+      </p:pic>
+      <p:sp>
+        <p:nvSpPr>
+          <p:cNvPr id="2" name="Title Placeholder 1"/>
+          <p:cNvSpPr>
+            <a:spLocks noGrp="1"/>
+          </p:cNvSpPr>
+          <p:nvPr>
+            <p:ph type="title"/>
+          </p:nvPr>
+        </p:nvSpPr>
+        <p:spPr>
+          <a:xfrm>
+            <a:off x="913775" y="618517"/>
+            <a:ext cx="10364451" cy="1596177"/>
+          </a:xfrm>
+          <a:prstGeom prst="rect">
+            <a:avLst/>
+          </a:prstGeom>
         </p:spPr>
         <p:txBody>
           <a:bodyPr vert="horz" lIns="91440" tIns="45720" rIns="91440" bIns="45720" rtlCol="0" anchor="ctr">
@@ -2793,18 +6750,13 @@
               <a:rPr lang="zh-TW" altLang="en-US"/>
               <a:t>按一下以編輯母片標題樣式</a:t>
             </a:r>
-          </a:p>
-        </p:txBody>
-      </p:sp>
-      <p:sp>
-        <p:nvSpPr>
-          <p:cNvPr id="3" name="文字版面配置區 2">
-            <a:extLst>
-              <a:ext uri="{FF2B5EF4-FFF2-40B4-BE49-F238E27FC236}">
-                <a16:creationId xmlns:a16="http://schemas.microsoft.com/office/drawing/2014/main" id="{76722991-C57D-471F-8271-C419A1CFB074}"/>
-              </a:ext>
-            </a:extLst>
-          </p:cNvPr>
+            <a:endParaRPr lang="en-US" dirty="0"/>
+          </a:p>
+        </p:txBody>
+      </p:sp>
+      <p:sp>
+        <p:nvSpPr>
+          <p:cNvPr id="3" name="Text Placeholder 2"/>
           <p:cNvSpPr>
             <a:spLocks noGrp="1"/>
           </p:cNvSpPr>
@@ -2814,8 +6766,8 @@
         </p:nvSpPr>
         <p:spPr>
           <a:xfrm>
-            <a:off x="838200" y="1825625"/>
-            <a:ext cx="10515600" cy="4351338"/>
+            <a:off x="913775" y="2367093"/>
+            <a:ext cx="10364452" cy="3424107"/>
           </a:xfrm>
           <a:prstGeom prst="rect">
             <a:avLst/>
@@ -2860,18 +6812,13 @@
               <a:rPr lang="zh-TW" altLang="en-US"/>
               <a:t>第五層</a:t>
             </a:r>
-          </a:p>
-        </p:txBody>
-      </p:sp>
-      <p:sp>
-        <p:nvSpPr>
-          <p:cNvPr id="4" name="日期版面配置區 3">
-            <a:extLst>
-              <a:ext uri="{FF2B5EF4-FFF2-40B4-BE49-F238E27FC236}">
-                <a16:creationId xmlns:a16="http://schemas.microsoft.com/office/drawing/2014/main" id="{85C839DD-8CBF-4E23-A0C7-7C039E950BB8}"/>
-              </a:ext>
-            </a:extLst>
-          </p:cNvPr>
+            <a:endParaRPr lang="en-US" dirty="0"/>
+          </a:p>
+        </p:txBody>
+      </p:sp>
+      <p:sp>
+        <p:nvSpPr>
+          <p:cNvPr id="4" name="Date Placeholder 3"/>
           <p:cNvSpPr>
             <a:spLocks noGrp="1"/>
           </p:cNvSpPr>
@@ -2881,7 +6828,7 @@
         </p:nvSpPr>
         <p:spPr>
           <a:xfrm>
-            <a:off x="838200" y="6356350"/>
+            <a:off x="7678737" y="5883275"/>
             <a:ext cx="2743200" cy="365125"/>
           </a:xfrm>
           <a:prstGeom prst="rect">
@@ -2891,20 +6838,18 @@
         <p:txBody>
           <a:bodyPr vert="horz" lIns="91440" tIns="45720" rIns="91440" bIns="45720" rtlCol="0" anchor="ctr"/>
           <a:lstStyle>
-            <a:lvl1pPr algn="l">
-              <a:defRPr sz="1200">
+            <a:lvl1pPr algn="r">
+              <a:defRPr sz="1000">
                 <a:solidFill>
-                  <a:schemeClr val="tx1">
-                    <a:tint val="75000"/>
-                  </a:schemeClr>
+                  <a:schemeClr val="tx1"/>
                 </a:solidFill>
               </a:defRPr>
             </a:lvl1pPr>
           </a:lstStyle>
           <a:p>
-            <a:fld id="{C3C90D7E-32D6-4894-AE08-7BBB3E610FC9}" type="datetimeFigureOut">
+            <a:fld id="{4B79CABA-914F-43AC-AE68-5F197FBCE171}" type="datetimeFigureOut">
               <a:rPr lang="zh-TW" altLang="en-US" smtClean="0"/>
-              <a:t>2024/9/16</a:t>
+              <a:t>2024/10/20</a:t>
             </a:fld>
             <a:endParaRPr lang="zh-TW" altLang="en-US"/>
           </a:p>
@@ -2912,13 +6857,7 @@
       </p:sp>
       <p:sp>
         <p:nvSpPr>
-          <p:cNvPr id="5" name="頁尾版面配置區 4">
-            <a:extLst>
-              <a:ext uri="{FF2B5EF4-FFF2-40B4-BE49-F238E27FC236}">
-                <a16:creationId xmlns:a16="http://schemas.microsoft.com/office/drawing/2014/main" id="{12802D8A-77D4-418C-8190-43B6ADED2131}"/>
-              </a:ext>
-            </a:extLst>
-          </p:cNvPr>
+          <p:cNvPr id="5" name="Footer Placeholder 4"/>
           <p:cNvSpPr>
             <a:spLocks noGrp="1"/>
           </p:cNvSpPr>
@@ -2928,8 +6867,8 @@
         </p:nvSpPr>
         <p:spPr>
           <a:xfrm>
-            <a:off x="4038600" y="6356350"/>
-            <a:ext cx="4114800" cy="365125"/>
+            <a:off x="913774" y="5883275"/>
+            <a:ext cx="6672887" cy="365125"/>
           </a:xfrm>
           <a:prstGeom prst="rect">
             <a:avLst/>
@@ -2938,12 +6877,10 @@
         <p:txBody>
           <a:bodyPr vert="horz" lIns="91440" tIns="45720" rIns="91440" bIns="45720" rtlCol="0" anchor="ctr"/>
           <a:lstStyle>
-            <a:lvl1pPr algn="ctr">
-              <a:defRPr sz="1200">
+            <a:lvl1pPr algn="l">
+              <a:defRPr sz="1000">
                 <a:solidFill>
-                  <a:schemeClr val="tx1">
-                    <a:tint val="75000"/>
-                  </a:schemeClr>
+                  <a:schemeClr val="tx1"/>
                 </a:solidFill>
               </a:defRPr>
             </a:lvl1pPr>
@@ -2955,13 +6892,7 @@
       </p:sp>
       <p:sp>
         <p:nvSpPr>
-          <p:cNvPr id="6" name="投影片編號版面配置區 5">
-            <a:extLst>
-              <a:ext uri="{FF2B5EF4-FFF2-40B4-BE49-F238E27FC236}">
-                <a16:creationId xmlns:a16="http://schemas.microsoft.com/office/drawing/2014/main" id="{7072B55E-2BE2-4AF4-AFF8-2A716F492F1C}"/>
-              </a:ext>
-            </a:extLst>
-          </p:cNvPr>
+          <p:cNvPr id="6" name="Slide Number Placeholder 5"/>
           <p:cNvSpPr>
             <a:spLocks noGrp="1"/>
           </p:cNvSpPr>
@@ -2971,8 +6902,8 @@
         </p:nvSpPr>
         <p:spPr>
           <a:xfrm>
-            <a:off x="8610600" y="6356350"/>
-            <a:ext cx="2743200" cy="365125"/>
+            <a:off x="10514011" y="5883275"/>
+            <a:ext cx="764215" cy="365125"/>
           </a:xfrm>
           <a:prstGeom prst="rect">
             <a:avLst/>
@@ -2982,17 +6913,15 @@
           <a:bodyPr vert="horz" lIns="91440" tIns="45720" rIns="91440" bIns="45720" rtlCol="0" anchor="ctr"/>
           <a:lstStyle>
             <a:lvl1pPr algn="r">
-              <a:defRPr sz="1200">
+              <a:defRPr sz="1000">
                 <a:solidFill>
-                  <a:schemeClr val="tx1">
-                    <a:tint val="75000"/>
-                  </a:schemeClr>
+                  <a:schemeClr val="tx1"/>
                 </a:solidFill>
               </a:defRPr>
             </a:lvl1pPr>
           </a:lstStyle>
           <a:p>
-            <a:fld id="{E31EC408-072F-4346-BD0A-D6AA5788A305}" type="slidenum">
+            <a:fld id="{C7B66E1F-E0F2-4CE0-80BB-B0CD885DF2C2}" type="slidenum">
               <a:rPr lang="zh-TW" altLang="en-US" smtClean="0"/>
               <a:t>‹#›</a:t>
             </a:fld>
@@ -3003,27 +6932,33 @@
     </p:spTree>
     <p:extLst>
       <p:ext uri="{BB962C8B-B14F-4D97-AF65-F5344CB8AC3E}">
-        <p14:creationId xmlns:p14="http://schemas.microsoft.com/office/powerpoint/2010/main" val="2016052060"/>
+        <p14:creationId xmlns:p14="http://schemas.microsoft.com/office/powerpoint/2010/main" val="1737561219"/>
       </p:ext>
     </p:extLst>
   </p:cSld>
   <p:clrMap bg1="lt1" tx1="dk1" bg2="lt2" tx2="dk2" accent1="accent1" accent2="accent2" accent3="accent3" accent4="accent4" accent5="accent5" accent6="accent6" hlink="hlink" folHlink="folHlink"/>
   <p:sldLayoutIdLst>
-    <p:sldLayoutId id="2147483649" r:id="rId1"/>
-    <p:sldLayoutId id="2147483650" r:id="rId2"/>
-    <p:sldLayoutId id="2147483651" r:id="rId3"/>
-    <p:sldLayoutId id="2147483652" r:id="rId4"/>
-    <p:sldLayoutId id="2147483653" r:id="rId5"/>
-    <p:sldLayoutId id="2147483654" r:id="rId6"/>
-    <p:sldLayoutId id="2147483655" r:id="rId7"/>
-    <p:sldLayoutId id="2147483656" r:id="rId8"/>
-    <p:sldLayoutId id="2147483657" r:id="rId9"/>
-    <p:sldLayoutId id="2147483658" r:id="rId10"/>
-    <p:sldLayoutId id="2147483659" r:id="rId11"/>
+    <p:sldLayoutId id="2147483673" r:id="rId1"/>
+    <p:sldLayoutId id="2147483674" r:id="rId2"/>
+    <p:sldLayoutId id="2147483675" r:id="rId3"/>
+    <p:sldLayoutId id="2147483676" r:id="rId4"/>
+    <p:sldLayoutId id="2147483677" r:id="rId5"/>
+    <p:sldLayoutId id="2147483678" r:id="rId6"/>
+    <p:sldLayoutId id="2147483679" r:id="rId7"/>
+    <p:sldLayoutId id="2147483680" r:id="rId8"/>
+    <p:sldLayoutId id="2147483681" r:id="rId9"/>
+    <p:sldLayoutId id="2147483682" r:id="rId10"/>
+    <p:sldLayoutId id="2147483683" r:id="rId11"/>
+    <p:sldLayoutId id="2147483684" r:id="rId12"/>
+    <p:sldLayoutId id="2147483685" r:id="rId13"/>
+    <p:sldLayoutId id="2147483686" r:id="rId14"/>
+    <p:sldLayoutId id="2147483687" r:id="rId15"/>
+    <p:sldLayoutId id="2147483688" r:id="rId16"/>
+    <p:sldLayoutId id="2147483689" r:id="rId17"/>
   </p:sldLayoutIdLst>
   <p:txStyles>
     <p:titleStyle>
-      <a:lvl1pPr algn="l" defTabSz="914400" rtl="0" eaLnBrk="1" latinLnBrk="0" hangingPunct="1">
+      <a:lvl1pPr algn="ctr" defTabSz="914400" rtl="0" eaLnBrk="1" latinLnBrk="0" hangingPunct="1">
         <a:lnSpc>
           <a:spcPct val="90000"/>
         </a:lnSpc>
@@ -3031,10 +6966,11 @@
           <a:spcPct val="0"/>
         </a:spcBef>
         <a:buNone/>
-        <a:defRPr sz="4400" kern="1200">
+        <a:defRPr sz="3600" kern="1200" cap="all" baseline="0">
           <a:solidFill>
             <a:schemeClr val="tx1"/>
           </a:solidFill>
+          <a:effectLst/>
           <a:latin typeface="+mj-lt"/>
           <a:ea typeface="+mj-ea"/>
           <a:cs typeface="+mj-cs"/>
@@ -3044,17 +6980,21 @@
     <p:bodyStyle>
       <a:lvl1pPr marL="228600" indent="-228600" algn="l" defTabSz="914400" rtl="0" eaLnBrk="1" latinLnBrk="0" hangingPunct="1">
         <a:lnSpc>
-          <a:spcPct val="90000"/>
+          <a:spcPct val="120000"/>
         </a:lnSpc>
         <a:spcBef>
           <a:spcPts val="1000"/>
         </a:spcBef>
+        <a:buClr>
+          <a:schemeClr val="tx1"/>
+        </a:buClr>
         <a:buFont typeface="Arial" panose="020B0604020202020204" pitchFamily="34" charset="0"/>
         <a:buChar char="•"/>
-        <a:defRPr sz="2800" kern="1200">
+        <a:defRPr sz="2000" kern="1200" cap="all" baseline="0">
           <a:solidFill>
             <a:schemeClr val="tx1"/>
           </a:solidFill>
+          <a:effectLst/>
           <a:latin typeface="+mn-lt"/>
           <a:ea typeface="+mn-ea"/>
           <a:cs typeface="+mn-cs"/>
@@ -3062,17 +7002,21 @@
       </a:lvl1pPr>
       <a:lvl2pPr marL="685800" indent="-228600" algn="l" defTabSz="914400" rtl="0" eaLnBrk="1" latinLnBrk="0" hangingPunct="1">
         <a:lnSpc>
-          <a:spcPct val="90000"/>
+          <a:spcPct val="120000"/>
         </a:lnSpc>
         <a:spcBef>
           <a:spcPts val="500"/>
         </a:spcBef>
+        <a:buClr>
+          <a:schemeClr val="tx1"/>
+        </a:buClr>
         <a:buFont typeface="Arial" panose="020B0604020202020204" pitchFamily="34" charset="0"/>
         <a:buChar char="•"/>
-        <a:defRPr sz="2400" kern="1200">
+        <a:defRPr sz="1800" kern="1200" cap="all" baseline="0">
           <a:solidFill>
             <a:schemeClr val="tx1"/>
           </a:solidFill>
+          <a:effectLst/>
           <a:latin typeface="+mn-lt"/>
           <a:ea typeface="+mn-ea"/>
           <a:cs typeface="+mn-cs"/>
@@ -3080,17 +7024,21 @@
       </a:lvl2pPr>
       <a:lvl3pPr marL="1143000" indent="-228600" algn="l" defTabSz="914400" rtl="0" eaLnBrk="1" latinLnBrk="0" hangingPunct="1">
         <a:lnSpc>
-          <a:spcPct val="90000"/>
+          <a:spcPct val="120000"/>
         </a:lnSpc>
         <a:spcBef>
           <a:spcPts val="500"/>
         </a:spcBef>
+        <a:buClr>
+          <a:schemeClr val="tx1"/>
+        </a:buClr>
         <a:buFont typeface="Arial" panose="020B0604020202020204" pitchFamily="34" charset="0"/>
         <a:buChar char="•"/>
-        <a:defRPr sz="2000" kern="1200">
+        <a:defRPr sz="1600" kern="1200" cap="all" baseline="0">
           <a:solidFill>
             <a:schemeClr val="tx1"/>
           </a:solidFill>
+          <a:effectLst/>
           <a:latin typeface="+mn-lt"/>
           <a:ea typeface="+mn-ea"/>
           <a:cs typeface="+mn-cs"/>
@@ -3098,17 +7046,21 @@
       </a:lvl3pPr>
       <a:lvl4pPr marL="1600200" indent="-228600" algn="l" defTabSz="914400" rtl="0" eaLnBrk="1" latinLnBrk="0" hangingPunct="1">
         <a:lnSpc>
-          <a:spcPct val="90000"/>
+          <a:spcPct val="120000"/>
         </a:lnSpc>
         <a:spcBef>
           <a:spcPts val="500"/>
         </a:spcBef>
+        <a:buClr>
+          <a:schemeClr val="tx1"/>
+        </a:buClr>
         <a:buFont typeface="Arial" panose="020B0604020202020204" pitchFamily="34" charset="0"/>
         <a:buChar char="•"/>
-        <a:defRPr sz="1800" kern="1200">
+        <a:defRPr sz="1400" kern="1200" cap="all" baseline="0">
           <a:solidFill>
             <a:schemeClr val="tx1"/>
           </a:solidFill>
+          <a:effectLst/>
           <a:latin typeface="+mn-lt"/>
           <a:ea typeface="+mn-ea"/>
           <a:cs typeface="+mn-cs"/>
@@ -3116,17 +7068,21 @@
       </a:lvl4pPr>
       <a:lvl5pPr marL="2057400" indent="-228600" algn="l" defTabSz="914400" rtl="0" eaLnBrk="1" latinLnBrk="0" hangingPunct="1">
         <a:lnSpc>
-          <a:spcPct val="90000"/>
+          <a:spcPct val="120000"/>
         </a:lnSpc>
         <a:spcBef>
           <a:spcPts val="500"/>
         </a:spcBef>
+        <a:buClr>
+          <a:schemeClr val="tx1"/>
+        </a:buClr>
         <a:buFont typeface="Arial" panose="020B0604020202020204" pitchFamily="34" charset="0"/>
         <a:buChar char="•"/>
-        <a:defRPr sz="1800" kern="1200">
+        <a:defRPr sz="1400" kern="1200" cap="all" baseline="0">
           <a:solidFill>
             <a:schemeClr val="tx1"/>
           </a:solidFill>
+          <a:effectLst/>
           <a:latin typeface="+mn-lt"/>
           <a:ea typeface="+mn-ea"/>
           <a:cs typeface="+mn-cs"/>
@@ -3134,17 +7090,21 @@
       </a:lvl5pPr>
       <a:lvl6pPr marL="2514600" indent="-228600" algn="l" defTabSz="914400" rtl="0" eaLnBrk="1" latinLnBrk="0" hangingPunct="1">
         <a:lnSpc>
-          <a:spcPct val="90000"/>
+          <a:spcPct val="120000"/>
         </a:lnSpc>
         <a:spcBef>
           <a:spcPts val="500"/>
         </a:spcBef>
+        <a:buClr>
+          <a:schemeClr val="tx1"/>
+        </a:buClr>
         <a:buFont typeface="Arial" panose="020B0604020202020204" pitchFamily="34" charset="0"/>
         <a:buChar char="•"/>
-        <a:defRPr sz="1800" kern="1200">
+        <a:defRPr sz="1400" kern="1200" cap="all" baseline="0">
           <a:solidFill>
             <a:schemeClr val="tx1"/>
           </a:solidFill>
+          <a:effectLst/>
           <a:latin typeface="+mn-lt"/>
           <a:ea typeface="+mn-ea"/>
           <a:cs typeface="+mn-cs"/>
@@ -3152,17 +7112,21 @@
       </a:lvl6pPr>
       <a:lvl7pPr marL="2971800" indent="-228600" algn="l" defTabSz="914400" rtl="0" eaLnBrk="1" latinLnBrk="0" hangingPunct="1">
         <a:lnSpc>
-          <a:spcPct val="90000"/>
+          <a:spcPct val="120000"/>
         </a:lnSpc>
         <a:spcBef>
           <a:spcPts val="500"/>
         </a:spcBef>
+        <a:buClr>
+          <a:schemeClr val="tx1"/>
+        </a:buClr>
         <a:buFont typeface="Arial" panose="020B0604020202020204" pitchFamily="34" charset="0"/>
         <a:buChar char="•"/>
-        <a:defRPr sz="1800" kern="1200">
+        <a:defRPr sz="1400" kern="1200" cap="all" baseline="0">
           <a:solidFill>
             <a:schemeClr val="tx1"/>
           </a:solidFill>
+          <a:effectLst/>
           <a:latin typeface="+mn-lt"/>
           <a:ea typeface="+mn-ea"/>
           <a:cs typeface="+mn-cs"/>
@@ -3170,17 +7134,21 @@
       </a:lvl7pPr>
       <a:lvl8pPr marL="3429000" indent="-228600" algn="l" defTabSz="914400" rtl="0" eaLnBrk="1" latinLnBrk="0" hangingPunct="1">
         <a:lnSpc>
-          <a:spcPct val="90000"/>
+          <a:spcPct val="120000"/>
         </a:lnSpc>
         <a:spcBef>
           <a:spcPts val="500"/>
         </a:spcBef>
+        <a:buClr>
+          <a:schemeClr val="tx1"/>
+        </a:buClr>
         <a:buFont typeface="Arial" panose="020B0604020202020204" pitchFamily="34" charset="0"/>
         <a:buChar char="•"/>
-        <a:defRPr sz="1800" kern="1200">
+        <a:defRPr sz="1400" kern="1200" cap="all" baseline="0">
           <a:solidFill>
             <a:schemeClr val="tx1"/>
           </a:solidFill>
+          <a:effectLst/>
           <a:latin typeface="+mn-lt"/>
           <a:ea typeface="+mn-ea"/>
           <a:cs typeface="+mn-cs"/>
@@ -3188,17 +7156,21 @@
       </a:lvl8pPr>
       <a:lvl9pPr marL="3886200" indent="-228600" algn="l" defTabSz="914400" rtl="0" eaLnBrk="1" latinLnBrk="0" hangingPunct="1">
         <a:lnSpc>
-          <a:spcPct val="90000"/>
+          <a:spcPct val="120000"/>
         </a:lnSpc>
         <a:spcBef>
           <a:spcPts val="500"/>
         </a:spcBef>
+        <a:buClr>
+          <a:schemeClr val="tx1"/>
+        </a:buClr>
         <a:buFont typeface="Arial" panose="020B0604020202020204" pitchFamily="34" charset="0"/>
         <a:buChar char="•"/>
-        <a:defRPr sz="1800" kern="1200">
+        <a:defRPr sz="1400" kern="1200" cap="all" baseline="0">
           <a:solidFill>
             <a:schemeClr val="tx1"/>
           </a:solidFill>
+          <a:effectLst/>
           <a:latin typeface="+mn-lt"/>
           <a:ea typeface="+mn-ea"/>
           <a:cs typeface="+mn-cs"/>
@@ -3207,7 +7179,7 @@
     </p:bodyStyle>
     <p:otherStyle>
       <a:defPPr>
-        <a:defRPr lang="zh-TW"/>
+        <a:defRPr lang="en-US"/>
       </a:defPPr>
       <a:lvl1pPr marL="0" algn="l" defTabSz="914400" rtl="0" eaLnBrk="1" latinLnBrk="0" hangingPunct="1">
         <a:defRPr sz="1800" kern="1200">
@@ -3301,6 +7273,11 @@
       </a:lvl9pPr>
     </p:otherStyle>
   </p:txStyles>
+  <p:extLst>
+    <p:ext uri="{27BBF7A9-308A-43DC-89C8-2F10F3537804}">
+      <p15:sldGuideLst xmlns:p15="http://schemas.microsoft.com/office/powerpoint/2012/main"/>
+    </p:ext>
+  </p:extLst>
 </p:sldMaster>
 </file>
 
@@ -3323,10 +7300,111 @@
       </p:grpSpPr>
       <p:sp>
         <p:nvSpPr>
+          <p:cNvPr id="8" name="文字方塊 7">
+            <a:extLst>
+              <a:ext uri="{FF2B5EF4-FFF2-40B4-BE49-F238E27FC236}">
+                <a16:creationId xmlns:a16="http://schemas.microsoft.com/office/drawing/2014/main" id="{71D04F42-BD22-426C-8579-10DB66D2A64F}"/>
+              </a:ext>
+            </a:extLst>
+          </p:cNvPr>
+          <p:cNvSpPr txBox="1"/>
+          <p:nvPr/>
+        </p:nvSpPr>
+        <p:spPr>
+          <a:xfrm>
+            <a:off x="868155" y="1341045"/>
+            <a:ext cx="4881004" cy="1754326"/>
+          </a:xfrm>
+          <a:prstGeom prst="rect">
+            <a:avLst/>
+          </a:prstGeom>
+          <a:noFill/>
+        </p:spPr>
+        <p:txBody>
+          <a:bodyPr wrap="square" rtlCol="0">
+            <a:spAutoFit/>
+          </a:bodyPr>
+          <a:lstStyle/>
+          <a:p>
+            <a:pPr algn="ctr"/>
+            <a:r>
+              <a:rPr lang="zh-TW" altLang="en-US" sz="5400" dirty="0">
+                <a:latin typeface="+mj-ea"/>
+                <a:ea typeface="+mj-ea"/>
+              </a:rPr>
+              <a:t>自我介紹</a:t>
+            </a:r>
+            <a:endParaRPr lang="en-US" altLang="zh-TW" sz="5400" dirty="0">
+              <a:latin typeface="+mj-ea"/>
+              <a:ea typeface="+mj-ea"/>
+            </a:endParaRPr>
+          </a:p>
+          <a:p>
+            <a:pPr algn="ctr"/>
+            <a:r>
+              <a:rPr lang="en-US" altLang="zh-TW" sz="5400" dirty="0">
+                <a:latin typeface="+mj-ea"/>
+                <a:ea typeface="+mj-ea"/>
+              </a:rPr>
+              <a:t>(</a:t>
+            </a:r>
+            <a:r>
+              <a:rPr lang="en-US" altLang="zh-TW" sz="5400" dirty="0" err="1">
+                <a:latin typeface="+mj-ea"/>
+                <a:ea typeface="+mj-ea"/>
+              </a:rPr>
+              <a:t>niziima</a:t>
+            </a:r>
+            <a:r>
+              <a:rPr lang="en-US" altLang="zh-TW" sz="5400" dirty="0">
+                <a:latin typeface="+mj-ea"/>
+                <a:ea typeface="+mj-ea"/>
+              </a:rPr>
+              <a:t> Live)</a:t>
+            </a:r>
+            <a:endParaRPr lang="zh-TW" altLang="en-US" sz="5400" dirty="0">
+              <a:latin typeface="+mj-ea"/>
+              <a:ea typeface="+mj-ea"/>
+            </a:endParaRPr>
+          </a:p>
+        </p:txBody>
+      </p:sp>
+    </p:spTree>
+    <p:extLst>
+      <p:ext uri="{BB962C8B-B14F-4D97-AF65-F5344CB8AC3E}">
+        <p14:creationId xmlns:p14="http://schemas.microsoft.com/office/powerpoint/2010/main" val="2011810730"/>
+      </p:ext>
+    </p:extLst>
+  </p:cSld>
+  <p:clrMapOvr>
+    <a:masterClrMapping/>
+  </p:clrMapOvr>
+</p:sld>
+</file>
+
+<file path=ppt/slides/slide2.xml><?xml version="1.0" encoding="utf-8"?>
+<p:sld xmlns:a="http://schemas.openxmlformats.org/drawingml/2006/main" xmlns:r="http://schemas.openxmlformats.org/officeDocument/2006/relationships" xmlns:p="http://schemas.openxmlformats.org/presentationml/2006/main">
+  <p:cSld>
+    <p:spTree>
+      <p:nvGrpSpPr>
+        <p:cNvPr id="1" name=""/>
+        <p:cNvGrpSpPr/>
+        <p:nvPr/>
+      </p:nvGrpSpPr>
+      <p:grpSpPr>
+        <a:xfrm>
+          <a:off x="0" y="0"/>
+          <a:ext cx="0" cy="0"/>
+          <a:chOff x="0" y="0"/>
+          <a:chExt cx="0" cy="0"/>
+        </a:xfrm>
+      </p:grpSpPr>
+      <p:sp>
+        <p:nvSpPr>
           <p:cNvPr id="2" name="標題 1">
             <a:extLst>
               <a:ext uri="{FF2B5EF4-FFF2-40B4-BE49-F238E27FC236}">
-                <a16:creationId xmlns:a16="http://schemas.microsoft.com/office/drawing/2014/main" id="{32532283-9F93-4E44-8138-32796965361F}"/>
+                <a16:creationId xmlns:a16="http://schemas.microsoft.com/office/drawing/2014/main" id="{05A4A35E-9D68-46CB-A01A-CCF314E7F4BA}"/>
               </a:ext>
             </a:extLst>
           </p:cNvPr>
@@ -3334,7 +7412,7 @@
             <a:spLocks noGrp="1"/>
           </p:cNvSpPr>
           <p:nvPr>
-            <p:ph type="ctrTitle"/>
+            <p:ph type="title"/>
           </p:nvPr>
         </p:nvSpPr>
         <p:spPr/>
@@ -3342,39 +7420,652 @@
           <a:bodyPr/>
           <a:lstStyle/>
           <a:p>
-            <a:endParaRPr lang="zh-TW" altLang="en-US"/>
-          </a:p>
-        </p:txBody>
-      </p:sp>
-      <p:sp>
-        <p:nvSpPr>
-          <p:cNvPr id="3" name="副標題 2">
+            <a:pPr algn="l"/>
+            <a:r>
+              <a:rPr lang="en-US" altLang="zh-TW" dirty="0"/>
+              <a:t>1. </a:t>
+            </a:r>
+            <a:r>
+              <a:rPr lang="zh-TW" altLang="en-US" dirty="0"/>
+              <a:t>目標</a:t>
+            </a:r>
+          </a:p>
+        </p:txBody>
+      </p:sp>
+      <p:pic>
+        <p:nvPicPr>
+          <p:cNvPr id="4" name="圖片 3">
             <a:extLst>
               <a:ext uri="{FF2B5EF4-FFF2-40B4-BE49-F238E27FC236}">
-                <a16:creationId xmlns:a16="http://schemas.microsoft.com/office/drawing/2014/main" id="{8C946F38-524D-4B98-B9CB-80AEE57E455A}"/>
+                <a16:creationId xmlns:a16="http://schemas.microsoft.com/office/drawing/2014/main" id="{0C84546A-9D7E-4F6D-94AC-96F8E88C3063}"/>
               </a:ext>
             </a:extLst>
           </p:cNvPr>
-          <p:cNvSpPr>
-            <a:spLocks noGrp="1"/>
-          </p:cNvSpPr>
-          <p:nvPr>
-            <p:ph type="subTitle" idx="1"/>
-          </p:nvPr>
-        </p:nvSpPr>
-        <p:spPr/>
-        <p:txBody>
-          <a:bodyPr/>
-          <a:lstStyle/>
-          <a:p>
-            <a:endParaRPr lang="zh-TW" altLang="en-US"/>
-          </a:p>
-        </p:txBody>
-      </p:sp>
+          <p:cNvPicPr>
+            <a:picLocks noChangeAspect="1"/>
+          </p:cNvPicPr>
+          <p:nvPr/>
+        </p:nvPicPr>
+        <p:blipFill>
+          <a:blip r:embed="rId3">
+            <a:extLst>
+              <a:ext uri="{28A0092B-C50C-407E-A947-70E740481C1C}">
+                <a14:useLocalDpi xmlns:a14="http://schemas.microsoft.com/office/drawing/2010/main" val="0"/>
+              </a:ext>
+            </a:extLst>
+          </a:blip>
+          <a:stretch>
+            <a:fillRect/>
+          </a:stretch>
+        </p:blipFill>
+        <p:spPr>
+          <a:xfrm>
+            <a:off x="1064910" y="1665694"/>
+            <a:ext cx="4912696" cy="4912696"/>
+          </a:xfrm>
+          <a:prstGeom prst="rect">
+            <a:avLst/>
+          </a:prstGeom>
+        </p:spPr>
+      </p:pic>
     </p:spTree>
     <p:extLst>
       <p:ext uri="{BB962C8B-B14F-4D97-AF65-F5344CB8AC3E}">
-        <p14:creationId xmlns:p14="http://schemas.microsoft.com/office/powerpoint/2010/main" val="1328321055"/>
+        <p14:creationId xmlns:p14="http://schemas.microsoft.com/office/powerpoint/2010/main" val="3635743979"/>
+      </p:ext>
+    </p:extLst>
+  </p:cSld>
+  <p:clrMapOvr>
+    <a:masterClrMapping/>
+  </p:clrMapOvr>
+</p:sld>
+</file>
+
+<file path=ppt/slides/slide3.xml><?xml version="1.0" encoding="utf-8"?>
+<p:sld xmlns:a="http://schemas.openxmlformats.org/drawingml/2006/main" xmlns:r="http://schemas.openxmlformats.org/officeDocument/2006/relationships" xmlns:p="http://schemas.openxmlformats.org/presentationml/2006/main">
+  <p:cSld>
+    <p:spTree>
+      <p:nvGrpSpPr>
+        <p:cNvPr id="1" name=""/>
+        <p:cNvGrpSpPr/>
+        <p:nvPr/>
+      </p:nvGrpSpPr>
+      <p:grpSpPr>
+        <a:xfrm>
+          <a:off x="0" y="0"/>
+          <a:ext cx="0" cy="0"/>
+          <a:chOff x="0" y="0"/>
+          <a:chExt cx="0" cy="0"/>
+        </a:xfrm>
+      </p:grpSpPr>
+      <p:sp>
+        <p:nvSpPr>
+          <p:cNvPr id="2" name="標題 1">
+            <a:extLst>
+              <a:ext uri="{FF2B5EF4-FFF2-40B4-BE49-F238E27FC236}">
+                <a16:creationId xmlns:a16="http://schemas.microsoft.com/office/drawing/2014/main" id="{05A4A35E-9D68-46CB-A01A-CCF314E7F4BA}"/>
+              </a:ext>
+            </a:extLst>
+          </p:cNvPr>
+          <p:cNvSpPr>
+            <a:spLocks noGrp="1"/>
+          </p:cNvSpPr>
+          <p:nvPr>
+            <p:ph type="title"/>
+          </p:nvPr>
+        </p:nvSpPr>
+        <p:spPr/>
+        <p:txBody>
+          <a:bodyPr/>
+          <a:lstStyle/>
+          <a:p>
+            <a:pPr algn="l"/>
+            <a:r>
+              <a:rPr lang="en-US" altLang="zh-TW" dirty="0"/>
+              <a:t>2. </a:t>
+            </a:r>
+            <a:r>
+              <a:rPr lang="zh-TW" altLang="en-US" dirty="0"/>
+              <a:t>阻礙</a:t>
+            </a:r>
+          </a:p>
+        </p:txBody>
+      </p:sp>
+      <p:pic>
+        <p:nvPicPr>
+          <p:cNvPr id="4" name="圖片 3">
+            <a:extLst>
+              <a:ext uri="{FF2B5EF4-FFF2-40B4-BE49-F238E27FC236}">
+                <a16:creationId xmlns:a16="http://schemas.microsoft.com/office/drawing/2014/main" id="{A180482E-EDF6-4BAD-A002-A113CD9D6F32}"/>
+              </a:ext>
+            </a:extLst>
+          </p:cNvPr>
+          <p:cNvPicPr>
+            <a:picLocks noChangeAspect="1"/>
+          </p:cNvPicPr>
+          <p:nvPr/>
+        </p:nvPicPr>
+        <p:blipFill>
+          <a:blip r:embed="rId3">
+            <a:extLst>
+              <a:ext uri="{28A0092B-C50C-407E-A947-70E740481C1C}">
+                <a14:useLocalDpi xmlns:a14="http://schemas.microsoft.com/office/drawing/2010/main" val="0"/>
+              </a:ext>
+            </a:extLst>
+          </a:blip>
+          <a:stretch>
+            <a:fillRect/>
+          </a:stretch>
+        </p:blipFill>
+        <p:spPr>
+          <a:xfrm>
+            <a:off x="994379" y="1673251"/>
+            <a:ext cx="5101621" cy="5101621"/>
+          </a:xfrm>
+          <a:prstGeom prst="rect">
+            <a:avLst/>
+          </a:prstGeom>
+        </p:spPr>
+      </p:pic>
+    </p:spTree>
+    <p:extLst>
+      <p:ext uri="{BB962C8B-B14F-4D97-AF65-F5344CB8AC3E}">
+        <p14:creationId xmlns:p14="http://schemas.microsoft.com/office/powerpoint/2010/main" val="3718407560"/>
+      </p:ext>
+    </p:extLst>
+  </p:cSld>
+  <p:clrMapOvr>
+    <a:masterClrMapping/>
+  </p:clrMapOvr>
+</p:sld>
+</file>
+
+<file path=ppt/slides/slide4.xml><?xml version="1.0" encoding="utf-8"?>
+<p:sld xmlns:a="http://schemas.openxmlformats.org/drawingml/2006/main" xmlns:r="http://schemas.openxmlformats.org/officeDocument/2006/relationships" xmlns:p="http://schemas.openxmlformats.org/presentationml/2006/main">
+  <p:cSld>
+    <p:spTree>
+      <p:nvGrpSpPr>
+        <p:cNvPr id="1" name=""/>
+        <p:cNvGrpSpPr/>
+        <p:nvPr/>
+      </p:nvGrpSpPr>
+      <p:grpSpPr>
+        <a:xfrm>
+          <a:off x="0" y="0"/>
+          <a:ext cx="0" cy="0"/>
+          <a:chOff x="0" y="0"/>
+          <a:chExt cx="0" cy="0"/>
+        </a:xfrm>
+      </p:grpSpPr>
+      <p:sp>
+        <p:nvSpPr>
+          <p:cNvPr id="2" name="標題 1">
+            <a:extLst>
+              <a:ext uri="{FF2B5EF4-FFF2-40B4-BE49-F238E27FC236}">
+                <a16:creationId xmlns:a16="http://schemas.microsoft.com/office/drawing/2014/main" id="{05A4A35E-9D68-46CB-A01A-CCF314E7F4BA}"/>
+              </a:ext>
+            </a:extLst>
+          </p:cNvPr>
+          <p:cNvSpPr>
+            <a:spLocks noGrp="1"/>
+          </p:cNvSpPr>
+          <p:nvPr>
+            <p:ph type="title"/>
+          </p:nvPr>
+        </p:nvSpPr>
+        <p:spPr/>
+        <p:txBody>
+          <a:bodyPr/>
+          <a:lstStyle/>
+          <a:p>
+            <a:pPr algn="l"/>
+            <a:r>
+              <a:rPr lang="en-US" altLang="zh-TW" dirty="0"/>
+              <a:t>3. </a:t>
+            </a:r>
+            <a:r>
+              <a:rPr lang="zh-TW" altLang="en-US" dirty="0"/>
+              <a:t>努力</a:t>
+            </a:r>
+          </a:p>
+        </p:txBody>
+      </p:sp>
+      <p:pic>
+        <p:nvPicPr>
+          <p:cNvPr id="4" name="圖片 3">
+            <a:extLst>
+              <a:ext uri="{FF2B5EF4-FFF2-40B4-BE49-F238E27FC236}">
+                <a16:creationId xmlns:a16="http://schemas.microsoft.com/office/drawing/2014/main" id="{917E0CD4-52F6-4242-B08F-B6C400801E1F}"/>
+              </a:ext>
+            </a:extLst>
+          </p:cNvPr>
+          <p:cNvPicPr>
+            <a:picLocks noChangeAspect="1"/>
+          </p:cNvPicPr>
+          <p:nvPr/>
+        </p:nvPicPr>
+        <p:blipFill>
+          <a:blip r:embed="rId3">
+            <a:extLst>
+              <a:ext uri="{28A0092B-C50C-407E-A947-70E740481C1C}">
+                <a14:useLocalDpi xmlns:a14="http://schemas.microsoft.com/office/drawing/2010/main" val="0"/>
+              </a:ext>
+            </a:extLst>
+          </a:blip>
+          <a:stretch>
+            <a:fillRect/>
+          </a:stretch>
+        </p:blipFill>
+        <p:spPr>
+          <a:xfrm>
+            <a:off x="1021458" y="1677660"/>
+            <a:ext cx="5074542" cy="5074542"/>
+          </a:xfrm>
+          <a:prstGeom prst="rect">
+            <a:avLst/>
+          </a:prstGeom>
+        </p:spPr>
+      </p:pic>
+    </p:spTree>
+    <p:extLst>
+      <p:ext uri="{BB962C8B-B14F-4D97-AF65-F5344CB8AC3E}">
+        <p14:creationId xmlns:p14="http://schemas.microsoft.com/office/powerpoint/2010/main" val="638540652"/>
+      </p:ext>
+    </p:extLst>
+  </p:cSld>
+  <p:clrMapOvr>
+    <a:masterClrMapping/>
+  </p:clrMapOvr>
+</p:sld>
+</file>
+
+<file path=ppt/slides/slide5.xml><?xml version="1.0" encoding="utf-8"?>
+<p:sld xmlns:a="http://schemas.openxmlformats.org/drawingml/2006/main" xmlns:r="http://schemas.openxmlformats.org/officeDocument/2006/relationships" xmlns:p="http://schemas.openxmlformats.org/presentationml/2006/main">
+  <p:cSld>
+    <p:spTree>
+      <p:nvGrpSpPr>
+        <p:cNvPr id="1" name=""/>
+        <p:cNvGrpSpPr/>
+        <p:nvPr/>
+      </p:nvGrpSpPr>
+      <p:grpSpPr>
+        <a:xfrm>
+          <a:off x="0" y="0"/>
+          <a:ext cx="0" cy="0"/>
+          <a:chOff x="0" y="0"/>
+          <a:chExt cx="0" cy="0"/>
+        </a:xfrm>
+      </p:grpSpPr>
+      <p:sp>
+        <p:nvSpPr>
+          <p:cNvPr id="2" name="標題 1">
+            <a:extLst>
+              <a:ext uri="{FF2B5EF4-FFF2-40B4-BE49-F238E27FC236}">
+                <a16:creationId xmlns:a16="http://schemas.microsoft.com/office/drawing/2014/main" id="{05A4A35E-9D68-46CB-A01A-CCF314E7F4BA}"/>
+              </a:ext>
+            </a:extLst>
+          </p:cNvPr>
+          <p:cNvSpPr>
+            <a:spLocks noGrp="1"/>
+          </p:cNvSpPr>
+          <p:nvPr>
+            <p:ph type="title"/>
+          </p:nvPr>
+        </p:nvSpPr>
+        <p:spPr/>
+        <p:txBody>
+          <a:bodyPr/>
+          <a:lstStyle/>
+          <a:p>
+            <a:pPr algn="l"/>
+            <a:r>
+              <a:rPr lang="en-US" altLang="zh-TW" dirty="0"/>
+              <a:t>4. </a:t>
+            </a:r>
+            <a:r>
+              <a:rPr lang="zh-TW" altLang="en-US" dirty="0"/>
+              <a:t>結果</a:t>
+            </a:r>
+          </a:p>
+        </p:txBody>
+      </p:sp>
+      <p:pic>
+        <p:nvPicPr>
+          <p:cNvPr id="4" name="圖片 3">
+            <a:extLst>
+              <a:ext uri="{FF2B5EF4-FFF2-40B4-BE49-F238E27FC236}">
+                <a16:creationId xmlns:a16="http://schemas.microsoft.com/office/drawing/2014/main" id="{3544C138-2592-4B01-8A7E-8BA21E0B7E09}"/>
+              </a:ext>
+            </a:extLst>
+          </p:cNvPr>
+          <p:cNvPicPr>
+            <a:picLocks noChangeAspect="1"/>
+          </p:cNvPicPr>
+          <p:nvPr/>
+        </p:nvPicPr>
+        <p:blipFill>
+          <a:blip r:embed="rId3">
+            <a:extLst>
+              <a:ext uri="{28A0092B-C50C-407E-A947-70E740481C1C}">
+                <a14:useLocalDpi xmlns:a14="http://schemas.microsoft.com/office/drawing/2010/main" val="0"/>
+              </a:ext>
+            </a:extLst>
+          </a:blip>
+          <a:stretch>
+            <a:fillRect/>
+          </a:stretch>
+        </p:blipFill>
+        <p:spPr>
+          <a:xfrm>
+            <a:off x="966669" y="1660656"/>
+            <a:ext cx="5129331" cy="5129331"/>
+          </a:xfrm>
+          <a:prstGeom prst="rect">
+            <a:avLst/>
+          </a:prstGeom>
+        </p:spPr>
+      </p:pic>
+    </p:spTree>
+    <p:extLst>
+      <p:ext uri="{BB962C8B-B14F-4D97-AF65-F5344CB8AC3E}">
+        <p14:creationId xmlns:p14="http://schemas.microsoft.com/office/powerpoint/2010/main" val="3652774430"/>
+      </p:ext>
+    </p:extLst>
+  </p:cSld>
+  <p:clrMapOvr>
+    <a:masterClrMapping/>
+  </p:clrMapOvr>
+</p:sld>
+</file>
+
+<file path=ppt/slides/slide6.xml><?xml version="1.0" encoding="utf-8"?>
+<p:sld xmlns:a="http://schemas.openxmlformats.org/drawingml/2006/main" xmlns:r="http://schemas.openxmlformats.org/officeDocument/2006/relationships" xmlns:p="http://schemas.openxmlformats.org/presentationml/2006/main">
+  <p:cSld>
+    <p:spTree>
+      <p:nvGrpSpPr>
+        <p:cNvPr id="1" name=""/>
+        <p:cNvGrpSpPr/>
+        <p:nvPr/>
+      </p:nvGrpSpPr>
+      <p:grpSpPr>
+        <a:xfrm>
+          <a:off x="0" y="0"/>
+          <a:ext cx="0" cy="0"/>
+          <a:chOff x="0" y="0"/>
+          <a:chExt cx="0" cy="0"/>
+        </a:xfrm>
+      </p:grpSpPr>
+      <p:sp>
+        <p:nvSpPr>
+          <p:cNvPr id="2" name="標題 1">
+            <a:extLst>
+              <a:ext uri="{FF2B5EF4-FFF2-40B4-BE49-F238E27FC236}">
+                <a16:creationId xmlns:a16="http://schemas.microsoft.com/office/drawing/2014/main" id="{05A4A35E-9D68-46CB-A01A-CCF314E7F4BA}"/>
+              </a:ext>
+            </a:extLst>
+          </p:cNvPr>
+          <p:cNvSpPr>
+            <a:spLocks noGrp="1"/>
+          </p:cNvSpPr>
+          <p:nvPr>
+            <p:ph type="title"/>
+          </p:nvPr>
+        </p:nvSpPr>
+        <p:spPr/>
+        <p:txBody>
+          <a:bodyPr/>
+          <a:lstStyle/>
+          <a:p>
+            <a:pPr algn="l"/>
+            <a:r>
+              <a:rPr lang="en-US" altLang="zh-TW" dirty="0"/>
+              <a:t>5. </a:t>
+            </a:r>
+            <a:r>
+              <a:rPr lang="zh-TW" altLang="en-US" dirty="0"/>
+              <a:t>意外</a:t>
+            </a:r>
+          </a:p>
+        </p:txBody>
+      </p:sp>
+      <p:pic>
+        <p:nvPicPr>
+          <p:cNvPr id="4" name="圖片 3">
+            <a:extLst>
+              <a:ext uri="{FF2B5EF4-FFF2-40B4-BE49-F238E27FC236}">
+                <a16:creationId xmlns:a16="http://schemas.microsoft.com/office/drawing/2014/main" id="{EB7EDC37-4A22-4C69-B650-6C26B10CB97D}"/>
+              </a:ext>
+            </a:extLst>
+          </p:cNvPr>
+          <p:cNvPicPr>
+            <a:picLocks noChangeAspect="1"/>
+          </p:cNvPicPr>
+          <p:nvPr/>
+        </p:nvPicPr>
+        <p:blipFill>
+          <a:blip r:embed="rId3">
+            <a:extLst>
+              <a:ext uri="{28A0092B-C50C-407E-A947-70E740481C1C}">
+                <a14:useLocalDpi xmlns:a14="http://schemas.microsoft.com/office/drawing/2010/main" val="0"/>
+              </a:ext>
+            </a:extLst>
+          </a:blip>
+          <a:stretch>
+            <a:fillRect/>
+          </a:stretch>
+        </p:blipFill>
+        <p:spPr>
+          <a:xfrm>
+            <a:off x="1032164" y="1703479"/>
+            <a:ext cx="5063836" cy="5063836"/>
+          </a:xfrm>
+          <a:prstGeom prst="rect">
+            <a:avLst/>
+          </a:prstGeom>
+        </p:spPr>
+      </p:pic>
+    </p:spTree>
+    <p:extLst>
+      <p:ext uri="{BB962C8B-B14F-4D97-AF65-F5344CB8AC3E}">
+        <p14:creationId xmlns:p14="http://schemas.microsoft.com/office/powerpoint/2010/main" val="973147768"/>
+      </p:ext>
+    </p:extLst>
+  </p:cSld>
+  <p:clrMapOvr>
+    <a:masterClrMapping/>
+  </p:clrMapOvr>
+</p:sld>
+</file>
+
+<file path=ppt/slides/slide7.xml><?xml version="1.0" encoding="utf-8"?>
+<p:sld xmlns:a="http://schemas.openxmlformats.org/drawingml/2006/main" xmlns:r="http://schemas.openxmlformats.org/officeDocument/2006/relationships" xmlns:p="http://schemas.openxmlformats.org/presentationml/2006/main">
+  <p:cSld>
+    <p:spTree>
+      <p:nvGrpSpPr>
+        <p:cNvPr id="1" name=""/>
+        <p:cNvGrpSpPr/>
+        <p:nvPr/>
+      </p:nvGrpSpPr>
+      <p:grpSpPr>
+        <a:xfrm>
+          <a:off x="0" y="0"/>
+          <a:ext cx="0" cy="0"/>
+          <a:chOff x="0" y="0"/>
+          <a:chExt cx="0" cy="0"/>
+        </a:xfrm>
+      </p:grpSpPr>
+      <p:sp>
+        <p:nvSpPr>
+          <p:cNvPr id="2" name="標題 1">
+            <a:extLst>
+              <a:ext uri="{FF2B5EF4-FFF2-40B4-BE49-F238E27FC236}">
+                <a16:creationId xmlns:a16="http://schemas.microsoft.com/office/drawing/2014/main" id="{05A4A35E-9D68-46CB-A01A-CCF314E7F4BA}"/>
+              </a:ext>
+            </a:extLst>
+          </p:cNvPr>
+          <p:cNvSpPr>
+            <a:spLocks noGrp="1"/>
+          </p:cNvSpPr>
+          <p:nvPr>
+            <p:ph type="title"/>
+          </p:nvPr>
+        </p:nvSpPr>
+        <p:spPr/>
+        <p:txBody>
+          <a:bodyPr/>
+          <a:lstStyle/>
+          <a:p>
+            <a:pPr algn="l"/>
+            <a:r>
+              <a:rPr lang="en-US" altLang="zh-TW" dirty="0"/>
+              <a:t>6. </a:t>
+            </a:r>
+            <a:r>
+              <a:rPr lang="zh-TW" altLang="en-US" dirty="0"/>
+              <a:t>轉彎</a:t>
+            </a:r>
+          </a:p>
+        </p:txBody>
+      </p:sp>
+      <p:pic>
+        <p:nvPicPr>
+          <p:cNvPr id="4" name="圖片 3">
+            <a:extLst>
+              <a:ext uri="{FF2B5EF4-FFF2-40B4-BE49-F238E27FC236}">
+                <a16:creationId xmlns:a16="http://schemas.microsoft.com/office/drawing/2014/main" id="{57739ED0-58FB-4477-8BAB-50D86944DE3C}"/>
+              </a:ext>
+            </a:extLst>
+          </p:cNvPr>
+          <p:cNvPicPr>
+            <a:picLocks noChangeAspect="1"/>
+          </p:cNvPicPr>
+          <p:nvPr/>
+        </p:nvPicPr>
+        <p:blipFill>
+          <a:blip r:embed="rId3">
+            <a:extLst>
+              <a:ext uri="{28A0092B-C50C-407E-A947-70E740481C1C}">
+                <a14:useLocalDpi xmlns:a14="http://schemas.microsoft.com/office/drawing/2010/main" val="0"/>
+              </a:ext>
+            </a:extLst>
+          </a:blip>
+          <a:stretch>
+            <a:fillRect/>
+          </a:stretch>
+        </p:blipFill>
+        <p:spPr>
+          <a:xfrm>
+            <a:off x="1027126" y="1705998"/>
+            <a:ext cx="5068874" cy="5068874"/>
+          </a:xfrm>
+          <a:prstGeom prst="rect">
+            <a:avLst/>
+          </a:prstGeom>
+        </p:spPr>
+      </p:pic>
+    </p:spTree>
+    <p:extLst>
+      <p:ext uri="{BB962C8B-B14F-4D97-AF65-F5344CB8AC3E}">
+        <p14:creationId xmlns:p14="http://schemas.microsoft.com/office/powerpoint/2010/main" val="2390699053"/>
+      </p:ext>
+    </p:extLst>
+  </p:cSld>
+  <p:clrMapOvr>
+    <a:masterClrMapping/>
+  </p:clrMapOvr>
+</p:sld>
+</file>
+
+<file path=ppt/slides/slide8.xml><?xml version="1.0" encoding="utf-8"?>
+<p:sld xmlns:a="http://schemas.openxmlformats.org/drawingml/2006/main" xmlns:r="http://schemas.openxmlformats.org/officeDocument/2006/relationships" xmlns:p="http://schemas.openxmlformats.org/presentationml/2006/main">
+  <p:cSld>
+    <p:spTree>
+      <p:nvGrpSpPr>
+        <p:cNvPr id="1" name=""/>
+        <p:cNvGrpSpPr/>
+        <p:nvPr/>
+      </p:nvGrpSpPr>
+      <p:grpSpPr>
+        <a:xfrm>
+          <a:off x="0" y="0"/>
+          <a:ext cx="0" cy="0"/>
+          <a:chOff x="0" y="0"/>
+          <a:chExt cx="0" cy="0"/>
+        </a:xfrm>
+      </p:grpSpPr>
+      <p:sp>
+        <p:nvSpPr>
+          <p:cNvPr id="2" name="標題 1">
+            <a:extLst>
+              <a:ext uri="{FF2B5EF4-FFF2-40B4-BE49-F238E27FC236}">
+                <a16:creationId xmlns:a16="http://schemas.microsoft.com/office/drawing/2014/main" id="{05A4A35E-9D68-46CB-A01A-CCF314E7F4BA}"/>
+              </a:ext>
+            </a:extLst>
+          </p:cNvPr>
+          <p:cNvSpPr>
+            <a:spLocks noGrp="1"/>
+          </p:cNvSpPr>
+          <p:nvPr>
+            <p:ph type="title"/>
+          </p:nvPr>
+        </p:nvSpPr>
+        <p:spPr/>
+        <p:txBody>
+          <a:bodyPr/>
+          <a:lstStyle/>
+          <a:p>
+            <a:pPr algn="l"/>
+            <a:r>
+              <a:rPr lang="en-US" altLang="zh-TW" dirty="0"/>
+              <a:t>7. </a:t>
+            </a:r>
+            <a:r>
+              <a:rPr lang="zh-TW" altLang="en-US" dirty="0"/>
+              <a:t>結局</a:t>
+            </a:r>
+          </a:p>
+        </p:txBody>
+      </p:sp>
+      <p:pic>
+        <p:nvPicPr>
+          <p:cNvPr id="4" name="圖片 3">
+            <a:extLst>
+              <a:ext uri="{FF2B5EF4-FFF2-40B4-BE49-F238E27FC236}">
+                <a16:creationId xmlns:a16="http://schemas.microsoft.com/office/drawing/2014/main" id="{FB278A64-C277-49E5-B52A-7C9BC63944FE}"/>
+              </a:ext>
+            </a:extLst>
+          </p:cNvPr>
+          <p:cNvPicPr>
+            <a:picLocks noChangeAspect="1"/>
+          </p:cNvPicPr>
+          <p:nvPr/>
+        </p:nvPicPr>
+        <p:blipFill>
+          <a:blip r:embed="rId3">
+            <a:extLst>
+              <a:ext uri="{28A0092B-C50C-407E-A947-70E740481C1C}">
+                <a14:useLocalDpi xmlns:a14="http://schemas.microsoft.com/office/drawing/2010/main" val="0"/>
+              </a:ext>
+            </a:extLst>
+          </a:blip>
+          <a:stretch>
+            <a:fillRect/>
+          </a:stretch>
+        </p:blipFill>
+        <p:spPr>
+          <a:xfrm>
+            <a:off x="954075" y="1648061"/>
+            <a:ext cx="5141925" cy="5141925"/>
+          </a:xfrm>
+          <a:prstGeom prst="rect">
+            <a:avLst/>
+          </a:prstGeom>
+        </p:spPr>
+      </p:pic>
+    </p:spTree>
+    <p:extLst>
+      <p:ext uri="{BB962C8B-B14F-4D97-AF65-F5344CB8AC3E}">
+        <p14:creationId xmlns:p14="http://schemas.microsoft.com/office/powerpoint/2010/main" val="2173938319"/>
       </p:ext>
     </p:extLst>
   </p:cSld>
@@ -3385,6 +8076,270 @@
 </file>
 
 <file path=ppt/theme/theme1.xml><?xml version="1.0" encoding="utf-8"?>
+<a:theme xmlns:a="http://schemas.openxmlformats.org/drawingml/2006/main" name="小水滴">
+  <a:themeElements>
+    <a:clrScheme name="小水滴">
+      <a:dk1>
+        <a:sysClr val="windowText" lastClr="000000"/>
+      </a:dk1>
+      <a:lt1>
+        <a:sysClr val="window" lastClr="FFFFFF"/>
+      </a:lt1>
+      <a:dk2>
+        <a:srgbClr val="355071"/>
+      </a:dk2>
+      <a:lt2>
+        <a:srgbClr val="AABED7"/>
+      </a:lt2>
+      <a:accent1>
+        <a:srgbClr val="2FA3EE"/>
+      </a:accent1>
+      <a:accent2>
+        <a:srgbClr val="4BCAAD"/>
+      </a:accent2>
+      <a:accent3>
+        <a:srgbClr val="86C157"/>
+      </a:accent3>
+      <a:accent4>
+        <a:srgbClr val="D99C3F"/>
+      </a:accent4>
+      <a:accent5>
+        <a:srgbClr val="CE6633"/>
+      </a:accent5>
+      <a:accent6>
+        <a:srgbClr val="A35DD1"/>
+      </a:accent6>
+      <a:hlink>
+        <a:srgbClr val="56BCFE"/>
+      </a:hlink>
+      <a:folHlink>
+        <a:srgbClr val="97C5E3"/>
+      </a:folHlink>
+    </a:clrScheme>
+    <a:fontScheme name="小水滴">
+      <a:majorFont>
+        <a:latin typeface="Tw Cen MT" panose="020B0602020104020603"/>
+        <a:ea typeface=""/>
+        <a:cs typeface=""/>
+        <a:font script="Jpan" typeface="ＭＳ Ｐゴシック"/>
+        <a:font script="Hang" typeface="맑은 고딕"/>
+        <a:font script="Hans" typeface="宋体"/>
+        <a:font script="Hant" typeface="新細明體"/>
+        <a:font script="Arab" typeface="Times New Roman"/>
+        <a:font script="Hebr" typeface="Times New Roman"/>
+        <a:font script="Thai" typeface="Angsana New"/>
+        <a:font script="Ethi" typeface="Nyala"/>
+        <a:font script="Beng" typeface="Vrinda"/>
+        <a:font script="Gujr" typeface="Shruti"/>
+        <a:font script="Khmr" typeface="MoolBoran"/>
+        <a:font script="Knda" typeface="Tunga"/>
+        <a:font script="Guru" typeface="Raavi"/>
+        <a:font script="Cans" typeface="Euphemia"/>
+        <a:font script="Cher" typeface="Plantagenet Cherokee"/>
+        <a:font script="Yiii" typeface="Microsoft Yi Baiti"/>
+        <a:font script="Tibt" typeface="Microsoft Himalaya"/>
+        <a:font script="Thaa" typeface="MV Boli"/>
+        <a:font script="Deva" typeface="Mangal"/>
+        <a:font script="Telu" typeface="Gautami"/>
+        <a:font script="Taml" typeface="Latha"/>
+        <a:font script="Syrc" typeface="Estrangelo Edessa"/>
+        <a:font script="Orya" typeface="Kalinga"/>
+        <a:font script="Mlym" typeface="Kartika"/>
+        <a:font script="Laoo" typeface="DokChampa"/>
+        <a:font script="Sinh" typeface="Iskoola Pota"/>
+        <a:font script="Mong" typeface="Mongolian Baiti"/>
+        <a:font script="Viet" typeface="Times New Roman"/>
+        <a:font script="Uigh" typeface="Microsoft Uighur"/>
+        <a:font script="Geor" typeface="Sylfaen"/>
+      </a:majorFont>
+      <a:minorFont>
+        <a:latin typeface="Tw Cen MT" panose="020B0602020104020603"/>
+        <a:ea typeface=""/>
+        <a:cs typeface=""/>
+        <a:font script="Jpan" typeface="ＭＳ Ｐゴシック"/>
+        <a:font script="Hang" typeface="맑은 고딕"/>
+        <a:font script="Hans" typeface="宋体"/>
+        <a:font script="Hant" typeface="新細明體"/>
+        <a:font script="Arab" typeface="Arial"/>
+        <a:font script="Hebr" typeface="Arial"/>
+        <a:font script="Thai" typeface="Cordia New"/>
+        <a:font script="Ethi" typeface="Nyala"/>
+        <a:font script="Beng" typeface="Vrinda"/>
+        <a:font script="Gujr" typeface="Shruti"/>
+        <a:font script="Khmr" typeface="DaunPenh"/>
+        <a:font script="Knda" typeface="Tunga"/>
+        <a:font script="Guru" typeface="Raavi"/>
+        <a:font script="Cans" typeface="Euphemia"/>
+        <a:font script="Cher" typeface="Plantagenet Cherokee"/>
+        <a:font script="Yiii" typeface="Microsoft Yi Baiti"/>
+        <a:font script="Tibt" typeface="Microsoft Himalaya"/>
+        <a:font script="Thaa" typeface="MV Boli"/>
+        <a:font script="Deva" typeface="Mangal"/>
+        <a:font script="Telu" typeface="Gautami"/>
+        <a:font script="Taml" typeface="Latha"/>
+        <a:font script="Syrc" typeface="Estrangelo Edessa"/>
+        <a:font script="Orya" typeface="Kalinga"/>
+        <a:font script="Mlym" typeface="Kartika"/>
+        <a:font script="Laoo" typeface="DokChampa"/>
+        <a:font script="Sinh" typeface="Iskoola Pota"/>
+        <a:font script="Mong" typeface="Mongolian Baiti"/>
+        <a:font script="Viet" typeface="Arial"/>
+        <a:font script="Uigh" typeface="Microsoft Uighur"/>
+        <a:font script="Geor" typeface="Sylfaen"/>
+      </a:minorFont>
+    </a:fontScheme>
+    <a:fmtScheme name="小水滴">
+      <a:fillStyleLst>
+        <a:solidFill>
+          <a:schemeClr val="phClr"/>
+        </a:solidFill>
+        <a:solidFill>
+          <a:schemeClr val="phClr">
+            <a:tint val="69000"/>
+            <a:satMod val="105000"/>
+            <a:lumMod val="110000"/>
+          </a:schemeClr>
+        </a:solidFill>
+        <a:gradFill rotWithShape="1">
+          <a:gsLst>
+            <a:gs pos="0">
+              <a:schemeClr val="phClr">
+                <a:tint val="94000"/>
+                <a:satMod val="100000"/>
+                <a:lumMod val="108000"/>
+              </a:schemeClr>
+            </a:gs>
+            <a:gs pos="50000">
+              <a:schemeClr val="phClr">
+                <a:tint val="98000"/>
+                <a:shade val="100000"/>
+                <a:satMod val="100000"/>
+                <a:lumMod val="100000"/>
+              </a:schemeClr>
+            </a:gs>
+            <a:gs pos="100000">
+              <a:schemeClr val="phClr">
+                <a:shade val="72000"/>
+                <a:satMod val="120000"/>
+                <a:lumMod val="100000"/>
+              </a:schemeClr>
+            </a:gs>
+          </a:gsLst>
+          <a:lin ang="5400000" scaled="0"/>
+        </a:gradFill>
+      </a:fillStyleLst>
+      <a:lnStyleLst>
+        <a:ln w="9525" cap="flat" cmpd="sng" algn="ctr">
+          <a:solidFill>
+            <a:schemeClr val="phClr">
+              <a:shade val="60000"/>
+            </a:schemeClr>
+          </a:solidFill>
+          <a:prstDash val="solid"/>
+        </a:ln>
+        <a:ln w="15875" cap="flat" cmpd="sng" algn="ctr">
+          <a:solidFill>
+            <a:schemeClr val="phClr"/>
+          </a:solidFill>
+          <a:prstDash val="solid"/>
+        </a:ln>
+        <a:ln w="22225" cap="flat" cmpd="sng" algn="ctr">
+          <a:solidFill>
+            <a:schemeClr val="phClr"/>
+          </a:solidFill>
+          <a:prstDash val="solid"/>
+        </a:ln>
+      </a:lnStyleLst>
+      <a:effectStyleLst>
+        <a:effectStyle>
+          <a:effectLst/>
+        </a:effectStyle>
+        <a:effectStyle>
+          <a:effectLst>
+            <a:outerShdw blurRad="50800" dist="25400" dir="5400000" rotWithShape="0">
+              <a:srgbClr val="000000">
+                <a:alpha val="28000"/>
+              </a:srgbClr>
+            </a:outerShdw>
+          </a:effectLst>
+        </a:effectStyle>
+        <a:effectStyle>
+          <a:effectLst>
+            <a:outerShdw blurRad="63500" dist="25400" dir="5400000" algn="ctr" rotWithShape="0">
+              <a:srgbClr val="000000">
+                <a:alpha val="69000"/>
+              </a:srgbClr>
+            </a:outerShdw>
+          </a:effectLst>
+          <a:scene3d>
+            <a:camera prst="orthographicFront">
+              <a:rot lat="0" lon="0" rev="0"/>
+            </a:camera>
+            <a:lightRig rig="balanced" dir="t">
+              <a:rot lat="0" lon="0" rev="1200000"/>
+            </a:lightRig>
+          </a:scene3d>
+          <a:sp3d prstMaterial="plastic">
+            <a:bevelT w="25400" h="25400"/>
+          </a:sp3d>
+        </a:effectStyle>
+      </a:effectStyleLst>
+      <a:bgFillStyleLst>
+        <a:solidFill>
+          <a:schemeClr val="phClr"/>
+        </a:solidFill>
+        <a:gradFill rotWithShape="1">
+          <a:gsLst>
+            <a:gs pos="0">
+              <a:schemeClr val="phClr">
+                <a:tint val="90000"/>
+                <a:lumMod val="110000"/>
+              </a:schemeClr>
+            </a:gs>
+            <a:gs pos="100000">
+              <a:schemeClr val="phClr">
+                <a:shade val="64000"/>
+                <a:lumMod val="88000"/>
+              </a:schemeClr>
+            </a:gs>
+          </a:gsLst>
+          <a:lin ang="5400000" scaled="0"/>
+        </a:gradFill>
+        <a:gradFill rotWithShape="1">
+          <a:gsLst>
+            <a:gs pos="0">
+              <a:schemeClr val="phClr">
+                <a:tint val="84000"/>
+                <a:shade val="100000"/>
+                <a:hueMod val="130000"/>
+                <a:satMod val="150000"/>
+                <a:lumMod val="112000"/>
+              </a:schemeClr>
+            </a:gs>
+            <a:gs pos="100000">
+              <a:schemeClr val="phClr">
+                <a:shade val="92000"/>
+                <a:satMod val="140000"/>
+                <a:lumMod val="110000"/>
+              </a:schemeClr>
+            </a:gs>
+          </a:gsLst>
+          <a:lin ang="5400000" scaled="0"/>
+        </a:gradFill>
+      </a:bgFillStyleLst>
+    </a:fmtScheme>
+  </a:themeElements>
+  <a:objectDefaults/>
+  <a:extraClrSchemeLst/>
+  <a:extLst>
+    <a:ext uri="{05A4C25C-085E-4340-85A3-A5531E510DB2}">
+      <thm15:themeFamily xmlns:thm15="http://schemas.microsoft.com/office/thememl/2012/main" name="Droplet" id="{8984A317-299A-4E50-B45D-BFC9EDE2337A}" vid="{A633B6A3-9E7F-4C10-9C98-2517A3134361}"/>
+    </a:ext>
+  </a:extLst>
+</a:theme>
+</file>
+
+<file path=ppt/theme/theme2.xml><?xml version="1.0" encoding="utf-8"?>
 <a:theme xmlns:a="http://schemas.openxmlformats.org/drawingml/2006/main" name="Office 佈景主題">
   <a:themeElements>
     <a:clrScheme name="Office">
